--- a/forensics-wksp/presentations/forensics-wksp-presentation.pptx
+++ b/forensics-wksp/presentations/forensics-wksp-presentation.pptx
@@ -41875,14 +41875,21 @@
             <p:ph type="body" sz="quarter" idx="10"/>
           </p:nvPr>
         </p:nvSpPr>
-        <p:spPr/>
+        <p:spPr>
+          <a:xfrm>
+            <a:off x="487899" y="3482770"/>
+            <a:ext cx="5037138" cy="433387"/>
+          </a:xfrm>
+        </p:spPr>
         <p:txBody>
-          <a:bodyPr/>
+          <a:bodyPr>
+            <a:normAutofit/>
+          </a:bodyPr>
           <a:lstStyle/>
           <a:p>
             <a:r>
               <a:rPr lang="en-US" dirty="0"/>
-              <a:t>Jeff Puchalski – AWS Security</a:t>
+              <a:t>Jeff Puchalski and Nathan Case – AWS Security</a:t>
             </a:r>
           </a:p>
         </p:txBody>
@@ -46742,7 +46749,7 @@
           </a:ln>
           <a:extLst>
             <a:ext uri="{C572A759-6A51-4108-AA02-DFA0A04FC94B}">
-              <ma14:wrappingTextBoxFlag xmlns:ma14="http://schemas.microsoft.com/office/mac/drawingml/2011/main" xmlns="" val="1"/>
+              <ma14:wrappingTextBoxFlag xmlns="" xmlns:ma14="http://schemas.microsoft.com/office/mac/drawingml/2011/main" val="1"/>
             </a:ext>
           </a:extLst>
         </p:spPr>
@@ -46796,7 +46803,7 @@
           </a:ln>
           <a:extLst>
             <a:ext uri="{C572A759-6A51-4108-AA02-DFA0A04FC94B}">
-              <ma14:wrappingTextBoxFlag xmlns:ma14="http://schemas.microsoft.com/office/mac/drawingml/2011/main" xmlns="" val="1"/>
+              <ma14:wrappingTextBoxFlag xmlns="" xmlns:ma14="http://schemas.microsoft.com/office/mac/drawingml/2011/main" val="1"/>
             </a:ext>
           </a:extLst>
         </p:spPr>
@@ -46865,7 +46872,7 @@
           </a:ln>
           <a:extLst>
             <a:ext uri="{C572A759-6A51-4108-AA02-DFA0A04FC94B}">
-              <ma14:wrappingTextBoxFlag xmlns:ma14="http://schemas.microsoft.com/office/mac/drawingml/2011/main" xmlns="" val="1"/>
+              <ma14:wrappingTextBoxFlag xmlns="" xmlns:ma14="http://schemas.microsoft.com/office/mac/drawingml/2011/main" val="1"/>
             </a:ext>
           </a:extLst>
         </p:spPr>
@@ -46945,7 +46952,7 @@
           </a:ln>
           <a:extLst>
             <a:ext uri="{C572A759-6A51-4108-AA02-DFA0A04FC94B}">
-              <ma14:wrappingTextBoxFlag xmlns:ma14="http://schemas.microsoft.com/office/mac/drawingml/2011/main" xmlns="" val="1"/>
+              <ma14:wrappingTextBoxFlag xmlns="" xmlns:ma14="http://schemas.microsoft.com/office/mac/drawingml/2011/main" val="1"/>
             </a:ext>
           </a:extLst>
         </p:spPr>
@@ -47086,7 +47093,7 @@
           </a:ln>
           <a:extLst>
             <a:ext uri="{C572A759-6A51-4108-AA02-DFA0A04FC94B}">
-              <ma14:wrappingTextBoxFlag xmlns:ma14="http://schemas.microsoft.com/office/mac/drawingml/2011/main" xmlns="" val="1"/>
+              <ma14:wrappingTextBoxFlag xmlns="" xmlns:ma14="http://schemas.microsoft.com/office/mac/drawingml/2011/main" val="1"/>
             </a:ext>
           </a:extLst>
         </p:spPr>
@@ -55894,6 +55901,21 @@
 </file>
 
 <file path=customXml/item1.xml><?xml version="1.0" encoding="utf-8"?>
+<p:properties xmlns:p="http://schemas.microsoft.com/office/2006/metadata/properties" xmlns:xsi="http://www.w3.org/2001/XMLSchema-instance">
+  <documentManagement/>
+</p:properties>
+</file>
+
+<file path=customXml/item2.xml><?xml version="1.0" encoding="utf-8"?>
+<?mso-contentType ?>
+<FormTemplates xmlns="http://schemas.microsoft.com/sharepoint/v3/contenttype/forms">
+  <Display>DocumentLibraryForm</Display>
+  <Edit>DocumentLibraryForm</Edit>
+  <New>DocumentLibraryForm</New>
+</FormTemplates>
+</file>
+
+<file path=customXml/item3.xml><?xml version="1.0" encoding="utf-8"?>
 <ct:contentTypeSchema xmlns:ct="http://schemas.microsoft.com/office/2006/metadata/contentType" xmlns:ma="http://schemas.microsoft.com/office/2006/metadata/properties/metaAttributes" ct:_="" ma:_="" ma:contentTypeName="Document" ma:contentTypeID="0x010100D26A3D6C04DFD740953BA1B2B9E62D60" ma:contentTypeVersion="0" ma:contentTypeDescription="Create a new document." ma:contentTypeScope="" ma:versionID="26617cd14cd3af163c0e97ff614e520a">
   <xsd:schema xmlns:xsd="http://www.w3.org/2001/XMLSchema" xmlns:xs="http://www.w3.org/2001/XMLSchema" xmlns:p="http://schemas.microsoft.com/office/2006/metadata/properties" targetNamespace="http://schemas.microsoft.com/office/2006/metadata/properties" ma:root="true" ma:fieldsID="c64490b4aec6201516c3a874156f37b2">
     <xsd:element name="properties">
@@ -56007,38 +56029,7 @@
 </ct:contentTypeSchema>
 </file>
 
-<file path=customXml/item2.xml><?xml version="1.0" encoding="utf-8"?>
-<p:properties xmlns:p="http://schemas.microsoft.com/office/2006/metadata/properties" xmlns:xsi="http://www.w3.org/2001/XMLSchema-instance">
-  <documentManagement/>
-</p:properties>
-</file>
-
-<file path=customXml/item3.xml><?xml version="1.0" encoding="utf-8"?>
-<?mso-contentType ?>
-<FormTemplates xmlns="http://schemas.microsoft.com/sharepoint/v3/contenttype/forms">
-  <Display>DocumentLibraryForm</Display>
-  <Edit>DocumentLibraryForm</Edit>
-  <New>DocumentLibraryForm</New>
-</FormTemplates>
-</file>
-
 <file path=customXml/itemProps1.xml><?xml version="1.0" encoding="utf-8"?>
-<ds:datastoreItem xmlns:ds="http://schemas.openxmlformats.org/officeDocument/2006/customXml" ds:itemID="{51A3258A-222C-4488-825E-7520D001FB75}">
-  <ds:schemaRefs>
-    <ds:schemaRef ds:uri="http://schemas.microsoft.com/office/2006/metadata/contentType"/>
-    <ds:schemaRef ds:uri="http://schemas.microsoft.com/office/2006/metadata/properties/metaAttributes"/>
-    <ds:schemaRef ds:uri="http://www.w3.org/2001/XMLSchema"/>
-    <ds:schemaRef ds:uri="http://schemas.microsoft.com/office/2006/metadata/properties"/>
-    <ds:schemaRef ds:uri="http://schemas.openxmlformats.org/package/2006/metadata/core-properties"/>
-    <ds:schemaRef ds:uri="http://purl.org/dc/elements/1.1/"/>
-    <ds:schemaRef ds:uri="http://purl.org/dc/terms/"/>
-    <ds:schemaRef ds:uri="http://schemas.microsoft.com/internal/obd"/>
-    <ds:schemaRef ds:uri="http://schemas.microsoft.com/office/infopath/2007/PartnerControls"/>
-  </ds:schemaRefs>
-</ds:datastoreItem>
-</file>
-
-<file path=customXml/itemProps2.xml><?xml version="1.0" encoding="utf-8"?>
 <ds:datastoreItem xmlns:ds="http://schemas.openxmlformats.org/officeDocument/2006/customXml" ds:itemID="{C597C89A-FD0C-431E-81F6-90225B937683}">
   <ds:schemaRefs>
     <ds:schemaRef ds:uri="http://schemas.microsoft.com/office/2006/documentManagement/types"/>
@@ -56053,10 +56044,26 @@
 </ds:datastoreItem>
 </file>
 
-<file path=customXml/itemProps3.xml><?xml version="1.0" encoding="utf-8"?>
+<file path=customXml/itemProps2.xml><?xml version="1.0" encoding="utf-8"?>
 <ds:datastoreItem xmlns:ds="http://schemas.openxmlformats.org/officeDocument/2006/customXml" ds:itemID="{705B35A6-8B52-46A5-AE45-B98C6459DC10}">
   <ds:schemaRefs>
     <ds:schemaRef ds:uri="http://schemas.microsoft.com/sharepoint/v3/contenttype/forms"/>
   </ds:schemaRefs>
 </ds:datastoreItem>
+</file>
+
+<file path=customXml/itemProps3.xml><?xml version="1.0" encoding="utf-8"?>
+<ds:datastoreItem xmlns:ds="http://schemas.openxmlformats.org/officeDocument/2006/customXml" ds:itemID="{51A3258A-222C-4488-825E-7520D001FB75}">
+  <ds:schemaRefs>
+    <ds:schemaRef ds:uri="http://schemas.microsoft.com/office/2006/metadata/contentType"/>
+    <ds:schemaRef ds:uri="http://schemas.microsoft.com/office/2006/metadata/properties/metaAttributes"/>
+    <ds:schemaRef ds:uri="http://www.w3.org/2001/XMLSchema"/>
+    <ds:schemaRef ds:uri="http://schemas.microsoft.com/office/2006/metadata/properties"/>
+    <ds:schemaRef ds:uri="http://schemas.openxmlformats.org/package/2006/metadata/core-properties"/>
+    <ds:schemaRef ds:uri="http://purl.org/dc/elements/1.1/"/>
+    <ds:schemaRef ds:uri="http://purl.org/dc/terms/"/>
+    <ds:schemaRef ds:uri="http://schemas.microsoft.com/internal/obd"/>
+    <ds:schemaRef ds:uri="http://schemas.microsoft.com/office/infopath/2007/PartnerControls"/>
+  </ds:schemaRefs>
+</ds:datastoreItem>
 </file>
--- a/forensics-wksp/presentations/forensics-wksp-presentation.pptx
+++ b/forensics-wksp/presentations/forensics-wksp-presentation.pptx
@@ -5,7 +5,7 @@
     <p:sldMasterId id="2147483674" r:id="rId4"/>
   </p:sldMasterIdLst>
   <p:notesMasterIdLst>
-    <p:notesMasterId r:id="rId60"/>
+    <p:notesMasterId r:id="rId61"/>
   </p:notesMasterIdLst>
   <p:sldIdLst>
     <p:sldId id="484" r:id="rId5"/>
@@ -13,56 +13,57 @@
     <p:sldId id="285" r:id="rId7"/>
     <p:sldId id="584" r:id="rId8"/>
     <p:sldId id="578" r:id="rId9"/>
-    <p:sldId id="603" r:id="rId10"/>
-    <p:sldId id="479" r:id="rId11"/>
-    <p:sldId id="586" r:id="rId12"/>
-    <p:sldId id="471" r:id="rId13"/>
-    <p:sldId id="435" r:id="rId14"/>
-    <p:sldId id="466" r:id="rId15"/>
-    <p:sldId id="311" r:id="rId16"/>
-    <p:sldId id="437" r:id="rId17"/>
-    <p:sldId id="598" r:id="rId18"/>
-    <p:sldId id="381" r:id="rId19"/>
-    <p:sldId id="439" r:id="rId20"/>
-    <p:sldId id="452" r:id="rId21"/>
-    <p:sldId id="454" r:id="rId22"/>
-    <p:sldId id="453" r:id="rId23"/>
-    <p:sldId id="383" r:id="rId24"/>
-    <p:sldId id="599" r:id="rId25"/>
-    <p:sldId id="385" r:id="rId26"/>
-    <p:sldId id="386" r:id="rId27"/>
-    <p:sldId id="387" r:id="rId28"/>
-    <p:sldId id="388" r:id="rId29"/>
-    <p:sldId id="389" r:id="rId30"/>
-    <p:sldId id="390" r:id="rId31"/>
-    <p:sldId id="391" r:id="rId32"/>
-    <p:sldId id="392" r:id="rId33"/>
-    <p:sldId id="393" r:id="rId34"/>
-    <p:sldId id="394" r:id="rId35"/>
-    <p:sldId id="600" r:id="rId36"/>
-    <p:sldId id="309" r:id="rId37"/>
-    <p:sldId id="601" r:id="rId38"/>
-    <p:sldId id="470" r:id="rId39"/>
-    <p:sldId id="455" r:id="rId40"/>
-    <p:sldId id="457" r:id="rId41"/>
-    <p:sldId id="463" r:id="rId42"/>
-    <p:sldId id="384" r:id="rId43"/>
-    <p:sldId id="582" r:id="rId44"/>
-    <p:sldId id="597" r:id="rId45"/>
-    <p:sldId id="378" r:id="rId46"/>
-    <p:sldId id="596" r:id="rId47"/>
-    <p:sldId id="478" r:id="rId48"/>
-    <p:sldId id="477" r:id="rId49"/>
-    <p:sldId id="382" r:id="rId50"/>
-    <p:sldId id="475" r:id="rId51"/>
-    <p:sldId id="590" r:id="rId52"/>
-    <p:sldId id="591" r:id="rId53"/>
-    <p:sldId id="593" r:id="rId54"/>
-    <p:sldId id="602" r:id="rId55"/>
-    <p:sldId id="374" r:id="rId56"/>
-    <p:sldId id="377" r:id="rId57"/>
-    <p:sldId id="474" r:id="rId58"/>
-    <p:sldId id="476" r:id="rId59"/>
+    <p:sldId id="604" r:id="rId10"/>
+    <p:sldId id="603" r:id="rId11"/>
+    <p:sldId id="479" r:id="rId12"/>
+    <p:sldId id="586" r:id="rId13"/>
+    <p:sldId id="471" r:id="rId14"/>
+    <p:sldId id="435" r:id="rId15"/>
+    <p:sldId id="466" r:id="rId16"/>
+    <p:sldId id="311" r:id="rId17"/>
+    <p:sldId id="437" r:id="rId18"/>
+    <p:sldId id="598" r:id="rId19"/>
+    <p:sldId id="381" r:id="rId20"/>
+    <p:sldId id="439" r:id="rId21"/>
+    <p:sldId id="452" r:id="rId22"/>
+    <p:sldId id="454" r:id="rId23"/>
+    <p:sldId id="453" r:id="rId24"/>
+    <p:sldId id="383" r:id="rId25"/>
+    <p:sldId id="599" r:id="rId26"/>
+    <p:sldId id="385" r:id="rId27"/>
+    <p:sldId id="386" r:id="rId28"/>
+    <p:sldId id="387" r:id="rId29"/>
+    <p:sldId id="388" r:id="rId30"/>
+    <p:sldId id="389" r:id="rId31"/>
+    <p:sldId id="390" r:id="rId32"/>
+    <p:sldId id="391" r:id="rId33"/>
+    <p:sldId id="392" r:id="rId34"/>
+    <p:sldId id="393" r:id="rId35"/>
+    <p:sldId id="394" r:id="rId36"/>
+    <p:sldId id="600" r:id="rId37"/>
+    <p:sldId id="309" r:id="rId38"/>
+    <p:sldId id="601" r:id="rId39"/>
+    <p:sldId id="470" r:id="rId40"/>
+    <p:sldId id="455" r:id="rId41"/>
+    <p:sldId id="457" r:id="rId42"/>
+    <p:sldId id="463" r:id="rId43"/>
+    <p:sldId id="384" r:id="rId44"/>
+    <p:sldId id="582" r:id="rId45"/>
+    <p:sldId id="597" r:id="rId46"/>
+    <p:sldId id="378" r:id="rId47"/>
+    <p:sldId id="596" r:id="rId48"/>
+    <p:sldId id="478" r:id="rId49"/>
+    <p:sldId id="477" r:id="rId50"/>
+    <p:sldId id="382" r:id="rId51"/>
+    <p:sldId id="475" r:id="rId52"/>
+    <p:sldId id="590" r:id="rId53"/>
+    <p:sldId id="591" r:id="rId54"/>
+    <p:sldId id="593" r:id="rId55"/>
+    <p:sldId id="602" r:id="rId56"/>
+    <p:sldId id="374" r:id="rId57"/>
+    <p:sldId id="377" r:id="rId58"/>
+    <p:sldId id="474" r:id="rId59"/>
+    <p:sldId id="476" r:id="rId60"/>
   </p:sldIdLst>
   <p:sldSz cx="9144000" cy="5143500" type="screen16x9"/>
   <p:notesSz cx="6858000" cy="9144000"/>
@@ -175,6 +176,7 @@
             <p14:sldId id="285"/>
             <p14:sldId id="584"/>
             <p14:sldId id="578"/>
+            <p14:sldId id="604"/>
             <p14:sldId id="603"/>
             <p14:sldId id="479"/>
           </p14:sldIdLst>
@@ -7629,30 +7631,59 @@
           <a:bodyPr/>
           <a:lstStyle/>
           <a:p>
+            <a:pPr marL="0" marR="0" lvl="0" indent="0" algn="l" defTabSz="457200" rtl="0" eaLnBrk="1" fontAlgn="auto" latinLnBrk="0" hangingPunct="1">
+              <a:lnSpc>
+                <a:spcPct val="100000"/>
+              </a:lnSpc>
+              <a:spcBef>
+                <a:spcPts val="0"/>
+              </a:spcBef>
+              <a:spcAft>
+                <a:spcPts val="0"/>
+              </a:spcAft>
+              <a:buClrTx/>
+              <a:buSzTx/>
+              <a:buFontTx/>
+              <a:buNone/>
+              <a:tabLst/>
+              <a:defRPr/>
+            </a:pPr>
             <a:r>
               <a:rPr lang="en-US" dirty="0"/>
-              <a:t>If we did a rough alignment of AWS services to the NIST Cybersecurity Framework core functions (v1.1 was just released in April of 2018) we might come up with something like this. This shows the breakdown of services and where most services lie, There is definitely overlap and the same services that fall into multiple categories. The services in bold are ones we will cover in this workshop</a:t>
-            </a:r>
-          </a:p>
-          <a:p>
-            <a:endParaRPr lang="en-US" dirty="0"/>
-          </a:p>
-          <a:p>
-            <a:r>
-              <a:rPr lang="en-US" sz="1200" b="0" i="0" kern="1200" dirty="0">
-                <a:solidFill>
-                  <a:schemeClr val="tx1"/>
-                </a:solidFill>
-                <a:effectLst/>
-                <a:latin typeface="Amazon Ember Regular" charset="0"/>
-                <a:ea typeface="+mn-ea"/>
-                <a:cs typeface="+mn-cs"/>
-              </a:rPr>
-              <a:t>NIST Cybersecurity Framework: standards, guidelines, and best practices to manage cybersecurity-related risk.  - Similar to the CAF Components (not Epics) – Directive, Preventive, Detective, Responsive</a:t>
-            </a:r>
-          </a:p>
-          <a:p>
-            <a:endParaRPr lang="en-US" dirty="0"/>
+              <a:t>Flaws that allow this spectrum of network attacks to succeed are quite widespread.  </a:t>
+            </a:r>
+          </a:p>
+          <a:p>
+            <a:r>
+              <a:rPr lang="en-US" dirty="0"/>
+              <a:t>In this section, we’ll look at AWS services that can be leveraged to detect and mitigate common reflection attacks that attempt to produce a volume of traffic capable of congesting network interfaces and inhibiting legitimate traffic.</a:t>
+            </a:r>
+          </a:p>
+          <a:p>
+            <a:r>
+              <a:rPr lang="en-US" dirty="0"/>
+              <a:t>As well as best practices for using WAF to mitigate other frequently exploited injection attack vectors, such as: </a:t>
+            </a:r>
+          </a:p>
+          <a:p>
+            <a:pPr marL="171450" indent="-171450">
+              <a:buFont typeface="Arial" panose="020B0604020202020204" pitchFamily="34" charset="0"/>
+              <a:buChar char="•"/>
+            </a:pPr>
+            <a:r>
+              <a:rPr lang="en-US" dirty="0"/>
+              <a:t>Cross site scripting which sends malicious code to a different end user or </a:t>
+            </a:r>
+          </a:p>
+          <a:p>
+            <a:pPr marL="171450" indent="-171450">
+              <a:buFont typeface="Arial" panose="020B0604020202020204" pitchFamily="34" charset="0"/>
+              <a:buChar char="•"/>
+            </a:pPr>
+            <a:r>
+              <a:rPr lang="en-US" dirty="0"/>
+              <a:t>SQL injections to read, alter, or delete sensitive data.</a:t>
+            </a:r>
           </a:p>
         </p:txBody>
       </p:sp>
@@ -7683,7 +7714,7 @@
     </p:spTree>
     <p:extLst>
       <p:ext uri="{BB962C8B-B14F-4D97-AF65-F5344CB8AC3E}">
-        <p14:creationId xmlns:p14="http://schemas.microsoft.com/office/powerpoint/2010/main" val="1279419941"/>
+        <p14:creationId xmlns:p14="http://schemas.microsoft.com/office/powerpoint/2010/main" val="6700766"/>
       </p:ext>
     </p:extLst>
   </p:cSld>
@@ -7737,289 +7768,30 @@
           <a:bodyPr/>
           <a:lstStyle/>
           <a:p>
-            <a:pPr marL="0" marR="0" lvl="0" indent="0" algn="l" defTabSz="457200" rtl="0" eaLnBrk="1" fontAlgn="auto" latinLnBrk="0" hangingPunct="1">
-              <a:lnSpc>
-                <a:spcPct val="100000"/>
-              </a:lnSpc>
-              <a:spcBef>
-                <a:spcPts val="0"/>
-              </a:spcBef>
-              <a:spcAft>
-                <a:spcPts val="0"/>
-              </a:spcAft>
-              <a:buClrTx/>
-              <a:buSzTx/>
-              <a:buFontTx/>
-              <a:buNone/>
-              <a:tabLst/>
-              <a:defRPr/>
-            </a:pPr>
-            <a:r>
-              <a:rPr lang="en-US" dirty="0">
-                <a:solidFill>
-                  <a:schemeClr val="tx1"/>
-                </a:solidFill>
-                <a:latin typeface="Arial" panose="020B0604020202020204" pitchFamily="34" charset="0"/>
-                <a:cs typeface="Arial" panose="020B0604020202020204" pitchFamily="34" charset="0"/>
-              </a:rPr>
-              <a:t>AWS logs -  data source inputs for a threat detection</a:t>
-            </a:r>
-          </a:p>
-          <a:p>
-            <a:pPr marL="0" marR="0" lvl="0" indent="0" algn="l" defTabSz="457200" rtl="0" eaLnBrk="1" fontAlgn="auto" latinLnBrk="0" hangingPunct="1">
-              <a:lnSpc>
-                <a:spcPct val="100000"/>
-              </a:lnSpc>
-              <a:spcBef>
-                <a:spcPts val="0"/>
-              </a:spcBef>
-              <a:spcAft>
-                <a:spcPts val="0"/>
-              </a:spcAft>
-              <a:buClrTx/>
-              <a:buSzTx/>
-              <a:buFontTx/>
-              <a:buNone/>
-              <a:tabLst/>
-              <a:defRPr/>
-            </a:pPr>
-            <a:r>
-              <a:rPr lang="en-US" dirty="0">
-                <a:solidFill>
-                  <a:schemeClr val="tx1"/>
-                </a:solidFill>
-                <a:latin typeface="Arial" panose="020B0604020202020204" pitchFamily="34" charset="0"/>
-                <a:cs typeface="Arial" panose="020B0604020202020204" pitchFamily="34" charset="0"/>
-              </a:rPr>
-              <a:t>Does anyone know of an AWS service that detects threats by analyzing three out of four of the logs?</a:t>
-            </a:r>
-          </a:p>
-          <a:p>
-            <a:pPr marL="0" marR="0" lvl="0" indent="0" algn="l" defTabSz="457200" rtl="0" eaLnBrk="1" fontAlgn="auto" latinLnBrk="0" hangingPunct="1">
-              <a:lnSpc>
-                <a:spcPct val="100000"/>
-              </a:lnSpc>
-              <a:spcBef>
-                <a:spcPts val="0"/>
-              </a:spcBef>
-              <a:spcAft>
-                <a:spcPts val="0"/>
-              </a:spcAft>
-              <a:buClrTx/>
-              <a:buSzTx/>
-              <a:buFontTx/>
-              <a:buNone/>
-              <a:tabLst/>
-              <a:defRPr/>
-            </a:pPr>
-            <a:endParaRPr lang="en-US" dirty="0">
-              <a:solidFill>
-                <a:schemeClr val="tx1"/>
-              </a:solidFill>
-              <a:latin typeface="Arial" panose="020B0604020202020204" pitchFamily="34" charset="0"/>
-              <a:cs typeface="Arial" panose="020B0604020202020204" pitchFamily="34" charset="0"/>
-            </a:endParaRPr>
-          </a:p>
-          <a:p>
-            <a:pPr marL="0" marR="0" lvl="0" indent="0" algn="l" defTabSz="457200" rtl="0" eaLnBrk="1" fontAlgn="auto" latinLnBrk="0" hangingPunct="1">
-              <a:lnSpc>
-                <a:spcPct val="100000"/>
-              </a:lnSpc>
-              <a:spcBef>
-                <a:spcPts val="0"/>
-              </a:spcBef>
-              <a:spcAft>
-                <a:spcPts val="0"/>
-              </a:spcAft>
-              <a:buClrTx/>
-              <a:buSzTx/>
-              <a:buFontTx/>
-              <a:buNone/>
-              <a:tabLst/>
-              <a:defRPr/>
-            </a:pPr>
-            <a:r>
-              <a:rPr lang="en-US" sz="1200" kern="1200" dirty="0">
+            <a:r>
+              <a:rPr lang="en-US" dirty="0"/>
+              <a:t>If we did a rough alignment of AWS services to the NIST Cybersecurity Framework core functions (v1.1 was just released in April of 2018) we might come up with something like this. This shows the breakdown of services and where most services lie, There is definitely overlap and the same services that fall into multiple categories. The services in bold are ones we will cover in this workshop</a:t>
+            </a:r>
+          </a:p>
+          <a:p>
+            <a:endParaRPr lang="en-US" dirty="0"/>
+          </a:p>
+          <a:p>
+            <a:r>
+              <a:rPr lang="en-US" sz="1200" b="0" i="0" kern="1200" dirty="0">
                 <a:solidFill>
                   <a:schemeClr val="tx1"/>
                 </a:solidFill>
                 <a:effectLst/>
-                <a:latin typeface="Arial"/>
+                <a:latin typeface="Amazon Ember Regular" charset="0"/>
                 <a:ea typeface="+mn-ea"/>
                 <a:cs typeface="+mn-cs"/>
               </a:rPr>
-              <a:t>CloudTrail provides visibility into user activity by recording actions taken on your account.  - Audit</a:t>
-            </a:r>
-            <a:endParaRPr lang="en-US" dirty="0">
-              <a:solidFill>
-                <a:schemeClr val="tx1"/>
-              </a:solidFill>
-              <a:latin typeface="Arial" panose="020B0604020202020204" pitchFamily="34" charset="0"/>
-              <a:cs typeface="Arial" panose="020B0604020202020204" pitchFamily="34" charset="0"/>
-            </a:endParaRPr>
-          </a:p>
-          <a:p>
-            <a:pPr marL="0" marR="0" lvl="0" indent="0" algn="l" defTabSz="457200" rtl="0" eaLnBrk="1" fontAlgn="auto" latinLnBrk="0" hangingPunct="1">
-              <a:lnSpc>
-                <a:spcPct val="100000"/>
-              </a:lnSpc>
-              <a:spcBef>
-                <a:spcPts val="0"/>
-              </a:spcBef>
-              <a:spcAft>
-                <a:spcPts val="0"/>
-              </a:spcAft>
-              <a:buClrTx/>
-              <a:buSzTx/>
-              <a:buFontTx/>
-              <a:buNone/>
-              <a:tabLst/>
-              <a:defRPr/>
-            </a:pPr>
-            <a:r>
-              <a:rPr lang="en-US" dirty="0">
-                <a:solidFill>
-                  <a:schemeClr val="tx1"/>
-                </a:solidFill>
-                <a:latin typeface="Arial" panose="020B0604020202020204" pitchFamily="34" charset="0"/>
-                <a:cs typeface="Arial" panose="020B0604020202020204" pitchFamily="34" charset="0"/>
-              </a:rPr>
-              <a:t>Virtual Private Cloud (VPC) Flow Logs:</a:t>
-            </a:r>
-          </a:p>
-          <a:p>
-            <a:pPr marL="171450" marR="0" lvl="0" indent="-171450" algn="l" defTabSz="457200" rtl="0" eaLnBrk="1" fontAlgn="auto" latinLnBrk="0" hangingPunct="1">
-              <a:lnSpc>
-                <a:spcPct val="100000"/>
-              </a:lnSpc>
-              <a:spcBef>
-                <a:spcPts val="0"/>
-              </a:spcBef>
-              <a:spcAft>
-                <a:spcPts val="0"/>
-              </a:spcAft>
-              <a:buClrTx/>
-              <a:buSzTx/>
-              <a:buFont typeface="Arial" panose="020B0604020202020204" pitchFamily="34" charset="0"/>
-              <a:buChar char="•"/>
-              <a:tabLst/>
-              <a:defRPr/>
-            </a:pPr>
-            <a:r>
-              <a:rPr lang="en-US" dirty="0">
-                <a:solidFill>
-                  <a:schemeClr val="tx1"/>
-                </a:solidFill>
-                <a:latin typeface="Arial" panose="020B0604020202020204" pitchFamily="34" charset="0"/>
-                <a:cs typeface="Arial" panose="020B0604020202020204" pitchFamily="34" charset="0"/>
-              </a:rPr>
-              <a:t>Capture information about the IP traffic going to and from network interfaces in your VPC.    </a:t>
-            </a:r>
-          </a:p>
-          <a:p>
-            <a:pPr marL="171450" marR="0" lvl="0" indent="-171450" algn="l" defTabSz="457200" rtl="0" eaLnBrk="1" fontAlgn="auto" latinLnBrk="0" hangingPunct="1">
-              <a:lnSpc>
-                <a:spcPct val="100000"/>
-              </a:lnSpc>
-              <a:spcBef>
-                <a:spcPts val="0"/>
-              </a:spcBef>
-              <a:spcAft>
-                <a:spcPts val="0"/>
-              </a:spcAft>
-              <a:buClrTx/>
-              <a:buSzTx/>
-              <a:buFont typeface="Arial" panose="020B0604020202020204" pitchFamily="34" charset="0"/>
-              <a:buChar char="•"/>
-              <a:tabLst/>
-              <a:defRPr/>
-            </a:pPr>
-            <a:r>
-              <a:rPr lang="en-US" dirty="0">
-                <a:solidFill>
-                  <a:schemeClr val="tx1"/>
-                </a:solidFill>
-                <a:latin typeface="Arial" panose="020B0604020202020204" pitchFamily="34" charset="0"/>
-                <a:cs typeface="Arial" panose="020B0604020202020204" pitchFamily="34" charset="0"/>
-              </a:rPr>
-              <a:t>Used to monitor the traffic that is reaching your EC2 instances,</a:t>
-            </a:r>
-          </a:p>
-          <a:p>
-            <a:r>
-              <a:rPr lang="en-US" sz="1200" kern="1200" dirty="0">
-                <a:solidFill>
-                  <a:schemeClr val="tx1"/>
-                </a:solidFill>
-                <a:effectLst/>
-                <a:latin typeface="Arial"/>
-                <a:ea typeface="+mn-ea"/>
-                <a:cs typeface="+mn-cs"/>
-              </a:rPr>
-              <a:t>With CloudWatch Logs, you can monitor your logs, in near real-time, for specific phrases, values or patterns to create metrics and implement alarms. </a:t>
-            </a:r>
-            <a:endParaRPr lang="en-US" dirty="0">
-              <a:solidFill>
-                <a:schemeClr val="tx1"/>
-              </a:solidFill>
-              <a:latin typeface="Arial" panose="020B0604020202020204" pitchFamily="34" charset="0"/>
-              <a:cs typeface="Arial" panose="020B0604020202020204" pitchFamily="34" charset="0"/>
-            </a:endParaRPr>
-          </a:p>
-          <a:p>
-            <a:pPr marL="0" marR="0" lvl="0" indent="0" algn="l" defTabSz="457200" rtl="0" eaLnBrk="1" fontAlgn="auto" latinLnBrk="0" hangingPunct="1">
-              <a:lnSpc>
-                <a:spcPct val="100000"/>
-              </a:lnSpc>
-              <a:spcBef>
-                <a:spcPts val="0"/>
-              </a:spcBef>
-              <a:spcAft>
-                <a:spcPts val="0"/>
-              </a:spcAft>
-              <a:buClrTx/>
-              <a:buSzTx/>
-              <a:buFont typeface="Arial" panose="020B0604020202020204" pitchFamily="34" charset="0"/>
-              <a:buNone/>
-              <a:tabLst/>
-              <a:defRPr/>
-            </a:pPr>
-            <a:r>
-              <a:rPr lang="en-US" dirty="0">
-                <a:solidFill>
-                  <a:schemeClr val="tx1"/>
-                </a:solidFill>
-                <a:latin typeface="Arial" panose="020B0604020202020204" pitchFamily="34" charset="0"/>
-                <a:cs typeface="Arial" panose="020B0604020202020204" pitchFamily="34" charset="0"/>
-              </a:rPr>
-              <a:t>DNS Logs are used by GuardDuty as part of the analysis for continuous threat detection and include all DNS queries to the DNS resolver provided within your VPC. </a:t>
-            </a:r>
-          </a:p>
-          <a:p>
-            <a:pPr marL="0" marR="0" lvl="0" indent="0" algn="l" defTabSz="457200" rtl="0" eaLnBrk="1" fontAlgn="auto" latinLnBrk="0" hangingPunct="1">
-              <a:lnSpc>
-                <a:spcPct val="100000"/>
-              </a:lnSpc>
-              <a:spcBef>
-                <a:spcPts val="0"/>
-              </a:spcBef>
-              <a:spcAft>
-                <a:spcPts val="0"/>
-              </a:spcAft>
-              <a:buClrTx/>
-              <a:buSzTx/>
-              <a:buFont typeface="Arial" panose="020B0604020202020204" pitchFamily="34" charset="0"/>
-              <a:buNone/>
-              <a:tabLst/>
-              <a:defRPr/>
-            </a:pPr>
-            <a:endParaRPr lang="en-US" dirty="0">
-              <a:solidFill>
-                <a:schemeClr val="tx1"/>
-              </a:solidFill>
-              <a:latin typeface="Arial" panose="020B0604020202020204" pitchFamily="34" charset="0"/>
-              <a:cs typeface="Arial" panose="020B0604020202020204" pitchFamily="34" charset="0"/>
-            </a:endParaRPr>
+              <a:t>NIST Cybersecurity Framework: standards, guidelines, and best practices to manage cybersecurity-related risk.  - Similar to the CAF Components (not Epics) – Directive, Preventive, Detective, Responsive</a:t>
+            </a:r>
+          </a:p>
+          <a:p>
+            <a:endParaRPr lang="en-US" dirty="0"/>
           </a:p>
         </p:txBody>
       </p:sp>
@@ -8050,7 +7822,7 @@
     </p:spTree>
     <p:extLst>
       <p:ext uri="{BB962C8B-B14F-4D97-AF65-F5344CB8AC3E}">
-        <p14:creationId xmlns:p14="http://schemas.microsoft.com/office/powerpoint/2010/main" val="4045943025"/>
+        <p14:creationId xmlns:p14="http://schemas.microsoft.com/office/powerpoint/2010/main" val="1279419941"/>
       </p:ext>
     </p:extLst>
   </p:cSld>
@@ -8417,7 +8189,7 @@
     </p:spTree>
     <p:extLst>
       <p:ext uri="{BB962C8B-B14F-4D97-AF65-F5344CB8AC3E}">
-        <p14:creationId xmlns:p14="http://schemas.microsoft.com/office/powerpoint/2010/main" val="3458398738"/>
+        <p14:creationId xmlns:p14="http://schemas.microsoft.com/office/powerpoint/2010/main" val="4045943025"/>
       </p:ext>
     </p:extLst>
   </p:cSld>
@@ -8471,6 +8243,107 @@
           <a:bodyPr/>
           <a:lstStyle/>
           <a:p>
+            <a:pPr marL="0" marR="0" lvl="0" indent="0" algn="l" defTabSz="457200" rtl="0" eaLnBrk="1" fontAlgn="auto" latinLnBrk="0" hangingPunct="1">
+              <a:lnSpc>
+                <a:spcPct val="100000"/>
+              </a:lnSpc>
+              <a:spcBef>
+                <a:spcPts val="0"/>
+              </a:spcBef>
+              <a:spcAft>
+                <a:spcPts val="0"/>
+              </a:spcAft>
+              <a:buClrTx/>
+              <a:buSzTx/>
+              <a:buFontTx/>
+              <a:buNone/>
+              <a:tabLst/>
+              <a:defRPr/>
+            </a:pPr>
+            <a:r>
+              <a:rPr lang="en-US" dirty="0">
+                <a:solidFill>
+                  <a:schemeClr val="tx1"/>
+                </a:solidFill>
+                <a:latin typeface="Arial" panose="020B0604020202020204" pitchFamily="34" charset="0"/>
+                <a:cs typeface="Arial" panose="020B0604020202020204" pitchFamily="34" charset="0"/>
+              </a:rPr>
+              <a:t>AWS logs -  data source inputs for a threat detection</a:t>
+            </a:r>
+          </a:p>
+          <a:p>
+            <a:pPr marL="0" marR="0" lvl="0" indent="0" algn="l" defTabSz="457200" rtl="0" eaLnBrk="1" fontAlgn="auto" latinLnBrk="0" hangingPunct="1">
+              <a:lnSpc>
+                <a:spcPct val="100000"/>
+              </a:lnSpc>
+              <a:spcBef>
+                <a:spcPts val="0"/>
+              </a:spcBef>
+              <a:spcAft>
+                <a:spcPts val="0"/>
+              </a:spcAft>
+              <a:buClrTx/>
+              <a:buSzTx/>
+              <a:buFontTx/>
+              <a:buNone/>
+              <a:tabLst/>
+              <a:defRPr/>
+            </a:pPr>
+            <a:r>
+              <a:rPr lang="en-US" dirty="0">
+                <a:solidFill>
+                  <a:schemeClr val="tx1"/>
+                </a:solidFill>
+                <a:latin typeface="Arial" panose="020B0604020202020204" pitchFamily="34" charset="0"/>
+                <a:cs typeface="Arial" panose="020B0604020202020204" pitchFamily="34" charset="0"/>
+              </a:rPr>
+              <a:t>Does anyone know of an AWS service that detects threats by analyzing three out of four of the logs?</a:t>
+            </a:r>
+          </a:p>
+          <a:p>
+            <a:pPr marL="0" marR="0" lvl="0" indent="0" algn="l" defTabSz="457200" rtl="0" eaLnBrk="1" fontAlgn="auto" latinLnBrk="0" hangingPunct="1">
+              <a:lnSpc>
+                <a:spcPct val="100000"/>
+              </a:lnSpc>
+              <a:spcBef>
+                <a:spcPts val="0"/>
+              </a:spcBef>
+              <a:spcAft>
+                <a:spcPts val="0"/>
+              </a:spcAft>
+              <a:buClrTx/>
+              <a:buSzTx/>
+              <a:buFontTx/>
+              <a:buNone/>
+              <a:tabLst/>
+              <a:defRPr/>
+            </a:pPr>
+            <a:endParaRPr lang="en-US" dirty="0">
+              <a:solidFill>
+                <a:schemeClr val="tx1"/>
+              </a:solidFill>
+              <a:latin typeface="Arial" panose="020B0604020202020204" pitchFamily="34" charset="0"/>
+              <a:cs typeface="Arial" panose="020B0604020202020204" pitchFamily="34" charset="0"/>
+            </a:endParaRPr>
+          </a:p>
+          <a:p>
+            <a:pPr marL="0" marR="0" lvl="0" indent="0" algn="l" defTabSz="457200" rtl="0" eaLnBrk="1" fontAlgn="auto" latinLnBrk="0" hangingPunct="1">
+              <a:lnSpc>
+                <a:spcPct val="100000"/>
+              </a:lnSpc>
+              <a:spcBef>
+                <a:spcPts val="0"/>
+              </a:spcBef>
+              <a:spcAft>
+                <a:spcPts val="0"/>
+              </a:spcAft>
+              <a:buClrTx/>
+              <a:buSzTx/>
+              <a:buFontTx/>
+              <a:buNone/>
+              <a:tabLst/>
+              <a:defRPr/>
+            </a:pPr>
             <a:r>
               <a:rPr lang="en-US" sz="1200" kern="1200" dirty="0">
                 <a:solidFill>
@@ -8481,53 +8354,43 @@
                 <a:ea typeface="+mn-ea"/>
                 <a:cs typeface="+mn-cs"/>
               </a:rPr>
-              <a:t>GuardDuty continuously monitors for malicious or unauthorized behavior to help you protect your AWS accounts and workloads. </a:t>
-            </a:r>
-          </a:p>
-          <a:p>
-            <a:r>
-              <a:rPr lang="en-US" sz="1200" kern="1200" dirty="0">
+              <a:t>CloudTrail provides visibility into user activity by recording actions taken on your account.  - Audit</a:t>
+            </a:r>
+            <a:endParaRPr lang="en-US" dirty="0">
+              <a:solidFill>
+                <a:schemeClr val="tx1"/>
+              </a:solidFill>
+              <a:latin typeface="Arial" panose="020B0604020202020204" pitchFamily="34" charset="0"/>
+              <a:cs typeface="Arial" panose="020B0604020202020204" pitchFamily="34" charset="0"/>
+            </a:endParaRPr>
+          </a:p>
+          <a:p>
+            <a:pPr marL="0" marR="0" lvl="0" indent="0" algn="l" defTabSz="457200" rtl="0" eaLnBrk="1" fontAlgn="auto" latinLnBrk="0" hangingPunct="1">
+              <a:lnSpc>
+                <a:spcPct val="100000"/>
+              </a:lnSpc>
+              <a:spcBef>
+                <a:spcPts val="0"/>
+              </a:spcBef>
+              <a:spcAft>
+                <a:spcPts val="0"/>
+              </a:spcAft>
+              <a:buClrTx/>
+              <a:buSzTx/>
+              <a:buFontTx/>
+              <a:buNone/>
+              <a:tabLst/>
+              <a:defRPr/>
+            </a:pPr>
+            <a:r>
+              <a:rPr lang="en-US" dirty="0">
                 <a:solidFill>
                   <a:schemeClr val="tx1"/>
                 </a:solidFill>
-                <a:effectLst/>
-                <a:latin typeface="Arial"/>
-                <a:ea typeface="+mn-ea"/>
-                <a:cs typeface="+mn-cs"/>
+                <a:latin typeface="Arial" panose="020B0604020202020204" pitchFamily="34" charset="0"/>
+                <a:cs typeface="Arial" panose="020B0604020202020204" pitchFamily="34" charset="0"/>
               </a:rPr>
-              <a:t>It uncovers activity such as unusual API calls or potentially unauthorized deployments that indicate a possible account compromise. It also detects potentially compromised instances and reconnaissance by attackers.</a:t>
-            </a:r>
-          </a:p>
-          <a:p>
-            <a:r>
-              <a:rPr lang="en-US" sz="1200" kern="1200" dirty="0">
-                <a:solidFill>
-                  <a:schemeClr val="tx1"/>
-                </a:solidFill>
-                <a:effectLst/>
-                <a:latin typeface="Arial"/>
-                <a:ea typeface="+mn-ea"/>
-                <a:cs typeface="+mn-cs"/>
-              </a:rPr>
-              <a:t>GuardDuty analyzes billions of events across AWS accounts for signs of risk.</a:t>
-            </a:r>
-            <a:endParaRPr lang="en-US" dirty="0"/>
-          </a:p>
-          <a:p>
-            <a:pPr marL="171450" indent="-171450">
-              <a:buFont typeface="Arial" panose="020B0604020202020204" pitchFamily="34" charset="0"/>
-              <a:buChar char="•"/>
-            </a:pPr>
-            <a:endParaRPr lang="en-US" dirty="0"/>
-          </a:p>
-          <a:p>
-            <a:pPr marL="171450" indent="-171450">
-              <a:buFont typeface="Arial" panose="020B0604020202020204" pitchFamily="34" charset="0"/>
-              <a:buChar char="•"/>
-            </a:pPr>
-            <a:r>
-              <a:rPr lang="en-US" dirty="0"/>
-              <a:t>You can easily enable GuardDuty in the console and authorize it to monitor your accounts without additional security software or infrastructure to deploy or manage. </a:t>
+              <a:t>Virtual Private Cloud (VPC) Flow Logs:</a:t>
             </a:r>
           </a:p>
           <a:p>
@@ -8549,6 +8412,47 @@
               <a:defRPr/>
             </a:pPr>
             <a:r>
+              <a:rPr lang="en-US" dirty="0">
+                <a:solidFill>
+                  <a:schemeClr val="tx1"/>
+                </a:solidFill>
+                <a:latin typeface="Arial" panose="020B0604020202020204" pitchFamily="34" charset="0"/>
+                <a:cs typeface="Arial" panose="020B0604020202020204" pitchFamily="34" charset="0"/>
+              </a:rPr>
+              <a:t>Capture information about the IP traffic going to and from network interfaces in your VPC.    </a:t>
+            </a:r>
+          </a:p>
+          <a:p>
+            <a:pPr marL="171450" marR="0" lvl="0" indent="-171450" algn="l" defTabSz="457200" rtl="0" eaLnBrk="1" fontAlgn="auto" latinLnBrk="0" hangingPunct="1">
+              <a:lnSpc>
+                <a:spcPct val="100000"/>
+              </a:lnSpc>
+              <a:spcBef>
+                <a:spcPts val="0"/>
+              </a:spcBef>
+              <a:spcAft>
+                <a:spcPts val="0"/>
+              </a:spcAft>
+              <a:buClrTx/>
+              <a:buSzTx/>
+              <a:buFont typeface="Arial" panose="020B0604020202020204" pitchFamily="34" charset="0"/>
+              <a:buChar char="•"/>
+              <a:tabLst/>
+              <a:defRPr/>
+            </a:pPr>
+            <a:r>
+              <a:rPr lang="en-US" dirty="0">
+                <a:solidFill>
+                  <a:schemeClr val="tx1"/>
+                </a:solidFill>
+                <a:latin typeface="Arial" panose="020B0604020202020204" pitchFamily="34" charset="0"/>
+                <a:cs typeface="Arial" panose="020B0604020202020204" pitchFamily="34" charset="0"/>
+              </a:rPr>
+              <a:t>Used to monitor the traffic that is reaching your EC2 instances,</a:t>
+            </a:r>
+          </a:p>
+          <a:p>
+            <a:r>
               <a:rPr lang="en-US" sz="1200" kern="1200" dirty="0">
                 <a:solidFill>
                   <a:schemeClr val="tx1"/>
@@ -8558,28 +8462,70 @@
                 <a:ea typeface="+mn-ea"/>
                 <a:cs typeface="+mn-cs"/>
               </a:rPr>
-              <a:t>It can analyze and correlate billions of events from CloudTrail, VPC Flow Logs, and DNS Logs across all of your associated AWS accounts. </a:t>
-            </a:r>
-          </a:p>
-          <a:p>
-            <a:pPr marL="171450" indent="-171450">
+              <a:t>With CloudWatch Logs, you can monitor your logs, in near real-time, for specific phrases, values or patterns to create metrics and implement alarms. </a:t>
+            </a:r>
+            <a:endParaRPr lang="en-US" dirty="0">
+              <a:solidFill>
+                <a:schemeClr val="tx1"/>
+              </a:solidFill>
+              <a:latin typeface="Arial" panose="020B0604020202020204" pitchFamily="34" charset="0"/>
+              <a:cs typeface="Arial" panose="020B0604020202020204" pitchFamily="34" charset="0"/>
+            </a:endParaRPr>
+          </a:p>
+          <a:p>
+            <a:pPr marL="0" marR="0" lvl="0" indent="0" algn="l" defTabSz="457200" rtl="0" eaLnBrk="1" fontAlgn="auto" latinLnBrk="0" hangingPunct="1">
+              <a:lnSpc>
+                <a:spcPct val="100000"/>
+              </a:lnSpc>
+              <a:spcBef>
+                <a:spcPts val="0"/>
+              </a:spcBef>
+              <a:spcAft>
+                <a:spcPts val="0"/>
+              </a:spcAft>
+              <a:buClrTx/>
+              <a:buSzTx/>
               <a:buFont typeface="Arial" panose="020B0604020202020204" pitchFamily="34" charset="0"/>
-              <a:buChar char="•"/>
+              <a:buNone/>
+              <a:tabLst/>
+              <a:defRPr/>
             </a:pPr>
             <a:r>
-              <a:rPr lang="en-US" dirty="0"/>
-              <a:t>Performs continuous monitoring using managed rule-sets, integrated threat intelligence, anomaly detection, and machine learning to detect malicious or unauthorized behavior.</a:t>
-            </a:r>
-          </a:p>
-          <a:p>
-            <a:pPr marL="171450" indent="-171450">
+              <a:rPr lang="en-US" dirty="0">
+                <a:solidFill>
+                  <a:schemeClr val="tx1"/>
+                </a:solidFill>
+                <a:latin typeface="Arial" panose="020B0604020202020204" pitchFamily="34" charset="0"/>
+                <a:cs typeface="Arial" panose="020B0604020202020204" pitchFamily="34" charset="0"/>
+              </a:rPr>
+              <a:t>DNS Logs are used by GuardDuty as part of the analysis for continuous threat detection and include all DNS queries to the DNS resolver provided within your VPC. </a:t>
+            </a:r>
+          </a:p>
+          <a:p>
+            <a:pPr marL="0" marR="0" lvl="0" indent="0" algn="l" defTabSz="457200" rtl="0" eaLnBrk="1" fontAlgn="auto" latinLnBrk="0" hangingPunct="1">
+              <a:lnSpc>
+                <a:spcPct val="100000"/>
+              </a:lnSpc>
+              <a:spcBef>
+                <a:spcPts val="0"/>
+              </a:spcBef>
+              <a:spcAft>
+                <a:spcPts val="0"/>
+              </a:spcAft>
+              <a:buClrTx/>
+              <a:buSzTx/>
               <a:buFont typeface="Arial" panose="020B0604020202020204" pitchFamily="34" charset="0"/>
-              <a:buChar char="•"/>
+              <a:buNone/>
+              <a:tabLst/>
+              <a:defRPr/>
             </a:pPr>
-            <a:r>
-              <a:rPr lang="en-US" dirty="0"/>
-              <a:t>Review details findings in the console, integrate into event management or workflow systems, or trigger Lambda for automated remediation or prevention.</a:t>
-            </a:r>
+            <a:endParaRPr lang="en-US" dirty="0">
+              <a:solidFill>
+                <a:schemeClr val="tx1"/>
+              </a:solidFill>
+              <a:latin typeface="Arial" panose="020B0604020202020204" pitchFamily="34" charset="0"/>
+              <a:cs typeface="Arial" panose="020B0604020202020204" pitchFamily="34" charset="0"/>
+            </a:endParaRPr>
           </a:p>
         </p:txBody>
       </p:sp>
@@ -8610,7 +8556,7 @@
     </p:spTree>
     <p:extLst>
       <p:ext uri="{BB962C8B-B14F-4D97-AF65-F5344CB8AC3E}">
-        <p14:creationId xmlns:p14="http://schemas.microsoft.com/office/powerpoint/2010/main" val="851294777"/>
+        <p14:creationId xmlns:p14="http://schemas.microsoft.com/office/powerpoint/2010/main" val="3458398738"/>
       </p:ext>
     </p:extLst>
   </p:cSld>
@@ -8664,7 +8610,67 @@
           <a:bodyPr/>
           <a:lstStyle/>
           <a:p>
-            <a:pPr marL="0" marR="0" lvl="0" indent="0" algn="l" defTabSz="457200" rtl="0" eaLnBrk="1" fontAlgn="auto" latinLnBrk="0" hangingPunct="1">
+            <a:r>
+              <a:rPr lang="en-US" sz="1200" kern="1200" dirty="0">
+                <a:solidFill>
+                  <a:schemeClr val="tx1"/>
+                </a:solidFill>
+                <a:effectLst/>
+                <a:latin typeface="Arial"/>
+                <a:ea typeface="+mn-ea"/>
+                <a:cs typeface="+mn-cs"/>
+              </a:rPr>
+              <a:t>GuardDuty continuously monitors for malicious or unauthorized behavior to help you protect your AWS accounts and workloads. </a:t>
+            </a:r>
+          </a:p>
+          <a:p>
+            <a:r>
+              <a:rPr lang="en-US" sz="1200" kern="1200" dirty="0">
+                <a:solidFill>
+                  <a:schemeClr val="tx1"/>
+                </a:solidFill>
+                <a:effectLst/>
+                <a:latin typeface="Arial"/>
+                <a:ea typeface="+mn-ea"/>
+                <a:cs typeface="+mn-cs"/>
+              </a:rPr>
+              <a:t>It uncovers activity such as unusual API calls or potentially unauthorized deployments that indicate a possible account compromise. It also detects potentially compromised instances and reconnaissance by attackers.</a:t>
+            </a:r>
+          </a:p>
+          <a:p>
+            <a:r>
+              <a:rPr lang="en-US" sz="1200" kern="1200" dirty="0">
+                <a:solidFill>
+                  <a:schemeClr val="tx1"/>
+                </a:solidFill>
+                <a:effectLst/>
+                <a:latin typeface="Arial"/>
+                <a:ea typeface="+mn-ea"/>
+                <a:cs typeface="+mn-cs"/>
+              </a:rPr>
+              <a:t>GuardDuty analyzes billions of events across AWS accounts for signs of risk.</a:t>
+            </a:r>
+            <a:endParaRPr lang="en-US" dirty="0"/>
+          </a:p>
+          <a:p>
+            <a:pPr marL="171450" indent="-171450">
+              <a:buFont typeface="Arial" panose="020B0604020202020204" pitchFamily="34" charset="0"/>
+              <a:buChar char="•"/>
+            </a:pPr>
+            <a:endParaRPr lang="en-US" dirty="0"/>
+          </a:p>
+          <a:p>
+            <a:pPr marL="171450" indent="-171450">
+              <a:buFont typeface="Arial" panose="020B0604020202020204" pitchFamily="34" charset="0"/>
+              <a:buChar char="•"/>
+            </a:pPr>
+            <a:r>
+              <a:rPr lang="en-US" dirty="0"/>
+              <a:t>You can easily enable GuardDuty in the console and authorize it to monitor your accounts without additional security software or infrastructure to deploy or manage. </a:t>
+            </a:r>
+          </a:p>
+          <a:p>
+            <a:pPr marL="171450" marR="0" lvl="0" indent="-171450" algn="l" defTabSz="457200" rtl="0" eaLnBrk="1" fontAlgn="auto" latinLnBrk="0" hangingPunct="1">
               <a:lnSpc>
                 <a:spcPct val="100000"/>
               </a:lnSpc>
@@ -8676,8 +8682,8 @@
               </a:spcAft>
               <a:buClrTx/>
               <a:buSzTx/>
-              <a:buFontTx/>
-              <a:buNone/>
+              <a:buFont typeface="Arial" panose="020B0604020202020204" pitchFamily="34" charset="0"/>
+              <a:buChar char="•"/>
               <a:tabLst/>
               <a:defRPr/>
             </a:pPr>
@@ -8691,158 +8697,27 @@
                 <a:ea typeface="+mn-ea"/>
                 <a:cs typeface="+mn-cs"/>
               </a:rPr>
-              <a:t>GuardDuty can help identify potentially malicious activity throughout an attack lifecycle.</a:t>
-            </a:r>
-          </a:p>
-          <a:p>
-            <a:pPr marL="0" marR="0" lvl="0" indent="0" algn="l" defTabSz="457200" rtl="0" eaLnBrk="1" fontAlgn="auto" latinLnBrk="0" hangingPunct="1">
-              <a:lnSpc>
-                <a:spcPct val="100000"/>
-              </a:lnSpc>
-              <a:spcBef>
-                <a:spcPts val="0"/>
-              </a:spcBef>
-              <a:spcAft>
-                <a:spcPts val="0"/>
-              </a:spcAft>
-              <a:buClrTx/>
-              <a:buSzTx/>
-              <a:buFontTx/>
-              <a:buNone/>
-              <a:tabLst/>
-              <a:defRPr/>
+              <a:t>It can analyze and correlate billions of events from CloudTrail, VPC Flow Logs, and DNS Logs across all of your associated AWS accounts. </a:t>
+            </a:r>
+          </a:p>
+          <a:p>
+            <a:pPr marL="171450" indent="-171450">
+              <a:buFont typeface="Arial" panose="020B0604020202020204" pitchFamily="34" charset="0"/>
+              <a:buChar char="•"/>
             </a:pPr>
-            <a:endParaRPr lang="en-US" sz="1200" kern="1200" dirty="0">
-              <a:solidFill>
-                <a:schemeClr val="tx1"/>
-              </a:solidFill>
-              <a:effectLst/>
-              <a:latin typeface="Arial"/>
-              <a:ea typeface="+mn-ea"/>
-              <a:cs typeface="+mn-cs"/>
-            </a:endParaRPr>
-          </a:p>
-          <a:p>
-            <a:pPr marL="0" marR="0" lvl="0" indent="0" algn="l" defTabSz="457200" rtl="0" eaLnBrk="1" fontAlgn="auto" latinLnBrk="0" hangingPunct="1">
-              <a:lnSpc>
-                <a:spcPct val="100000"/>
-              </a:lnSpc>
-              <a:spcBef>
-                <a:spcPts val="0"/>
-              </a:spcBef>
-              <a:spcAft>
-                <a:spcPts val="0"/>
-              </a:spcAft>
-              <a:buClrTx/>
-              <a:buSzTx/>
-              <a:buFontTx/>
-              <a:buNone/>
-              <a:tabLst/>
-              <a:defRPr/>
+            <a:r>
+              <a:rPr lang="en-US" dirty="0"/>
+              <a:t>Performs continuous monitoring using managed rule-sets, integrated threat intelligence, anomaly detection, and machine learning to detect malicious or unauthorized behavior.</a:t>
+            </a:r>
+          </a:p>
+          <a:p>
+            <a:pPr marL="171450" indent="-171450">
+              <a:buFont typeface="Arial" panose="020B0604020202020204" pitchFamily="34" charset="0"/>
+              <a:buChar char="•"/>
             </a:pPr>
             <a:r>
-              <a:rPr lang="en-US" sz="1200" kern="1200" dirty="0">
-                <a:solidFill>
-                  <a:schemeClr val="tx1"/>
-                </a:solidFill>
-                <a:effectLst/>
-                <a:latin typeface="Arial"/>
-                <a:ea typeface="+mn-ea"/>
-                <a:cs typeface="+mn-cs"/>
-              </a:rPr>
-              <a:t>Starting with reconnaissance &amp; infiltration, whether a user was Phished or credentials leaked, once in, attackers commonly work to connect to the network, anonymize their access, and deploy their Remote Access Trojan to establish a back door to command &amp; control.</a:t>
-            </a:r>
-          </a:p>
-          <a:p>
-            <a:pPr marL="0" marR="0" lvl="0" indent="0" algn="l" defTabSz="457200" rtl="0" eaLnBrk="1" fontAlgn="auto" latinLnBrk="0" hangingPunct="1">
-              <a:lnSpc>
-                <a:spcPct val="100000"/>
-              </a:lnSpc>
-              <a:spcBef>
-                <a:spcPts val="0"/>
-              </a:spcBef>
-              <a:spcAft>
-                <a:spcPts val="0"/>
-              </a:spcAft>
-              <a:buClrTx/>
-              <a:buSzTx/>
-              <a:buFontTx/>
-              <a:buNone/>
-              <a:tabLst/>
-              <a:defRPr/>
-            </a:pPr>
-            <a:endParaRPr lang="en-US" sz="1200" kern="1200" dirty="0">
-              <a:solidFill>
-                <a:schemeClr val="tx1"/>
-              </a:solidFill>
-              <a:effectLst/>
-              <a:latin typeface="Arial"/>
-              <a:ea typeface="+mn-ea"/>
-              <a:cs typeface="+mn-cs"/>
-            </a:endParaRPr>
-          </a:p>
-          <a:p>
-            <a:r>
-              <a:rPr lang="en-US" sz="1200" kern="1200" dirty="0">
-                <a:solidFill>
-                  <a:schemeClr val="tx1"/>
-                </a:solidFill>
-                <a:effectLst/>
-                <a:latin typeface="Arial"/>
-                <a:ea typeface="+mn-ea"/>
-                <a:cs typeface="+mn-cs"/>
-              </a:rPr>
-              <a:t>Then, more reconnaissance to figure out what’s there - get user lists, scout targets, and find vulnerabilities.</a:t>
-            </a:r>
-          </a:p>
-          <a:p>
-            <a:endParaRPr lang="en-US" sz="1200" kern="1200" dirty="0">
-              <a:solidFill>
-                <a:schemeClr val="tx1"/>
-              </a:solidFill>
-              <a:effectLst/>
-              <a:latin typeface="Arial"/>
-              <a:ea typeface="+mn-ea"/>
-              <a:cs typeface="+mn-cs"/>
-            </a:endParaRPr>
-          </a:p>
-          <a:p>
-            <a:r>
-              <a:rPr lang="en-US" sz="1200" kern="1200" dirty="0">
-                <a:solidFill>
-                  <a:schemeClr val="tx1"/>
-                </a:solidFill>
-                <a:effectLst/>
-                <a:latin typeface="Arial"/>
-                <a:ea typeface="+mn-ea"/>
-                <a:cs typeface="+mn-cs"/>
-              </a:rPr>
-              <a:t>Lateral movement looking for ways to access instances with credentials that provide more privileged access.</a:t>
-            </a:r>
-          </a:p>
-          <a:p>
-            <a:endParaRPr lang="en-US" sz="1200" kern="1200" dirty="0">
-              <a:solidFill>
-                <a:schemeClr val="tx1"/>
-              </a:solidFill>
-              <a:effectLst/>
-              <a:latin typeface="Arial"/>
-              <a:ea typeface="+mn-ea"/>
-              <a:cs typeface="+mn-cs"/>
-            </a:endParaRPr>
-          </a:p>
-          <a:p>
-            <a:r>
-              <a:rPr lang="en-US" sz="1200" kern="1200" dirty="0">
-                <a:solidFill>
-                  <a:schemeClr val="tx1"/>
-                </a:solidFill>
-                <a:effectLst/>
-                <a:latin typeface="Arial"/>
-                <a:ea typeface="+mn-ea"/>
-                <a:cs typeface="+mn-cs"/>
-              </a:rPr>
-              <a:t>Mission target: access to transfer critical data to an external location.</a:t>
+              <a:rPr lang="en-US" dirty="0"/>
+              <a:t>Review details findings in the console, integrate into event management or workflow systems, or trigger Lambda for automated remediation or prevention.</a:t>
             </a:r>
           </a:p>
         </p:txBody>
@@ -8874,7 +8749,7 @@
     </p:spTree>
     <p:extLst>
       <p:ext uri="{BB962C8B-B14F-4D97-AF65-F5344CB8AC3E}">
-        <p14:creationId xmlns:p14="http://schemas.microsoft.com/office/powerpoint/2010/main" val="1949669968"/>
+        <p14:creationId xmlns:p14="http://schemas.microsoft.com/office/powerpoint/2010/main" val="851294777"/>
       </p:ext>
     </p:extLst>
   </p:cSld>
@@ -8946,8 +8821,16 @@
               <a:defRPr/>
             </a:pPr>
             <a:r>
-              <a:rPr lang="en-US" dirty="0"/>
-              <a:t>Config Rules and CloudWatch Events can both be used to trigger automated threat response.</a:t>
+              <a:rPr lang="en-US" sz="1200" kern="1200" dirty="0">
+                <a:solidFill>
+                  <a:schemeClr val="tx1"/>
+                </a:solidFill>
+                <a:effectLst/>
+                <a:latin typeface="Arial"/>
+                <a:ea typeface="+mn-ea"/>
+                <a:cs typeface="+mn-cs"/>
+              </a:rPr>
+              <a:t>GuardDuty can help identify potentially malicious activity throughout an attack lifecycle.</a:t>
             </a:r>
           </a:p>
           <a:p>
@@ -8968,7 +8851,15 @@
               <a:tabLst/>
               <a:defRPr/>
             </a:pPr>
-            <a:endParaRPr lang="en-US" dirty="0"/>
+            <a:endParaRPr lang="en-US" sz="1200" kern="1200" dirty="0">
+              <a:solidFill>
+                <a:schemeClr val="tx1"/>
+              </a:solidFill>
+              <a:effectLst/>
+              <a:latin typeface="Arial"/>
+              <a:ea typeface="+mn-ea"/>
+              <a:cs typeface="+mn-cs"/>
+            </a:endParaRPr>
           </a:p>
           <a:p>
             <a:pPr marL="0" marR="0" lvl="0" indent="0" algn="l" defTabSz="457200" rtl="0" eaLnBrk="1" fontAlgn="auto" latinLnBrk="0" hangingPunct="1">
@@ -8989,54 +8880,16 @@
               <a:defRPr/>
             </a:pPr>
             <a:r>
-              <a:rPr lang="en-US" dirty="0"/>
-              <a:t>Highlights:</a:t>
-            </a:r>
-          </a:p>
-          <a:p>
-            <a:pPr marL="171450" marR="0" lvl="0" indent="-171450" algn="l" defTabSz="457200" rtl="0" eaLnBrk="1" fontAlgn="auto" latinLnBrk="0" hangingPunct="1">
-              <a:lnSpc>
-                <a:spcPct val="100000"/>
-              </a:lnSpc>
-              <a:spcBef>
-                <a:spcPts val="0"/>
-              </a:spcBef>
-              <a:spcAft>
-                <a:spcPts val="0"/>
-              </a:spcAft>
-              <a:buClrTx/>
-              <a:buSzTx/>
-              <a:buFont typeface="Arial" panose="020B0604020202020204" pitchFamily="34" charset="0"/>
-              <a:buChar char="•"/>
-              <a:tabLst/>
-              <a:defRPr/>
-            </a:pPr>
-            <a:r>
-              <a:rPr lang="en-US" dirty="0"/>
-              <a:t>CloudWatch Event timing vs. CloudTrail and use cases</a:t>
-            </a:r>
-          </a:p>
-          <a:p>
-            <a:pPr marL="171450" marR="0" lvl="0" indent="-171450" algn="l" defTabSz="457200" rtl="0" eaLnBrk="1" fontAlgn="auto" latinLnBrk="0" hangingPunct="1">
-              <a:lnSpc>
-                <a:spcPct val="100000"/>
-              </a:lnSpc>
-              <a:spcBef>
-                <a:spcPts val="0"/>
-              </a:spcBef>
-              <a:spcAft>
-                <a:spcPts val="0"/>
-              </a:spcAft>
-              <a:buClrTx/>
-              <a:buSzTx/>
-              <a:buFont typeface="Arial" panose="020B0604020202020204" pitchFamily="34" charset="0"/>
-              <a:buChar char="•"/>
-              <a:tabLst/>
-              <a:defRPr/>
-            </a:pPr>
-            <a:r>
-              <a:rPr lang="en-US" dirty="0"/>
-              <a:t>Config multi-region, multi-account</a:t>
+              <a:rPr lang="en-US" sz="1200" kern="1200" dirty="0">
+                <a:solidFill>
+                  <a:schemeClr val="tx1"/>
+                </a:solidFill>
+                <a:effectLst/>
+                <a:latin typeface="Arial"/>
+                <a:ea typeface="+mn-ea"/>
+                <a:cs typeface="+mn-cs"/>
+              </a:rPr>
+              <a:t>Starting with reconnaissance &amp; infiltration, whether a user was Phished or credentials leaked, once in, attackers commonly work to connect to the network, anonymize their access, and deploy their Remote Access Trojan to establish a back door to command &amp; control.</a:t>
             </a:r>
           </a:p>
           <a:p>
@@ -9057,141 +8910,78 @@
               <a:tabLst/>
               <a:defRPr/>
             </a:pPr>
-            <a:endParaRPr lang="en-US" dirty="0"/>
-          </a:p>
-          <a:p>
-            <a:pPr marL="0" marR="0" lvl="0" indent="0" algn="l" defTabSz="457200" rtl="0" eaLnBrk="1" fontAlgn="auto" latinLnBrk="0" hangingPunct="1">
-              <a:lnSpc>
-                <a:spcPct val="100000"/>
-              </a:lnSpc>
-              <a:spcBef>
-                <a:spcPts val="0"/>
-              </a:spcBef>
-              <a:spcAft>
-                <a:spcPts val="0"/>
-              </a:spcAft>
-              <a:buClrTx/>
-              <a:buSzTx/>
-              <a:buFontTx/>
-              <a:buNone/>
-              <a:tabLst/>
-              <a:defRPr/>
-            </a:pPr>
-            <a:r>
-              <a:rPr lang="en-US" dirty="0"/>
-              <a:t>A Config Rule represents desired configurations for a resource and is evaluated against configuration changes recorded by AWS Config. </a:t>
-            </a:r>
-          </a:p>
-          <a:p>
-            <a:pPr marL="0" marR="0" lvl="0" indent="0" algn="l" defTabSz="457200" rtl="0" eaLnBrk="1" fontAlgn="auto" latinLnBrk="0" hangingPunct="1">
-              <a:lnSpc>
-                <a:spcPct val="100000"/>
-              </a:lnSpc>
-              <a:spcBef>
-                <a:spcPts val="0"/>
-              </a:spcBef>
-              <a:spcAft>
-                <a:spcPts val="0"/>
-              </a:spcAft>
-              <a:buClrTx/>
-              <a:buSzTx/>
-              <a:buFontTx/>
-              <a:buNone/>
-              <a:tabLst/>
-              <a:defRPr/>
-            </a:pPr>
-            <a:r>
-              <a:rPr lang="en-US" dirty="0"/>
-              <a:t>Use Config Rules to assess overall compliance and risk status from a configuration perspective, </a:t>
-            </a:r>
-          </a:p>
-          <a:p>
-            <a:pPr marL="171450" marR="0" lvl="0" indent="-171450" algn="l" defTabSz="457200" rtl="0" eaLnBrk="1" fontAlgn="auto" latinLnBrk="0" hangingPunct="1">
-              <a:lnSpc>
-                <a:spcPct val="100000"/>
-              </a:lnSpc>
-              <a:spcBef>
-                <a:spcPts val="0"/>
-              </a:spcBef>
-              <a:spcAft>
-                <a:spcPts val="0"/>
-              </a:spcAft>
-              <a:buClrTx/>
-              <a:buSzTx/>
-              <a:buFont typeface="Arial" panose="020B0604020202020204" pitchFamily="34" charset="0"/>
-              <a:buChar char="•"/>
-              <a:tabLst/>
-              <a:defRPr/>
-            </a:pPr>
-            <a:r>
-              <a:rPr lang="en-US" dirty="0"/>
-              <a:t>View compliance trends over time and pinpoint which configuration change caused a resource to drift out of compliance with a rule.</a:t>
-            </a:r>
-          </a:p>
-          <a:p>
-            <a:pPr marL="0" marR="0" lvl="0" indent="0" algn="l" defTabSz="457200" rtl="0" eaLnBrk="1" fontAlgn="auto" latinLnBrk="0" hangingPunct="1">
-              <a:lnSpc>
-                <a:spcPct val="100000"/>
-              </a:lnSpc>
-              <a:spcBef>
-                <a:spcPts val="0"/>
-              </a:spcBef>
-              <a:spcAft>
-                <a:spcPts val="0"/>
-              </a:spcAft>
-              <a:buClrTx/>
-              <a:buSzTx/>
-              <a:buFontTx/>
-              <a:buNone/>
-              <a:tabLst/>
-              <a:defRPr/>
-            </a:pPr>
-            <a:endParaRPr lang="en-US" dirty="0"/>
-          </a:p>
-          <a:p>
-            <a:pPr marL="0" marR="0" lvl="0" indent="0" algn="l" defTabSz="457200" rtl="0" eaLnBrk="1" fontAlgn="auto" latinLnBrk="0" hangingPunct="1">
-              <a:lnSpc>
-                <a:spcPct val="100000"/>
-              </a:lnSpc>
-              <a:spcBef>
-                <a:spcPts val="0"/>
-              </a:spcBef>
-              <a:spcAft>
-                <a:spcPts val="0"/>
-              </a:spcAft>
-              <a:buClrTx/>
-              <a:buSzTx/>
-              <a:buFontTx/>
-              <a:buNone/>
-              <a:tabLst/>
-              <a:defRPr/>
-            </a:pPr>
-            <a:r>
-              <a:rPr lang="en-US" dirty="0"/>
-              <a:t>CloudWatch becomes aware of changes as they occur for near real-time response</a:t>
-            </a:r>
-          </a:p>
-          <a:p>
-            <a:pPr marL="171450" marR="0" lvl="0" indent="-171450" algn="l" defTabSz="457200" rtl="0" eaLnBrk="1" fontAlgn="auto" latinLnBrk="0" hangingPunct="1">
-              <a:lnSpc>
-                <a:spcPct val="100000"/>
-              </a:lnSpc>
-              <a:spcBef>
-                <a:spcPts val="0"/>
-              </a:spcBef>
-              <a:spcAft>
-                <a:spcPts val="0"/>
-              </a:spcAft>
-              <a:buClrTx/>
-              <a:buSzTx/>
-              <a:buFont typeface="Arial" panose="020B0604020202020204" pitchFamily="34" charset="0"/>
-              <a:buChar char="•"/>
-              <a:tabLst/>
-              <a:defRPr/>
-            </a:pPr>
-            <a:r>
-              <a:rPr lang="en-US" dirty="0"/>
-              <a:t>Take corrective action by activating functions, making changes, and capturing state information.</a:t>
+            <a:endParaRPr lang="en-US" sz="1200" kern="1200" dirty="0">
+              <a:solidFill>
+                <a:schemeClr val="tx1"/>
+              </a:solidFill>
+              <a:effectLst/>
+              <a:latin typeface="Arial"/>
+              <a:ea typeface="+mn-ea"/>
+              <a:cs typeface="+mn-cs"/>
+            </a:endParaRPr>
+          </a:p>
+          <a:p>
+            <a:r>
+              <a:rPr lang="en-US" sz="1200" kern="1200" dirty="0">
+                <a:solidFill>
+                  <a:schemeClr val="tx1"/>
+                </a:solidFill>
+                <a:effectLst/>
+                <a:latin typeface="Arial"/>
+                <a:ea typeface="+mn-ea"/>
+                <a:cs typeface="+mn-cs"/>
+              </a:rPr>
+              <a:t>Then, more reconnaissance to figure out what’s there - get user lists, scout targets, and find vulnerabilities.</a:t>
+            </a:r>
+          </a:p>
+          <a:p>
+            <a:endParaRPr lang="en-US" sz="1200" kern="1200" dirty="0">
+              <a:solidFill>
+                <a:schemeClr val="tx1"/>
+              </a:solidFill>
+              <a:effectLst/>
+              <a:latin typeface="Arial"/>
+              <a:ea typeface="+mn-ea"/>
+              <a:cs typeface="+mn-cs"/>
+            </a:endParaRPr>
+          </a:p>
+          <a:p>
+            <a:r>
+              <a:rPr lang="en-US" sz="1200" kern="1200" dirty="0">
+                <a:solidFill>
+                  <a:schemeClr val="tx1"/>
+                </a:solidFill>
+                <a:effectLst/>
+                <a:latin typeface="Arial"/>
+                <a:ea typeface="+mn-ea"/>
+                <a:cs typeface="+mn-cs"/>
+              </a:rPr>
+              <a:t>Lateral movement looking for ways to access instances with credentials that provide more privileged access.</a:t>
+            </a:r>
+          </a:p>
+          <a:p>
+            <a:endParaRPr lang="en-US" sz="1200" kern="1200" dirty="0">
+              <a:solidFill>
+                <a:schemeClr val="tx1"/>
+              </a:solidFill>
+              <a:effectLst/>
+              <a:latin typeface="Arial"/>
+              <a:ea typeface="+mn-ea"/>
+              <a:cs typeface="+mn-cs"/>
+            </a:endParaRPr>
+          </a:p>
+          <a:p>
+            <a:r>
+              <a:rPr lang="en-US" sz="1200" kern="1200" dirty="0">
+                <a:solidFill>
+                  <a:schemeClr val="tx1"/>
+                </a:solidFill>
+                <a:effectLst/>
+                <a:latin typeface="Arial"/>
+                <a:ea typeface="+mn-ea"/>
+                <a:cs typeface="+mn-cs"/>
+              </a:rPr>
+              <a:t>Mission target: access to transfer critical data to an external location.</a:t>
             </a:r>
           </a:p>
         </p:txBody>
@@ -9223,7 +9013,7 @@
     </p:spTree>
     <p:extLst>
       <p:ext uri="{BB962C8B-B14F-4D97-AF65-F5344CB8AC3E}">
-        <p14:creationId xmlns:p14="http://schemas.microsoft.com/office/powerpoint/2010/main" val="4150053451"/>
+        <p14:creationId xmlns:p14="http://schemas.microsoft.com/office/powerpoint/2010/main" val="1949669968"/>
       </p:ext>
     </p:extLst>
   </p:cSld>
@@ -9277,27 +9067,270 @@
           <a:bodyPr/>
           <a:lstStyle/>
           <a:p>
+            <a:pPr marL="0" marR="0" lvl="0" indent="0" algn="l" defTabSz="457200" rtl="0" eaLnBrk="1" fontAlgn="auto" latinLnBrk="0" hangingPunct="1">
+              <a:lnSpc>
+                <a:spcPct val="100000"/>
+              </a:lnSpc>
+              <a:spcBef>
+                <a:spcPts val="0"/>
+              </a:spcBef>
+              <a:spcAft>
+                <a:spcPts val="0"/>
+              </a:spcAft>
+              <a:buClrTx/>
+              <a:buSzTx/>
+              <a:buFontTx/>
+              <a:buNone/>
+              <a:tabLst/>
+              <a:defRPr/>
+            </a:pPr>
             <a:r>
               <a:rPr lang="en-US" dirty="0"/>
-              <a:t>CloudWatch Events delivers a near real-time stream of system events that describe changes in your AWS resources. </a:t>
-            </a:r>
-          </a:p>
-          <a:p>
+              <a:t>Config Rules and CloudWatch Events can both be used to trigger automated threat response.</a:t>
+            </a:r>
+          </a:p>
+          <a:p>
+            <a:pPr marL="0" marR="0" lvl="0" indent="0" algn="l" defTabSz="457200" rtl="0" eaLnBrk="1" fontAlgn="auto" latinLnBrk="0" hangingPunct="1">
+              <a:lnSpc>
+                <a:spcPct val="100000"/>
+              </a:lnSpc>
+              <a:spcBef>
+                <a:spcPts val="0"/>
+              </a:spcBef>
+              <a:spcAft>
+                <a:spcPts val="0"/>
+              </a:spcAft>
+              <a:buClrTx/>
+              <a:buSzTx/>
+              <a:buFontTx/>
+              <a:buNone/>
+              <a:tabLst/>
+              <a:defRPr/>
+            </a:pPr>
+            <a:endParaRPr lang="en-US" dirty="0"/>
+          </a:p>
+          <a:p>
+            <a:pPr marL="0" marR="0" lvl="0" indent="0" algn="l" defTabSz="457200" rtl="0" eaLnBrk="1" fontAlgn="auto" latinLnBrk="0" hangingPunct="1">
+              <a:lnSpc>
+                <a:spcPct val="100000"/>
+              </a:lnSpc>
+              <a:spcBef>
+                <a:spcPts val="0"/>
+              </a:spcBef>
+              <a:spcAft>
+                <a:spcPts val="0"/>
+              </a:spcAft>
+              <a:buClrTx/>
+              <a:buSzTx/>
+              <a:buFontTx/>
+              <a:buNone/>
+              <a:tabLst/>
+              <a:defRPr/>
+            </a:pPr>
             <a:r>
               <a:rPr lang="en-US" dirty="0"/>
-              <a:t>Using simple rules that are quick to set up, you can match events and route them to one or more target functions or streams. </a:t>
-            </a:r>
-          </a:p>
-          <a:p>
+              <a:t>Highlights:</a:t>
+            </a:r>
+          </a:p>
+          <a:p>
+            <a:pPr marL="171450" marR="0" lvl="0" indent="-171450" algn="l" defTabSz="457200" rtl="0" eaLnBrk="1" fontAlgn="auto" latinLnBrk="0" hangingPunct="1">
+              <a:lnSpc>
+                <a:spcPct val="100000"/>
+              </a:lnSpc>
+              <a:spcBef>
+                <a:spcPts val="0"/>
+              </a:spcBef>
+              <a:spcAft>
+                <a:spcPts val="0"/>
+              </a:spcAft>
+              <a:buClrTx/>
+              <a:buSzTx/>
+              <a:buFont typeface="Arial" panose="020B0604020202020204" pitchFamily="34" charset="0"/>
+              <a:buChar char="•"/>
+              <a:tabLst/>
+              <a:defRPr/>
+            </a:pPr>
             <a:r>
               <a:rPr lang="en-US" dirty="0"/>
-              <a:t>Respond to changes, take corrective action by sending messages to activate functions, make changes, capture state information and pass notifications to collaboration and communication tools. </a:t>
-            </a:r>
-          </a:p>
-          <a:p>
+              <a:t>CloudWatch Event timing vs. CloudTrail and use cases</a:t>
+            </a:r>
+          </a:p>
+          <a:p>
+            <a:pPr marL="171450" marR="0" lvl="0" indent="-171450" algn="l" defTabSz="457200" rtl="0" eaLnBrk="1" fontAlgn="auto" latinLnBrk="0" hangingPunct="1">
+              <a:lnSpc>
+                <a:spcPct val="100000"/>
+              </a:lnSpc>
+              <a:spcBef>
+                <a:spcPts val="0"/>
+              </a:spcBef>
+              <a:spcAft>
+                <a:spcPts val="0"/>
+              </a:spcAft>
+              <a:buClrTx/>
+              <a:buSzTx/>
+              <a:buFont typeface="Arial" panose="020B0604020202020204" pitchFamily="34" charset="0"/>
+              <a:buChar char="•"/>
+              <a:tabLst/>
+              <a:defRPr/>
+            </a:pPr>
             <a:r>
               <a:rPr lang="en-US" dirty="0"/>
-              <a:t>This example shows a GuardDuty finding, but it could just as easily be an event from another service.</a:t>
+              <a:t>Config multi-region, multi-account</a:t>
+            </a:r>
+          </a:p>
+          <a:p>
+            <a:pPr marL="0" marR="0" lvl="0" indent="0" algn="l" defTabSz="457200" rtl="0" eaLnBrk="1" fontAlgn="auto" latinLnBrk="0" hangingPunct="1">
+              <a:lnSpc>
+                <a:spcPct val="100000"/>
+              </a:lnSpc>
+              <a:spcBef>
+                <a:spcPts val="0"/>
+              </a:spcBef>
+              <a:spcAft>
+                <a:spcPts val="0"/>
+              </a:spcAft>
+              <a:buClrTx/>
+              <a:buSzTx/>
+              <a:buFontTx/>
+              <a:buNone/>
+              <a:tabLst/>
+              <a:defRPr/>
+            </a:pPr>
+            <a:endParaRPr lang="en-US" dirty="0"/>
+          </a:p>
+          <a:p>
+            <a:pPr marL="0" marR="0" lvl="0" indent="0" algn="l" defTabSz="457200" rtl="0" eaLnBrk="1" fontAlgn="auto" latinLnBrk="0" hangingPunct="1">
+              <a:lnSpc>
+                <a:spcPct val="100000"/>
+              </a:lnSpc>
+              <a:spcBef>
+                <a:spcPts val="0"/>
+              </a:spcBef>
+              <a:spcAft>
+                <a:spcPts val="0"/>
+              </a:spcAft>
+              <a:buClrTx/>
+              <a:buSzTx/>
+              <a:buFontTx/>
+              <a:buNone/>
+              <a:tabLst/>
+              <a:defRPr/>
+            </a:pPr>
+            <a:r>
+              <a:rPr lang="en-US" dirty="0"/>
+              <a:t>A Config Rule represents desired configurations for a resource and is evaluated against configuration changes recorded by AWS Config. </a:t>
+            </a:r>
+          </a:p>
+          <a:p>
+            <a:pPr marL="0" marR="0" lvl="0" indent="0" algn="l" defTabSz="457200" rtl="0" eaLnBrk="1" fontAlgn="auto" latinLnBrk="0" hangingPunct="1">
+              <a:lnSpc>
+                <a:spcPct val="100000"/>
+              </a:lnSpc>
+              <a:spcBef>
+                <a:spcPts val="0"/>
+              </a:spcBef>
+              <a:spcAft>
+                <a:spcPts val="0"/>
+              </a:spcAft>
+              <a:buClrTx/>
+              <a:buSzTx/>
+              <a:buFontTx/>
+              <a:buNone/>
+              <a:tabLst/>
+              <a:defRPr/>
+            </a:pPr>
+            <a:r>
+              <a:rPr lang="en-US" dirty="0"/>
+              <a:t>Use Config Rules to assess overall compliance and risk status from a configuration perspective, </a:t>
+            </a:r>
+          </a:p>
+          <a:p>
+            <a:pPr marL="171450" marR="0" lvl="0" indent="-171450" algn="l" defTabSz="457200" rtl="0" eaLnBrk="1" fontAlgn="auto" latinLnBrk="0" hangingPunct="1">
+              <a:lnSpc>
+                <a:spcPct val="100000"/>
+              </a:lnSpc>
+              <a:spcBef>
+                <a:spcPts val="0"/>
+              </a:spcBef>
+              <a:spcAft>
+                <a:spcPts val="0"/>
+              </a:spcAft>
+              <a:buClrTx/>
+              <a:buSzTx/>
+              <a:buFont typeface="Arial" panose="020B0604020202020204" pitchFamily="34" charset="0"/>
+              <a:buChar char="•"/>
+              <a:tabLst/>
+              <a:defRPr/>
+            </a:pPr>
+            <a:r>
+              <a:rPr lang="en-US" dirty="0"/>
+              <a:t>View compliance trends over time and pinpoint which configuration change caused a resource to drift out of compliance with a rule.</a:t>
+            </a:r>
+          </a:p>
+          <a:p>
+            <a:pPr marL="0" marR="0" lvl="0" indent="0" algn="l" defTabSz="457200" rtl="0" eaLnBrk="1" fontAlgn="auto" latinLnBrk="0" hangingPunct="1">
+              <a:lnSpc>
+                <a:spcPct val="100000"/>
+              </a:lnSpc>
+              <a:spcBef>
+                <a:spcPts val="0"/>
+              </a:spcBef>
+              <a:spcAft>
+                <a:spcPts val="0"/>
+              </a:spcAft>
+              <a:buClrTx/>
+              <a:buSzTx/>
+              <a:buFontTx/>
+              <a:buNone/>
+              <a:tabLst/>
+              <a:defRPr/>
+            </a:pPr>
+            <a:endParaRPr lang="en-US" dirty="0"/>
+          </a:p>
+          <a:p>
+            <a:pPr marL="0" marR="0" lvl="0" indent="0" algn="l" defTabSz="457200" rtl="0" eaLnBrk="1" fontAlgn="auto" latinLnBrk="0" hangingPunct="1">
+              <a:lnSpc>
+                <a:spcPct val="100000"/>
+              </a:lnSpc>
+              <a:spcBef>
+                <a:spcPts val="0"/>
+              </a:spcBef>
+              <a:spcAft>
+                <a:spcPts val="0"/>
+              </a:spcAft>
+              <a:buClrTx/>
+              <a:buSzTx/>
+              <a:buFontTx/>
+              <a:buNone/>
+              <a:tabLst/>
+              <a:defRPr/>
+            </a:pPr>
+            <a:r>
+              <a:rPr lang="en-US" dirty="0"/>
+              <a:t>CloudWatch becomes aware of changes as they occur for near real-time response</a:t>
+            </a:r>
+          </a:p>
+          <a:p>
+            <a:pPr marL="171450" marR="0" lvl="0" indent="-171450" algn="l" defTabSz="457200" rtl="0" eaLnBrk="1" fontAlgn="auto" latinLnBrk="0" hangingPunct="1">
+              <a:lnSpc>
+                <a:spcPct val="100000"/>
+              </a:lnSpc>
+              <a:spcBef>
+                <a:spcPts val="0"/>
+              </a:spcBef>
+              <a:spcAft>
+                <a:spcPts val="0"/>
+              </a:spcAft>
+              <a:buClrTx/>
+              <a:buSzTx/>
+              <a:buFont typeface="Arial" panose="020B0604020202020204" pitchFamily="34" charset="0"/>
+              <a:buChar char="•"/>
+              <a:tabLst/>
+              <a:defRPr/>
+            </a:pPr>
+            <a:r>
+              <a:rPr lang="en-US" dirty="0"/>
+              <a:t>Take corrective action by activating functions, making changes, and capturing state information.</a:t>
             </a:r>
           </a:p>
         </p:txBody>
@@ -9329,7 +9362,7 @@
     </p:spTree>
     <p:extLst>
       <p:ext uri="{BB962C8B-B14F-4D97-AF65-F5344CB8AC3E}">
-        <p14:creationId xmlns:p14="http://schemas.microsoft.com/office/powerpoint/2010/main" val="3339790258"/>
+        <p14:creationId xmlns:p14="http://schemas.microsoft.com/office/powerpoint/2010/main" val="4150053451"/>
       </p:ext>
     </p:extLst>
   </p:cSld>
@@ -9383,187 +9416,27 @@
           <a:bodyPr/>
           <a:lstStyle/>
           <a:p>
-            <a:pPr marL="0" marR="0" lvl="0" indent="0" algn="l" defTabSz="457200" rtl="0" eaLnBrk="1" fontAlgn="auto" latinLnBrk="0" hangingPunct="1">
-              <a:lnSpc>
-                <a:spcPct val="100000"/>
-              </a:lnSpc>
-              <a:spcBef>
-                <a:spcPts val="0"/>
-              </a:spcBef>
-              <a:spcAft>
-                <a:spcPts val="0"/>
-              </a:spcAft>
-              <a:buClrTx/>
-              <a:buSzTx/>
-              <a:buFontTx/>
-              <a:buNone/>
-              <a:tabLst/>
-              <a:defRPr/>
-            </a:pPr>
             <a:r>
               <a:rPr lang="en-US" dirty="0"/>
-              <a:t>Evaluation of a Config rule determines whether a resource is compliant at a particular point in time. </a:t>
-            </a:r>
-          </a:p>
-          <a:p>
-            <a:pPr marL="0" marR="0" lvl="0" indent="0" algn="l" defTabSz="457200" rtl="0" eaLnBrk="1" fontAlgn="auto" latinLnBrk="0" hangingPunct="1">
-              <a:lnSpc>
-                <a:spcPct val="100000"/>
-              </a:lnSpc>
-              <a:spcBef>
-                <a:spcPts val="0"/>
-              </a:spcBef>
-              <a:spcAft>
-                <a:spcPts val="0"/>
-              </a:spcAft>
-              <a:buClrTx/>
-              <a:buSzTx/>
-              <a:buFontTx/>
-              <a:buNone/>
-              <a:tabLst/>
-              <a:defRPr/>
-            </a:pPr>
+              <a:t>CloudWatch Events delivers a near real-time stream of system events that describe changes in your AWS resources. </a:t>
+            </a:r>
+          </a:p>
+          <a:p>
             <a:r>
               <a:rPr lang="en-US" dirty="0"/>
-              <a:t>Config Rules will capture and store the result of each evaluation. </a:t>
-            </a:r>
-          </a:p>
-          <a:p>
-            <a:pPr marL="0" marR="0" lvl="0" indent="0" algn="l" defTabSz="457200" rtl="0" eaLnBrk="1" fontAlgn="auto" latinLnBrk="0" hangingPunct="1">
-              <a:lnSpc>
-                <a:spcPct val="100000"/>
-              </a:lnSpc>
-              <a:spcBef>
-                <a:spcPts val="0"/>
-              </a:spcBef>
-              <a:spcAft>
-                <a:spcPts val="0"/>
-              </a:spcAft>
-              <a:buClrTx/>
-              <a:buSzTx/>
-              <a:buFontTx/>
-              <a:buNone/>
-              <a:tabLst/>
-              <a:defRPr/>
-            </a:pPr>
+              <a:t>Using simple rules that are quick to set up, you can match events and route them to one or more target functions or streams. </a:t>
+            </a:r>
+          </a:p>
+          <a:p>
             <a:r>
               <a:rPr lang="en-US" dirty="0"/>
-              <a:t>Result includes the resource, rule, time of evaluation and a link to non-compliant resources.</a:t>
-            </a:r>
-          </a:p>
-          <a:p>
-            <a:pPr marL="0" marR="0" lvl="0" indent="0" algn="l" defTabSz="457200" rtl="0" eaLnBrk="1" fontAlgn="auto" latinLnBrk="0" hangingPunct="1">
-              <a:lnSpc>
-                <a:spcPct val="100000"/>
-              </a:lnSpc>
-              <a:spcBef>
-                <a:spcPts val="0"/>
-              </a:spcBef>
-              <a:spcAft>
-                <a:spcPts val="0"/>
-              </a:spcAft>
-              <a:buClrTx/>
-              <a:buSzTx/>
-              <a:buFontTx/>
-              <a:buNone/>
-              <a:tabLst/>
-              <a:defRPr/>
-            </a:pPr>
+              <a:t>Respond to changes, take corrective action by sending messages to activate functions, make changes, capture state information and pass notifications to collaboration and communication tools. </a:t>
+            </a:r>
+          </a:p>
+          <a:p>
             <a:r>
               <a:rPr lang="en-US" dirty="0"/>
-              <a:t>A rule can be setup as a change-triggered rule or as a periodic rule. </a:t>
-            </a:r>
-          </a:p>
-          <a:p>
-            <a:pPr marL="628650" marR="0" lvl="1" indent="-171450" algn="l" defTabSz="457200" rtl="0" eaLnBrk="1" fontAlgn="auto" latinLnBrk="0" hangingPunct="1">
-              <a:lnSpc>
-                <a:spcPct val="100000"/>
-              </a:lnSpc>
-              <a:spcBef>
-                <a:spcPts val="0"/>
-              </a:spcBef>
-              <a:spcAft>
-                <a:spcPts val="0"/>
-              </a:spcAft>
-              <a:buClrTx/>
-              <a:buSzTx/>
-              <a:buFont typeface="Arial" panose="020B0604020202020204" pitchFamily="34" charset="0"/>
-              <a:buChar char="•"/>
-              <a:tabLst/>
-              <a:defRPr/>
-            </a:pPr>
-            <a:r>
-              <a:rPr lang="en-US" dirty="0"/>
-              <a:t>Change-triggered rules are executed when AWS Config records a configuration change for any of the resources specified.</a:t>
-            </a:r>
-          </a:p>
-          <a:p>
-            <a:pPr marL="628650" marR="0" lvl="1" indent="-171450" algn="l" defTabSz="457200" rtl="0" eaLnBrk="1" fontAlgn="auto" latinLnBrk="0" hangingPunct="1">
-              <a:lnSpc>
-                <a:spcPct val="100000"/>
-              </a:lnSpc>
-              <a:spcBef>
-                <a:spcPts val="0"/>
-              </a:spcBef>
-              <a:spcAft>
-                <a:spcPts val="0"/>
-              </a:spcAft>
-              <a:buClrTx/>
-              <a:buSzTx/>
-              <a:buFont typeface="Arial" panose="020B0604020202020204" pitchFamily="34" charset="0"/>
-              <a:buChar char="•"/>
-              <a:tabLst/>
-              <a:defRPr/>
-            </a:pPr>
-            <a:r>
-              <a:rPr lang="en-US" dirty="0"/>
-              <a:t>Periodic rules are triggered at the frequency you specify, anywhere from an hour to a day.</a:t>
-            </a:r>
-          </a:p>
-          <a:p>
-            <a:pPr marL="0" marR="0" lvl="0" indent="0" algn="l" defTabSz="457200" rtl="0" eaLnBrk="1" fontAlgn="auto" latinLnBrk="0" hangingPunct="1">
-              <a:lnSpc>
-                <a:spcPct val="100000"/>
-              </a:lnSpc>
-              <a:spcBef>
-                <a:spcPts val="0"/>
-              </a:spcBef>
-              <a:spcAft>
-                <a:spcPts val="0"/>
-              </a:spcAft>
-              <a:buClrTx/>
-              <a:buSzTx/>
-              <a:buFont typeface="Arial" panose="020B0604020202020204" pitchFamily="34" charset="0"/>
-              <a:buNone/>
-              <a:tabLst/>
-              <a:defRPr/>
-            </a:pPr>
-            <a:r>
-              <a:rPr lang="en-US" dirty="0"/>
-              <a:t>Create your own rules to customize what is being checked or use AWS Managed rules</a:t>
-            </a:r>
-          </a:p>
-          <a:p>
-            <a:pPr marL="0" marR="0" lvl="0" indent="0" algn="l" defTabSz="457200" rtl="0" eaLnBrk="1" fontAlgn="auto" latinLnBrk="0" hangingPunct="1">
-              <a:lnSpc>
-                <a:spcPct val="100000"/>
-              </a:lnSpc>
-              <a:spcBef>
-                <a:spcPts val="0"/>
-              </a:spcBef>
-              <a:spcAft>
-                <a:spcPts val="0"/>
-              </a:spcAft>
-              <a:buClrTx/>
-              <a:buSzTx/>
-              <a:buFont typeface="Arial" panose="020B0604020202020204" pitchFamily="34" charset="0"/>
-              <a:buNone/>
-              <a:tabLst/>
-              <a:defRPr/>
-            </a:pPr>
-            <a:r>
-              <a:rPr lang="en-US" dirty="0"/>
-              <a:t>Enables changes to the environment to kick off lambda scripts</a:t>
+              <a:t>This example shows a GuardDuty finding, but it could just as easily be an event from another service.</a:t>
             </a:r>
           </a:p>
         </p:txBody>
@@ -9595,7 +9468,7 @@
     </p:spTree>
     <p:extLst>
       <p:ext uri="{BB962C8B-B14F-4D97-AF65-F5344CB8AC3E}">
-        <p14:creationId xmlns:p14="http://schemas.microsoft.com/office/powerpoint/2010/main" val="2451469058"/>
+        <p14:creationId xmlns:p14="http://schemas.microsoft.com/office/powerpoint/2010/main" val="3339790258"/>
       </p:ext>
     </p:extLst>
   </p:cSld>
@@ -9649,35 +9522,187 @@
           <a:bodyPr/>
           <a:lstStyle/>
           <a:p>
+            <a:pPr marL="0" marR="0" lvl="0" indent="0" algn="l" defTabSz="457200" rtl="0" eaLnBrk="1" fontAlgn="auto" latinLnBrk="0" hangingPunct="1">
+              <a:lnSpc>
+                <a:spcPct val="100000"/>
+              </a:lnSpc>
+              <a:spcBef>
+                <a:spcPts val="0"/>
+              </a:spcBef>
+              <a:spcAft>
+                <a:spcPts val="0"/>
+              </a:spcAft>
+              <a:buClrTx/>
+              <a:buSzTx/>
+              <a:buFontTx/>
+              <a:buNone/>
+              <a:tabLst/>
+              <a:defRPr/>
+            </a:pPr>
             <a:r>
               <a:rPr lang="en-US" dirty="0"/>
-              <a:t>In this progression of slides, note that customers may approach this differently, but there's a lot of power at your fingertips with control plane mechanisms that you can change that an adversary cannot. Similarly, lots of remediation options (</a:t>
-            </a:r>
-            <a:r>
-              <a:rPr lang="en-US" dirty="0" err="1"/>
-              <a:t>e,g</a:t>
-            </a:r>
+              <a:t>Evaluation of a Config rule determines whether a resource is compliant at a particular point in time. </a:t>
+            </a:r>
+          </a:p>
+          <a:p>
+            <a:pPr marL="0" marR="0" lvl="0" indent="0" algn="l" defTabSz="457200" rtl="0" eaLnBrk="1" fontAlgn="auto" latinLnBrk="0" hangingPunct="1">
+              <a:lnSpc>
+                <a:spcPct val="100000"/>
+              </a:lnSpc>
+              <a:spcBef>
+                <a:spcPts val="0"/>
+              </a:spcBef>
+              <a:spcAft>
+                <a:spcPts val="0"/>
+              </a:spcAft>
+              <a:buClrTx/>
+              <a:buSzTx/>
+              <a:buFontTx/>
+              <a:buNone/>
+              <a:tabLst/>
+              <a:defRPr/>
+            </a:pPr>
             <a:r>
               <a:rPr lang="en-US" dirty="0"/>
-              <a:t>,, isolate, sandbox, snapshot + nuke from orbit, etc.). Depends on goals and needs (e.g., observe and monitor vs. isolate quickly).</a:t>
-            </a:r>
-          </a:p>
-          <a:p>
-            <a:endParaRPr lang="en-US" dirty="0"/>
-          </a:p>
-          <a:p>
+              <a:t>Config Rules will capture and store the result of each evaluation. </a:t>
+            </a:r>
+          </a:p>
+          <a:p>
+            <a:pPr marL="0" marR="0" lvl="0" indent="0" algn="l" defTabSz="457200" rtl="0" eaLnBrk="1" fontAlgn="auto" latinLnBrk="0" hangingPunct="1">
+              <a:lnSpc>
+                <a:spcPct val="100000"/>
+              </a:lnSpc>
+              <a:spcBef>
+                <a:spcPts val="0"/>
+              </a:spcBef>
+              <a:spcAft>
+                <a:spcPts val="0"/>
+              </a:spcAft>
+              <a:buClrTx/>
+              <a:buSzTx/>
+              <a:buFontTx/>
+              <a:buNone/>
+              <a:tabLst/>
+              <a:defRPr/>
+            </a:pPr>
             <a:r>
               <a:rPr lang="en-US" dirty="0"/>
-              <a:t>From adversary's perspective it might not be obvious that something has changed.</a:t>
-            </a:r>
-          </a:p>
-          <a:p>
-            <a:endParaRPr lang="en-US" dirty="0"/>
-          </a:p>
-          <a:p>
+              <a:t>Result includes the resource, rule, time of evaluation and a link to non-compliant resources.</a:t>
+            </a:r>
+          </a:p>
+          <a:p>
+            <a:pPr marL="0" marR="0" lvl="0" indent="0" algn="l" defTabSz="457200" rtl="0" eaLnBrk="1" fontAlgn="auto" latinLnBrk="0" hangingPunct="1">
+              <a:lnSpc>
+                <a:spcPct val="100000"/>
+              </a:lnSpc>
+              <a:spcBef>
+                <a:spcPts val="0"/>
+              </a:spcBef>
+              <a:spcAft>
+                <a:spcPts val="0"/>
+              </a:spcAft>
+              <a:buClrTx/>
+              <a:buSzTx/>
+              <a:buFontTx/>
+              <a:buNone/>
+              <a:tabLst/>
+              <a:defRPr/>
+            </a:pPr>
             <a:r>
               <a:rPr lang="en-US" dirty="0"/>
-              <a:t>Also, resources in a cloud environment should be considered ephemeral.</a:t>
+              <a:t>A rule can be setup as a change-triggered rule or as a periodic rule. </a:t>
+            </a:r>
+          </a:p>
+          <a:p>
+            <a:pPr marL="628650" marR="0" lvl="1" indent="-171450" algn="l" defTabSz="457200" rtl="0" eaLnBrk="1" fontAlgn="auto" latinLnBrk="0" hangingPunct="1">
+              <a:lnSpc>
+                <a:spcPct val="100000"/>
+              </a:lnSpc>
+              <a:spcBef>
+                <a:spcPts val="0"/>
+              </a:spcBef>
+              <a:spcAft>
+                <a:spcPts val="0"/>
+              </a:spcAft>
+              <a:buClrTx/>
+              <a:buSzTx/>
+              <a:buFont typeface="Arial" panose="020B0604020202020204" pitchFamily="34" charset="0"/>
+              <a:buChar char="•"/>
+              <a:tabLst/>
+              <a:defRPr/>
+            </a:pPr>
+            <a:r>
+              <a:rPr lang="en-US" dirty="0"/>
+              <a:t>Change-triggered rules are executed when AWS Config records a configuration change for any of the resources specified.</a:t>
+            </a:r>
+          </a:p>
+          <a:p>
+            <a:pPr marL="628650" marR="0" lvl="1" indent="-171450" algn="l" defTabSz="457200" rtl="0" eaLnBrk="1" fontAlgn="auto" latinLnBrk="0" hangingPunct="1">
+              <a:lnSpc>
+                <a:spcPct val="100000"/>
+              </a:lnSpc>
+              <a:spcBef>
+                <a:spcPts val="0"/>
+              </a:spcBef>
+              <a:spcAft>
+                <a:spcPts val="0"/>
+              </a:spcAft>
+              <a:buClrTx/>
+              <a:buSzTx/>
+              <a:buFont typeface="Arial" panose="020B0604020202020204" pitchFamily="34" charset="0"/>
+              <a:buChar char="•"/>
+              <a:tabLst/>
+              <a:defRPr/>
+            </a:pPr>
+            <a:r>
+              <a:rPr lang="en-US" dirty="0"/>
+              <a:t>Periodic rules are triggered at the frequency you specify, anywhere from an hour to a day.</a:t>
+            </a:r>
+          </a:p>
+          <a:p>
+            <a:pPr marL="0" marR="0" lvl="0" indent="0" algn="l" defTabSz="457200" rtl="0" eaLnBrk="1" fontAlgn="auto" latinLnBrk="0" hangingPunct="1">
+              <a:lnSpc>
+                <a:spcPct val="100000"/>
+              </a:lnSpc>
+              <a:spcBef>
+                <a:spcPts val="0"/>
+              </a:spcBef>
+              <a:spcAft>
+                <a:spcPts val="0"/>
+              </a:spcAft>
+              <a:buClrTx/>
+              <a:buSzTx/>
+              <a:buFont typeface="Arial" panose="020B0604020202020204" pitchFamily="34" charset="0"/>
+              <a:buNone/>
+              <a:tabLst/>
+              <a:defRPr/>
+            </a:pPr>
+            <a:r>
+              <a:rPr lang="en-US" dirty="0"/>
+              <a:t>Create your own rules to customize what is being checked or use AWS Managed rules</a:t>
+            </a:r>
+          </a:p>
+          <a:p>
+            <a:pPr marL="0" marR="0" lvl="0" indent="0" algn="l" defTabSz="457200" rtl="0" eaLnBrk="1" fontAlgn="auto" latinLnBrk="0" hangingPunct="1">
+              <a:lnSpc>
+                <a:spcPct val="100000"/>
+              </a:lnSpc>
+              <a:spcBef>
+                <a:spcPts val="0"/>
+              </a:spcBef>
+              <a:spcAft>
+                <a:spcPts val="0"/>
+              </a:spcAft>
+              <a:buClrTx/>
+              <a:buSzTx/>
+              <a:buFont typeface="Arial" panose="020B0604020202020204" pitchFamily="34" charset="0"/>
+              <a:buNone/>
+              <a:tabLst/>
+              <a:defRPr/>
+            </a:pPr>
+            <a:r>
+              <a:rPr lang="en-US" dirty="0"/>
+              <a:t>Enables changes to the environment to kick off lambda scripts</a:t>
             </a:r>
           </a:p>
         </p:txBody>
@@ -9697,8 +9722,9 @@
           <a:bodyPr/>
           <a:lstStyle/>
           <a:p>
-            <a:fld id="{66F73B6F-6C74-6846-B3E2-267958B98325}" type="slidenum">
+            <a:fld id="{69C3F2ED-74C5-7D4F-8560-0CC253E9A436}" type="slidenum">
               <a:rPr lang="en-US" smtClean="0"/>
+              <a:pPr/>
               <a:t>20</a:t>
             </a:fld>
             <a:endParaRPr lang="en-US" dirty="0"/>
@@ -9708,7 +9734,7 @@
     </p:spTree>
     <p:extLst>
       <p:ext uri="{BB962C8B-B14F-4D97-AF65-F5344CB8AC3E}">
-        <p14:creationId xmlns:p14="http://schemas.microsoft.com/office/powerpoint/2010/main" val="573934537"/>
+        <p14:creationId xmlns:p14="http://schemas.microsoft.com/office/powerpoint/2010/main" val="2451469058"/>
       </p:ext>
     </p:extLst>
   </p:cSld>
@@ -9762,7 +9788,36 @@
           <a:bodyPr/>
           <a:lstStyle/>
           <a:p>
+            <a:r>
+              <a:rPr lang="en-US" dirty="0"/>
+              <a:t>In this progression of slides, note that customers may approach this differently, but there's a lot of power at your fingertips with control plane mechanisms that you can change that an adversary cannot. Similarly, lots of remediation options (</a:t>
+            </a:r>
+            <a:r>
+              <a:rPr lang="en-US" dirty="0" err="1"/>
+              <a:t>e,g</a:t>
+            </a:r>
+            <a:r>
+              <a:rPr lang="en-US" dirty="0"/>
+              <a:t>,, isolate, sandbox, snapshot + nuke from orbit, etc.). Depends on goals and needs (e.g., observe and monitor vs. isolate quickly).</a:t>
+            </a:r>
+          </a:p>
+          <a:p>
             <a:endParaRPr lang="en-US" dirty="0"/>
+          </a:p>
+          <a:p>
+            <a:r>
+              <a:rPr lang="en-US" dirty="0"/>
+              <a:t>From adversary's perspective it might not be obvious that something has changed.</a:t>
+            </a:r>
+          </a:p>
+          <a:p>
+            <a:endParaRPr lang="en-US" dirty="0"/>
+          </a:p>
+          <a:p>
+            <a:r>
+              <a:rPr lang="en-US" dirty="0"/>
+              <a:t>Also, resources in a cloud environment should be considered ephemeral.</a:t>
+            </a:r>
           </a:p>
         </p:txBody>
       </p:sp>
@@ -9792,7 +9847,7 @@
     </p:spTree>
     <p:extLst>
       <p:ext uri="{BB962C8B-B14F-4D97-AF65-F5344CB8AC3E}">
-        <p14:creationId xmlns:p14="http://schemas.microsoft.com/office/powerpoint/2010/main" val="100994296"/>
+        <p14:creationId xmlns:p14="http://schemas.microsoft.com/office/powerpoint/2010/main" val="573934537"/>
       </p:ext>
     </p:extLst>
   </p:cSld>
@@ -9971,7 +10026,7 @@
     </p:spTree>
     <p:extLst>
       <p:ext uri="{BB962C8B-B14F-4D97-AF65-F5344CB8AC3E}">
-        <p14:creationId xmlns:p14="http://schemas.microsoft.com/office/powerpoint/2010/main" val="3962128604"/>
+        <p14:creationId xmlns:p14="http://schemas.microsoft.com/office/powerpoint/2010/main" val="100994296"/>
       </p:ext>
     </p:extLst>
   </p:cSld>
@@ -10055,7 +10110,7 @@
     </p:spTree>
     <p:extLst>
       <p:ext uri="{BB962C8B-B14F-4D97-AF65-F5344CB8AC3E}">
-        <p14:creationId xmlns:p14="http://schemas.microsoft.com/office/powerpoint/2010/main" val="1127116720"/>
+        <p14:creationId xmlns:p14="http://schemas.microsoft.com/office/powerpoint/2010/main" val="3962128604"/>
       </p:ext>
     </p:extLst>
   </p:cSld>
@@ -10139,7 +10194,7 @@
     </p:spTree>
     <p:extLst>
       <p:ext uri="{BB962C8B-B14F-4D97-AF65-F5344CB8AC3E}">
-        <p14:creationId xmlns:p14="http://schemas.microsoft.com/office/powerpoint/2010/main" val="1845967967"/>
+        <p14:creationId xmlns:p14="http://schemas.microsoft.com/office/powerpoint/2010/main" val="1127116720"/>
       </p:ext>
     </p:extLst>
   </p:cSld>
@@ -10223,7 +10278,7 @@
     </p:spTree>
     <p:extLst>
       <p:ext uri="{BB962C8B-B14F-4D97-AF65-F5344CB8AC3E}">
-        <p14:creationId xmlns:p14="http://schemas.microsoft.com/office/powerpoint/2010/main" val="621189949"/>
+        <p14:creationId xmlns:p14="http://schemas.microsoft.com/office/powerpoint/2010/main" val="1845967967"/>
       </p:ext>
     </p:extLst>
   </p:cSld>
@@ -10307,7 +10362,7 @@
     </p:spTree>
     <p:extLst>
       <p:ext uri="{BB962C8B-B14F-4D97-AF65-F5344CB8AC3E}">
-        <p14:creationId xmlns:p14="http://schemas.microsoft.com/office/powerpoint/2010/main" val="2686246141"/>
+        <p14:creationId xmlns:p14="http://schemas.microsoft.com/office/powerpoint/2010/main" val="621189949"/>
       </p:ext>
     </p:extLst>
   </p:cSld>
@@ -10361,18 +10416,7 @@
           <a:bodyPr/>
           <a:lstStyle/>
           <a:p>
-            <a:r>
-              <a:rPr lang="en-US" dirty="0"/>
-              <a:t>ENI can go away</a:t>
-            </a:r>
-            <a:r>
-              <a:rPr lang="mr-IN" dirty="0"/>
-              <a:t>…</a:t>
-            </a:r>
-            <a:r>
-              <a:rPr lang="en-US" dirty="0"/>
-              <a:t> Or </a:t>
-            </a:r>
+            <a:endParaRPr lang="en-US" dirty="0"/>
           </a:p>
         </p:txBody>
       </p:sp>
@@ -10402,7 +10446,7 @@
     </p:spTree>
     <p:extLst>
       <p:ext uri="{BB962C8B-B14F-4D97-AF65-F5344CB8AC3E}">
-        <p14:creationId xmlns:p14="http://schemas.microsoft.com/office/powerpoint/2010/main" val="3732372324"/>
+        <p14:creationId xmlns:p14="http://schemas.microsoft.com/office/powerpoint/2010/main" val="2686246141"/>
       </p:ext>
     </p:extLst>
   </p:cSld>
@@ -10458,65 +10502,16 @@
           <a:p>
             <a:r>
               <a:rPr lang="en-US" dirty="0"/>
-              <a:t>In</a:t>
-            </a:r>
-            <a:r>
-              <a:rPr lang="en-US" baseline="0" dirty="0"/>
-              <a:t> this set of slide we walkthrough a automatic remediation of a finding. We could just as easily show Macie, inspector or any other service that produces </a:t>
-            </a:r>
-            <a:r>
-              <a:rPr lang="en-US" baseline="0" dirty="0" err="1"/>
-              <a:t>cloudtrail</a:t>
-            </a:r>
-            <a:r>
-              <a:rPr lang="en-US" baseline="0" dirty="0"/>
-              <a:t> items. Literally the same process. Keep in mind the out come here is </a:t>
-            </a:r>
-            <a:r>
-              <a:rPr lang="en-US" baseline="0" dirty="0" err="1"/>
-              <a:t>discssuing</a:t>
-            </a:r>
-            <a:r>
-              <a:rPr lang="en-US" baseline="0" dirty="0"/>
-              <a:t> the </a:t>
-            </a:r>
-            <a:r>
-              <a:rPr lang="en-US" baseline="0" dirty="0" err="1"/>
-              <a:t>eni’s</a:t>
-            </a:r>
-            <a:r>
-              <a:rPr lang="en-US" baseline="0" dirty="0"/>
-              <a:t> on the EC2 instance, for Macie it would show an s3 bucket maybe. Effectively these slide walk a audience through the automated process. The biggest issue I have with using a demo here, is that all of the services are different screens and its hard to follow even knowing all the screens. Also when I kick the demo off, its complete before I can refresh most times. </a:t>
-            </a:r>
-          </a:p>
-          <a:p>
-            <a:r>
-              <a:rPr lang="en-US" baseline="0" dirty="0"/>
-              <a:t>This is more instructive. </a:t>
-            </a:r>
-          </a:p>
-          <a:p>
-            <a:r>
-              <a:rPr lang="en-US" baseline="0" dirty="0"/>
-              <a:t>Also note that ASM (SSM) is used to </a:t>
-            </a:r>
-            <a:r>
-              <a:rPr lang="en-US" baseline="0" dirty="0" err="1"/>
-              <a:t>actinside</a:t>
-            </a:r>
-            <a:r>
-              <a:rPr lang="en-US" baseline="0" dirty="0"/>
-              <a:t> the OS of an instance. This ability is imperative in the remediation of issue with an environment, with out this we are just playing </a:t>
-            </a:r>
-            <a:r>
-              <a:rPr lang="en-US" baseline="0" dirty="0" err="1"/>
-              <a:t>wak</a:t>
-            </a:r>
-            <a:r>
-              <a:rPr lang="en-US" baseline="0" dirty="0"/>
-              <a:t>-a-mole. With this we can patch automate a patch and deliver to a whole environment based on tags. </a:t>
-            </a:r>
-            <a:endParaRPr lang="en-US" dirty="0"/>
+              <a:t>ENI can go away</a:t>
+            </a:r>
+            <a:r>
+              <a:rPr lang="mr-IN" dirty="0"/>
+              <a:t>…</a:t>
+            </a:r>
+            <a:r>
+              <a:rPr lang="en-US" dirty="0"/>
+              <a:t> Or </a:t>
+            </a:r>
           </a:p>
         </p:txBody>
       </p:sp>
@@ -10546,7 +10541,7 @@
     </p:spTree>
     <p:extLst>
       <p:ext uri="{BB962C8B-B14F-4D97-AF65-F5344CB8AC3E}">
-        <p14:creationId xmlns:p14="http://schemas.microsoft.com/office/powerpoint/2010/main" val="1521791957"/>
+        <p14:creationId xmlns:p14="http://schemas.microsoft.com/office/powerpoint/2010/main" val="3732372324"/>
       </p:ext>
     </p:extLst>
   </p:cSld>
@@ -10602,20 +10597,63 @@
           <a:p>
             <a:r>
               <a:rPr lang="en-US" dirty="0"/>
-              <a:t>We can act inside the system now. </a:t>
-            </a:r>
-          </a:p>
-          <a:p>
-            <a:endParaRPr lang="en-US" dirty="0"/>
-          </a:p>
-          <a:p>
-            <a:r>
-              <a:rPr lang="en-US" dirty="0"/>
-              <a:t>Best to change the ec2 instance with the lambda instead</a:t>
+              <a:t>In</a:t>
             </a:r>
             <a:r>
               <a:rPr lang="en-US" baseline="0" dirty="0"/>
-              <a:t> of AWS api as this requires to much access</a:t>
+              <a:t> this set of slide we walkthrough a automatic remediation of a finding. We could just as easily show Macie, inspector or any other service that produces </a:t>
+            </a:r>
+            <a:r>
+              <a:rPr lang="en-US" baseline="0" dirty="0" err="1"/>
+              <a:t>cloudtrail</a:t>
+            </a:r>
+            <a:r>
+              <a:rPr lang="en-US" baseline="0" dirty="0"/>
+              <a:t> items. Literally the same process. Keep in mind the out come here is </a:t>
+            </a:r>
+            <a:r>
+              <a:rPr lang="en-US" baseline="0" dirty="0" err="1"/>
+              <a:t>discssuing</a:t>
+            </a:r>
+            <a:r>
+              <a:rPr lang="en-US" baseline="0" dirty="0"/>
+              <a:t> the </a:t>
+            </a:r>
+            <a:r>
+              <a:rPr lang="en-US" baseline="0" dirty="0" err="1"/>
+              <a:t>eni’s</a:t>
+            </a:r>
+            <a:r>
+              <a:rPr lang="en-US" baseline="0" dirty="0"/>
+              <a:t> on the EC2 instance, for Macie it would show an s3 bucket maybe. Effectively these slide walk a audience through the automated process. The biggest issue I have with using a demo here, is that all of the services are different screens and its hard to follow even knowing all the screens. Also when I kick the demo off, its complete before I can refresh most times. </a:t>
+            </a:r>
+          </a:p>
+          <a:p>
+            <a:r>
+              <a:rPr lang="en-US" baseline="0" dirty="0"/>
+              <a:t>This is more instructive. </a:t>
+            </a:r>
+          </a:p>
+          <a:p>
+            <a:r>
+              <a:rPr lang="en-US" baseline="0" dirty="0"/>
+              <a:t>Also note that ASM (SSM) is used to </a:t>
+            </a:r>
+            <a:r>
+              <a:rPr lang="en-US" baseline="0" dirty="0" err="1"/>
+              <a:t>actinside</a:t>
+            </a:r>
+            <a:r>
+              <a:rPr lang="en-US" baseline="0" dirty="0"/>
+              <a:t> the OS of an instance. This ability is imperative in the remediation of issue with an environment, with out this we are just playing </a:t>
+            </a:r>
+            <a:r>
+              <a:rPr lang="en-US" baseline="0" dirty="0" err="1"/>
+              <a:t>wak</a:t>
+            </a:r>
+            <a:r>
+              <a:rPr lang="en-US" baseline="0" dirty="0"/>
+              <a:t>-a-mole. With this we can patch automate a patch and deliver to a whole environment based on tags. </a:t>
             </a:r>
             <a:endParaRPr lang="en-US" dirty="0"/>
           </a:p>
@@ -10647,7 +10685,7 @@
     </p:spTree>
     <p:extLst>
       <p:ext uri="{BB962C8B-B14F-4D97-AF65-F5344CB8AC3E}">
-        <p14:creationId xmlns:p14="http://schemas.microsoft.com/office/powerpoint/2010/main" val="767879332"/>
+        <p14:creationId xmlns:p14="http://schemas.microsoft.com/office/powerpoint/2010/main" val="1521791957"/>
       </p:ext>
     </p:extLst>
   </p:cSld>
@@ -10718,15 +10756,7 @@
               <a:rPr lang="en-US" baseline="0" dirty="0"/>
               <a:t> of AWS api as this requires to much access</a:t>
             </a:r>
-          </a:p>
-          <a:p>
-            <a:endParaRPr lang="en-US" baseline="0" dirty="0"/>
-          </a:p>
-          <a:p>
-            <a:r>
-              <a:rPr lang="en-US" baseline="0" dirty="0"/>
-              <a:t>Controlling the instance with lambda allows only one Lambda to have access to the ability to remove ENI’s, Storage etc. Making it hard to weaponise. </a:t>
-            </a:r>
+            <a:endParaRPr lang="en-US" dirty="0"/>
           </a:p>
         </p:txBody>
       </p:sp>
@@ -10756,7 +10786,7 @@
     </p:spTree>
     <p:extLst>
       <p:ext uri="{BB962C8B-B14F-4D97-AF65-F5344CB8AC3E}">
-        <p14:creationId xmlns:p14="http://schemas.microsoft.com/office/powerpoint/2010/main" val="915179758"/>
+        <p14:creationId xmlns:p14="http://schemas.microsoft.com/office/powerpoint/2010/main" val="767879332"/>
       </p:ext>
     </p:extLst>
   </p:cSld>
@@ -10812,26 +10842,29 @@
           <a:p>
             <a:r>
               <a:rPr lang="en-US" dirty="0"/>
-              <a:t>We can act inside the system now. And thus adding the info gained there it is important to put it somewhere safe.</a:t>
+              <a:t>We can act inside the system now. </a:t>
+            </a:r>
+          </a:p>
+          <a:p>
+            <a:endParaRPr lang="en-US" dirty="0"/>
+          </a:p>
+          <a:p>
+            <a:r>
+              <a:rPr lang="en-US" dirty="0"/>
+              <a:t>Best to change the ec2 instance with the lambda instead</a:t>
             </a:r>
             <a:r>
               <a:rPr lang="en-US" baseline="0" dirty="0"/>
-              <a:t> THAT DOES NOT MEAN A VOLUME HANGING OUT IN A THE SAME ACCOUNT. Do not leave a loaded weapon out for other to accidently use it. </a:t>
-            </a:r>
+              <a:t> of AWS api as this requires to much access</a:t>
+            </a:r>
+          </a:p>
+          <a:p>
+            <a:endParaRPr lang="en-US" baseline="0" dirty="0"/>
           </a:p>
           <a:p>
             <a:r>
               <a:rPr lang="en-US" baseline="0" dirty="0"/>
-              <a:t>Please turn it into a snapshot and ship it to a forensics account and then burn it</a:t>
-            </a:r>
-          </a:p>
-          <a:p>
-            <a:endParaRPr lang="en-US" baseline="0" dirty="0"/>
-          </a:p>
-          <a:p>
-            <a:r>
-              <a:rPr lang="en-US" dirty="0"/>
-              <a:t> </a:t>
+              <a:t>Controlling the instance with lambda allows only one Lambda to have access to the ability to remove ENI’s, Storage etc. Making it hard to weaponise. </a:t>
             </a:r>
           </a:p>
         </p:txBody>
@@ -10862,7 +10895,7 @@
     </p:spTree>
     <p:extLst>
       <p:ext uri="{BB962C8B-B14F-4D97-AF65-F5344CB8AC3E}">
-        <p14:creationId xmlns:p14="http://schemas.microsoft.com/office/powerpoint/2010/main" val="806461043"/>
+        <p14:creationId xmlns:p14="http://schemas.microsoft.com/office/powerpoint/2010/main" val="915179758"/>
       </p:ext>
     </p:extLst>
   </p:cSld>
@@ -11001,42 +11034,29 @@
           <a:bodyPr/>
           <a:lstStyle/>
           <a:p>
-            <a:pPr marL="171450" indent="-171450">
-              <a:buFont typeface="Arial" charset="0"/>
-              <a:buChar char="•"/>
-            </a:pPr>
             <a:r>
               <a:rPr lang="en-US" dirty="0"/>
-              <a:t>For offline analysis, this will be what is used to launch</a:t>
+              <a:t>We can act inside the system now. And thus adding the info gained there it is important to put it somewhere safe.</a:t>
             </a:r>
             <a:r>
               <a:rPr lang="en-US" baseline="0" dirty="0"/>
-              <a:t> the forensic instance. For online analysis, this is the “practice” workstation. The scripts and software loaded here will be what to install on the compromised instance.</a:t>
-            </a:r>
-          </a:p>
-          <a:p>
-            <a:pPr marL="171450" indent="-171450">
-              <a:buFont typeface="Arial" charset="0"/>
-              <a:buChar char="•"/>
-            </a:pPr>
+              <a:t> THAT DOES NOT MEAN A VOLUME HANGING OUT IN A THE SAME ACCOUNT. Do not leave a loaded weapon out for other to accidently use it. </a:t>
+            </a:r>
+          </a:p>
+          <a:p>
             <a:r>
               <a:rPr lang="en-US" baseline="0" dirty="0"/>
-              <a:t>Online vs offline. Have a playbook.</a:t>
-            </a:r>
-          </a:p>
-          <a:p>
-            <a:pPr marL="171450" indent="-171450">
-              <a:buFont typeface="Arial" charset="0"/>
-              <a:buChar char="•"/>
-            </a:pPr>
-            <a:r>
-              <a:rPr lang="en-US" baseline="0" dirty="0"/>
-              <a:t>IAM roles for forensics should have carefully scoped permissions to be able to investigate without any problems. The instance (in both online and offline) will need to make API calls.</a:t>
-            </a:r>
-            <a:endParaRPr lang="en-US" dirty="0"/>
-          </a:p>
-          <a:p>
-            <a:endParaRPr lang="en-US" dirty="0"/>
+              <a:t>Please turn it into a snapshot and ship it to a forensics account and then burn it</a:t>
+            </a:r>
+          </a:p>
+          <a:p>
+            <a:endParaRPr lang="en-US" baseline="0" dirty="0"/>
+          </a:p>
+          <a:p>
+            <a:r>
+              <a:rPr lang="en-US" dirty="0"/>
+              <a:t> </a:t>
+            </a:r>
           </a:p>
         </p:txBody>
       </p:sp>
@@ -11055,9 +11075,8 @@
           <a:bodyPr/>
           <a:lstStyle/>
           <a:p>
-            <a:fld id="{69C3F2ED-74C5-7D4F-8560-0CC253E9A436}" type="slidenum">
+            <a:fld id="{66F73B6F-6C74-6846-B3E2-267958B98325}" type="slidenum">
               <a:rPr lang="en-US" smtClean="0"/>
-              <a:pPr/>
               <a:t>32</a:t>
             </a:fld>
             <a:endParaRPr lang="en-US" dirty="0"/>
@@ -11067,7 +11086,7 @@
     </p:spTree>
     <p:extLst>
       <p:ext uri="{BB962C8B-B14F-4D97-AF65-F5344CB8AC3E}">
-        <p14:creationId xmlns:p14="http://schemas.microsoft.com/office/powerpoint/2010/main" val="417895716"/>
+        <p14:creationId xmlns:p14="http://schemas.microsoft.com/office/powerpoint/2010/main" val="806461043"/>
       </p:ext>
     </p:extLst>
   </p:cSld>
@@ -11121,6 +11140,41 @@
           <a:bodyPr/>
           <a:lstStyle/>
           <a:p>
+            <a:pPr marL="171450" indent="-171450">
+              <a:buFont typeface="Arial" charset="0"/>
+              <a:buChar char="•"/>
+            </a:pPr>
+            <a:r>
+              <a:rPr lang="en-US" dirty="0"/>
+              <a:t>For offline analysis, this will be what is used to launch</a:t>
+            </a:r>
+            <a:r>
+              <a:rPr lang="en-US" baseline="0" dirty="0"/>
+              <a:t> the forensic instance. For online analysis, this is the “practice” workstation. The scripts and software loaded here will be what to install on the compromised instance.</a:t>
+            </a:r>
+          </a:p>
+          <a:p>
+            <a:pPr marL="171450" indent="-171450">
+              <a:buFont typeface="Arial" charset="0"/>
+              <a:buChar char="•"/>
+            </a:pPr>
+            <a:r>
+              <a:rPr lang="en-US" baseline="0" dirty="0"/>
+              <a:t>Online vs offline. Have a playbook.</a:t>
+            </a:r>
+          </a:p>
+          <a:p>
+            <a:pPr marL="171450" indent="-171450">
+              <a:buFont typeface="Arial" charset="0"/>
+              <a:buChar char="•"/>
+            </a:pPr>
+            <a:r>
+              <a:rPr lang="en-US" baseline="0" dirty="0"/>
+              <a:t>IAM roles for forensics should have carefully scoped permissions to be able to investigate without any problems. The instance (in both online and offline) will need to make API calls.</a:t>
+            </a:r>
+            <a:endParaRPr lang="en-US" dirty="0"/>
+          </a:p>
+          <a:p>
             <a:endParaRPr lang="en-US" dirty="0"/>
           </a:p>
         </p:txBody>
@@ -11152,7 +11206,7 @@
     </p:spTree>
     <p:extLst>
       <p:ext uri="{BB962C8B-B14F-4D97-AF65-F5344CB8AC3E}">
-        <p14:creationId xmlns:p14="http://schemas.microsoft.com/office/powerpoint/2010/main" val="3599949962"/>
+        <p14:creationId xmlns:p14="http://schemas.microsoft.com/office/powerpoint/2010/main" val="417895716"/>
       </p:ext>
     </p:extLst>
   </p:cSld>
@@ -11206,118 +11260,6 @@
           <a:bodyPr/>
           <a:lstStyle/>
           <a:p>
-            <a:pPr marL="171450" indent="-171450">
-              <a:buFont typeface="Arial" charset="0"/>
-              <a:buChar char="•"/>
-            </a:pPr>
-            <a:r>
-              <a:rPr lang="en-US" dirty="0"/>
-              <a:t>For offline analysis, this will be what is used to launch</a:t>
-            </a:r>
-            <a:r>
-              <a:rPr lang="en-US" baseline="0" dirty="0"/>
-              <a:t> the forensic instance. For online analysis, this is the “practice” workstation. The scripts and software loaded here will be what to install on the compromised instance.</a:t>
-            </a:r>
-          </a:p>
-          <a:p>
-            <a:pPr marL="171450" indent="-171450">
-              <a:buFont typeface="Arial" charset="0"/>
-              <a:buChar char="•"/>
-            </a:pPr>
-            <a:r>
-              <a:rPr lang="en-US" baseline="0" dirty="0"/>
-              <a:t>Online vs offline. Have a playbook.</a:t>
-            </a:r>
-          </a:p>
-          <a:p>
-            <a:pPr marL="171450" indent="-171450">
-              <a:buFont typeface="Arial" charset="0"/>
-              <a:buChar char="•"/>
-            </a:pPr>
-            <a:r>
-              <a:rPr lang="en-US" baseline="0" dirty="0"/>
-              <a:t>IAM roles for forensics should have carefully scoped permissions to be able to investigate without any problems. The instance (in both online and offline) will need to make API calls.</a:t>
-            </a:r>
-          </a:p>
-          <a:p>
-            <a:pPr marL="171450" indent="-171450">
-              <a:buFont typeface="Arial" charset="0"/>
-              <a:buChar char="•"/>
-            </a:pPr>
-            <a:endParaRPr lang="en-US" baseline="0" dirty="0"/>
-          </a:p>
-          <a:p>
-            <a:pPr marL="171450" indent="-171450">
-              <a:buFont typeface="Arial" charset="0"/>
-              <a:buChar char="•"/>
-            </a:pPr>
-            <a:endParaRPr lang="en-US" baseline="0" dirty="0"/>
-          </a:p>
-          <a:p>
-            <a:r>
-              <a:rPr lang="en-US" dirty="0"/>
-              <a:t>Before we dive into examples…I better explain the basic ingredients of a Security Incident Response Simulation.</a:t>
-            </a:r>
-          </a:p>
-          <a:p>
-            <a:endParaRPr lang="en-US" dirty="0"/>
-          </a:p>
-          <a:p>
-            <a:r>
-              <a:rPr lang="en-US" dirty="0"/>
-              <a:t>1.</a:t>
-            </a:r>
-            <a:r>
-              <a:rPr lang="en-US" baseline="0" dirty="0"/>
-              <a:t> </a:t>
-            </a:r>
-            <a:r>
-              <a:rPr lang="en-US" dirty="0"/>
-              <a:t>Important issue – What is the trigger issue - phishing attempt</a:t>
-            </a:r>
-            <a:r>
-              <a:rPr lang="en-US" baseline="0" dirty="0"/>
-              <a:t> on a corporate laptop, responding to reported abuse…</a:t>
-            </a:r>
-          </a:p>
-          <a:p>
-            <a:r>
-              <a:rPr lang="en-US" baseline="0" dirty="0"/>
-              <a:t>2. Skilled security geeks – need a builder and need a tester</a:t>
-            </a:r>
-          </a:p>
-          <a:p>
-            <a:r>
-              <a:rPr lang="en-US" baseline="0" dirty="0"/>
-              <a:t>3. If your simulation is not realistic your team will most likely mock you which is contrary to the goal of gaining confidence through simulations.  If you are too minimalist you become trivial.  </a:t>
-            </a:r>
-          </a:p>
-          <a:p>
-            <a:r>
-              <a:rPr lang="en-US" baseline="0" dirty="0"/>
-              <a:t>4. Build elements – build the logging artifacts, produce the emails and alerts, build the run book e.g. wiki with commands to run, etc.</a:t>
-            </a:r>
-          </a:p>
-          <a:p>
-            <a:r>
-              <a:rPr lang="en-US" baseline="0" dirty="0"/>
-              <a:t>5.-6. Invite everyone who needs to train.  It is particularly fun to run parallel games with say 10 security engineers.</a:t>
-            </a:r>
-          </a:p>
-          <a:p>
-            <a:r>
-              <a:rPr lang="en-US" baseline="0" dirty="0"/>
-              <a:t>7. Make it a habit.</a:t>
-            </a:r>
-          </a:p>
-          <a:p>
-            <a:pPr marL="171450" indent="-171450">
-              <a:buFont typeface="Arial" charset="0"/>
-              <a:buChar char="•"/>
-            </a:pPr>
-            <a:endParaRPr lang="en-US" dirty="0"/>
-          </a:p>
-          <a:p>
             <a:endParaRPr lang="en-US" dirty="0"/>
           </a:p>
         </p:txBody>
@@ -11349,7 +11291,7 @@
     </p:spTree>
     <p:extLst>
       <p:ext uri="{BB962C8B-B14F-4D97-AF65-F5344CB8AC3E}">
-        <p14:creationId xmlns:p14="http://schemas.microsoft.com/office/powerpoint/2010/main" val="3618718547"/>
+        <p14:creationId xmlns:p14="http://schemas.microsoft.com/office/powerpoint/2010/main" val="3599949962"/>
       </p:ext>
     </p:extLst>
   </p:cSld>
@@ -11403,278 +11345,118 @@
           <a:bodyPr/>
           <a:lstStyle/>
           <a:p>
-            <a:pPr marL="0" marR="0" lvl="0" indent="0" algn="l" defTabSz="457200" rtl="0" eaLnBrk="1" fontAlgn="auto" latinLnBrk="0" hangingPunct="1">
-              <a:lnSpc>
-                <a:spcPct val="100000"/>
-              </a:lnSpc>
-              <a:spcBef>
-                <a:spcPts val="0"/>
-              </a:spcBef>
-              <a:spcAft>
-                <a:spcPts val="0"/>
-              </a:spcAft>
-              <a:buClrTx/>
-              <a:buSzTx/>
-              <a:buFontTx/>
-              <a:buNone/>
-              <a:tabLst/>
-              <a:defRPr/>
+            <a:pPr marL="171450" indent="-171450">
+              <a:buFont typeface="Arial" charset="0"/>
+              <a:buChar char="•"/>
             </a:pPr>
             <a:r>
               <a:rPr lang="en-US" dirty="0"/>
-              <a:t>Automate your threat remediation with these AWS services.</a:t>
-            </a:r>
-          </a:p>
-          <a:p>
-            <a:pPr marL="0" marR="0" lvl="0" indent="0" algn="l" defTabSz="457200" rtl="0" eaLnBrk="1" fontAlgn="auto" latinLnBrk="0" hangingPunct="1">
-              <a:lnSpc>
-                <a:spcPct val="100000"/>
-              </a:lnSpc>
-              <a:spcBef>
-                <a:spcPts val="0"/>
-              </a:spcBef>
-              <a:spcAft>
-                <a:spcPts val="0"/>
-              </a:spcAft>
-              <a:buClrTx/>
-              <a:buSzTx/>
-              <a:buFont typeface="Arial" panose="020B0604020202020204" pitchFamily="34" charset="0"/>
-              <a:buNone/>
-              <a:tabLst/>
-              <a:defRPr/>
+              <a:t>For offline analysis, this will be what is used to launch</a:t>
+            </a:r>
+            <a:r>
+              <a:rPr lang="en-US" baseline="0" dirty="0"/>
+              <a:t> the forensic instance. For online analysis, this is the “practice” workstation. The scripts and software loaded here will be what to install on the compromised instance.</a:t>
+            </a:r>
+          </a:p>
+          <a:p>
+            <a:pPr marL="171450" indent="-171450">
+              <a:buFont typeface="Arial" charset="0"/>
+              <a:buChar char="•"/>
             </a:pPr>
             <a:r>
+              <a:rPr lang="en-US" baseline="0" dirty="0"/>
+              <a:t>Online vs offline. Have a playbook.</a:t>
+            </a:r>
+          </a:p>
+          <a:p>
+            <a:pPr marL="171450" indent="-171450">
+              <a:buFont typeface="Arial" charset="0"/>
+              <a:buChar char="•"/>
+            </a:pPr>
+            <a:r>
+              <a:rPr lang="en-US" baseline="0" dirty="0"/>
+              <a:t>IAM roles for forensics should have carefully scoped permissions to be able to investigate without any problems. The instance (in both online and offline) will need to make API calls.</a:t>
+            </a:r>
+          </a:p>
+          <a:p>
+            <a:pPr marL="171450" indent="-171450">
+              <a:buFont typeface="Arial" charset="0"/>
+              <a:buChar char="•"/>
+            </a:pPr>
+            <a:endParaRPr lang="en-US" baseline="0" dirty="0"/>
+          </a:p>
+          <a:p>
+            <a:pPr marL="171450" indent="-171450">
+              <a:buFont typeface="Arial" charset="0"/>
+              <a:buChar char="•"/>
+            </a:pPr>
+            <a:endParaRPr lang="en-US" baseline="0" dirty="0"/>
+          </a:p>
+          <a:p>
+            <a:r>
               <a:rPr lang="en-US" dirty="0"/>
-              <a:t>Lambda:</a:t>
-            </a:r>
-          </a:p>
-          <a:p>
-            <a:pPr marL="628650" marR="0" lvl="1" indent="-171450" algn="l" defTabSz="457200" rtl="0" eaLnBrk="1" fontAlgn="auto" latinLnBrk="0" hangingPunct="1">
-              <a:lnSpc>
-                <a:spcPct val="100000"/>
-              </a:lnSpc>
-              <a:spcBef>
-                <a:spcPts val="0"/>
-              </a:spcBef>
-              <a:spcAft>
-                <a:spcPts val="0"/>
-              </a:spcAft>
-              <a:buClrTx/>
-              <a:buSzTx/>
-              <a:buFont typeface="Arial" panose="020B0604020202020204" pitchFamily="34" charset="0"/>
+              <a:t>Before we dive into examples…I better explain the basic ingredients of a Security Incident Response Simulation.</a:t>
+            </a:r>
+          </a:p>
+          <a:p>
+            <a:endParaRPr lang="en-US" dirty="0"/>
+          </a:p>
+          <a:p>
+            <a:r>
+              <a:rPr lang="en-US" dirty="0"/>
+              <a:t>1.</a:t>
+            </a:r>
+            <a:r>
+              <a:rPr lang="en-US" baseline="0" dirty="0"/>
+              <a:t> </a:t>
+            </a:r>
+            <a:r>
+              <a:rPr lang="en-US" dirty="0"/>
+              <a:t>Important issue – What is the trigger issue - phishing attempt</a:t>
+            </a:r>
+            <a:r>
+              <a:rPr lang="en-US" baseline="0" dirty="0"/>
+              <a:t> on a corporate laptop, responding to reported abuse…</a:t>
+            </a:r>
+          </a:p>
+          <a:p>
+            <a:r>
+              <a:rPr lang="en-US" baseline="0" dirty="0"/>
+              <a:t>2. Skilled security geeks – need a builder and need a tester</a:t>
+            </a:r>
+          </a:p>
+          <a:p>
+            <a:r>
+              <a:rPr lang="en-US" baseline="0" dirty="0"/>
+              <a:t>3. If your simulation is not realistic your team will most likely mock you which is contrary to the goal of gaining confidence through simulations.  If you are too minimalist you become trivial.  </a:t>
+            </a:r>
+          </a:p>
+          <a:p>
+            <a:r>
+              <a:rPr lang="en-US" baseline="0" dirty="0"/>
+              <a:t>4. Build elements – build the logging artifacts, produce the emails and alerts, build the run book e.g. wiki with commands to run, etc.</a:t>
+            </a:r>
+          </a:p>
+          <a:p>
+            <a:r>
+              <a:rPr lang="en-US" baseline="0" dirty="0"/>
+              <a:t>5.-6. Invite everyone who needs to train.  It is particularly fun to run parallel games with say 10 security engineers.</a:t>
+            </a:r>
+          </a:p>
+          <a:p>
+            <a:r>
+              <a:rPr lang="en-US" baseline="0" dirty="0"/>
+              <a:t>7. Make it a habit.</a:t>
+            </a:r>
+          </a:p>
+          <a:p>
+            <a:pPr marL="171450" indent="-171450">
+              <a:buFont typeface="Arial" charset="0"/>
               <a:buChar char="•"/>
-              <a:tabLst/>
-              <a:defRPr/>
             </a:pPr>
-            <a:r>
-              <a:rPr lang="en-US" dirty="0"/>
-              <a:t>Add prevention mechanisms to security boundary services</a:t>
-            </a:r>
-          </a:p>
-          <a:p>
-            <a:pPr marL="1085850" marR="0" lvl="2" indent="-171450" algn="l" defTabSz="457200" rtl="0" eaLnBrk="1" fontAlgn="auto" latinLnBrk="0" hangingPunct="1">
-              <a:lnSpc>
-                <a:spcPct val="100000"/>
-              </a:lnSpc>
-              <a:spcBef>
-                <a:spcPts val="0"/>
-              </a:spcBef>
-              <a:spcAft>
-                <a:spcPts val="0"/>
-              </a:spcAft>
-              <a:buClrTx/>
-              <a:buSzTx/>
-              <a:buFont typeface="Arial" panose="020B0604020202020204" pitchFamily="34" charset="0"/>
-              <a:buChar char="•"/>
-              <a:tabLst/>
-              <a:defRPr/>
-            </a:pPr>
-            <a:r>
-              <a:rPr lang="en-US" dirty="0"/>
-              <a:t>WAF, Security Groups, S3 bucket policies</a:t>
-            </a:r>
-          </a:p>
-          <a:p>
-            <a:pPr marL="628650" marR="0" lvl="1" indent="-171450" algn="l" defTabSz="457200" rtl="0" eaLnBrk="1" fontAlgn="auto" latinLnBrk="0" hangingPunct="1">
-              <a:lnSpc>
-                <a:spcPct val="100000"/>
-              </a:lnSpc>
-              <a:spcBef>
-                <a:spcPts val="0"/>
-              </a:spcBef>
-              <a:spcAft>
-                <a:spcPts val="0"/>
-              </a:spcAft>
-              <a:buClrTx/>
-              <a:buSzTx/>
-              <a:buFont typeface="Arial" panose="020B0604020202020204" pitchFamily="34" charset="0"/>
-              <a:buChar char="•"/>
-              <a:tabLst/>
-              <a:defRPr/>
-            </a:pPr>
-            <a:r>
-              <a:rPr lang="en-US" dirty="0"/>
-              <a:t>Invoke deeper inspection of the AWS estate</a:t>
-            </a:r>
-          </a:p>
-          <a:p>
-            <a:pPr marL="1085850" marR="0" lvl="2" indent="-171450" algn="l" defTabSz="457200" rtl="0" eaLnBrk="1" fontAlgn="auto" latinLnBrk="0" hangingPunct="1">
-              <a:lnSpc>
-                <a:spcPct val="100000"/>
-              </a:lnSpc>
-              <a:spcBef>
-                <a:spcPts val="0"/>
-              </a:spcBef>
-              <a:spcAft>
-                <a:spcPts val="0"/>
-              </a:spcAft>
-              <a:buClrTx/>
-              <a:buSzTx/>
-              <a:buFont typeface="Arial" panose="020B0604020202020204" pitchFamily="34" charset="0"/>
-              <a:buChar char="•"/>
-              <a:tabLst/>
-              <a:defRPr/>
-            </a:pPr>
-            <a:r>
-              <a:rPr lang="en-US" dirty="0"/>
-              <a:t>Systems Manager, Inspector</a:t>
-            </a:r>
-          </a:p>
-          <a:p>
-            <a:r>
-              <a:rPr lang="en-US" dirty="0"/>
-              <a:t>Systems Manager: </a:t>
-            </a:r>
-            <a:r>
-              <a:rPr lang="en-US" sz="1200" b="0" i="0" kern="1200" dirty="0">
-                <a:solidFill>
-                  <a:schemeClr val="tx1"/>
-                </a:solidFill>
-                <a:effectLst/>
-                <a:latin typeface="Amazon Ember Regular" charset="0"/>
-                <a:ea typeface="+mn-ea"/>
-                <a:cs typeface="+mn-cs"/>
-              </a:rPr>
-              <a:t> </a:t>
-            </a:r>
-          </a:p>
-          <a:p>
-            <a:r>
-              <a:rPr lang="en-US" dirty="0"/>
-              <a:t>	Proactively mitigate threats at instance level</a:t>
-            </a:r>
-          </a:p>
-          <a:p>
-            <a:pPr marL="628650" marR="0" lvl="1" indent="-171450" algn="l" defTabSz="457200" rtl="0" eaLnBrk="1" fontAlgn="auto" latinLnBrk="0" hangingPunct="1">
-              <a:lnSpc>
-                <a:spcPct val="100000"/>
-              </a:lnSpc>
-              <a:spcBef>
-                <a:spcPts val="0"/>
-              </a:spcBef>
-              <a:spcAft>
-                <a:spcPts val="0"/>
-              </a:spcAft>
-              <a:buClrTx/>
-              <a:buSzTx/>
-              <a:buFont typeface="Arial" panose="020B0604020202020204" pitchFamily="34" charset="0"/>
-              <a:buChar char="•"/>
-              <a:tabLst/>
-              <a:defRPr/>
-            </a:pPr>
-            <a:r>
-              <a:rPr lang="en-US" dirty="0"/>
-              <a:t>Patching system</a:t>
-            </a:r>
-          </a:p>
-          <a:p>
-            <a:pPr marL="0" marR="0" lvl="0" indent="0" algn="l" defTabSz="457200" rtl="0" eaLnBrk="1" fontAlgn="auto" latinLnBrk="0" hangingPunct="1">
-              <a:lnSpc>
-                <a:spcPct val="100000"/>
-              </a:lnSpc>
-              <a:spcBef>
-                <a:spcPts val="0"/>
-              </a:spcBef>
-              <a:spcAft>
-                <a:spcPts val="0"/>
-              </a:spcAft>
-              <a:buClrTx/>
-              <a:buSzTx/>
-              <a:buFont typeface="Arial" panose="020B0604020202020204" pitchFamily="34" charset="0"/>
-              <a:buNone/>
-              <a:tabLst/>
-              <a:defRPr/>
-            </a:pPr>
-            <a:r>
-              <a:rPr lang="en-US" dirty="0"/>
-              <a:t>Amazon Inspector</a:t>
-            </a:r>
-          </a:p>
-          <a:p>
-            <a:pPr marL="0" marR="0" lvl="0" indent="0" algn="l" defTabSz="457200" rtl="0" eaLnBrk="1" fontAlgn="auto" latinLnBrk="0" hangingPunct="1">
-              <a:lnSpc>
-                <a:spcPct val="100000"/>
-              </a:lnSpc>
-              <a:spcBef>
-                <a:spcPts val="0"/>
-              </a:spcBef>
-              <a:spcAft>
-                <a:spcPts val="0"/>
-              </a:spcAft>
-              <a:buClrTx/>
-              <a:buSzTx/>
-              <a:buFont typeface="Arial" panose="020B0604020202020204" pitchFamily="34" charset="0"/>
-              <a:buNone/>
-              <a:tabLst/>
-              <a:defRPr/>
-            </a:pPr>
-            <a:r>
-              <a:rPr lang="en-US" dirty="0"/>
-              <a:t>	A</a:t>
-            </a:r>
-            <a:r>
-              <a:rPr lang="en-US" sz="1200" b="0" i="0" kern="1200" dirty="0">
-                <a:solidFill>
-                  <a:schemeClr val="tx1"/>
-                </a:solidFill>
-                <a:effectLst/>
-                <a:latin typeface="Amazon Ember Regular" charset="0"/>
-                <a:ea typeface="+mn-ea"/>
-                <a:cs typeface="+mn-cs"/>
-              </a:rPr>
-              <a:t>utomated security assessment service</a:t>
-            </a:r>
-          </a:p>
-          <a:p>
-            <a:pPr marL="0" marR="0" lvl="0" indent="0" algn="l" defTabSz="457200" rtl="0" eaLnBrk="1" fontAlgn="auto" latinLnBrk="0" hangingPunct="1">
-              <a:lnSpc>
-                <a:spcPct val="100000"/>
-              </a:lnSpc>
-              <a:spcBef>
-                <a:spcPts val="0"/>
-              </a:spcBef>
-              <a:spcAft>
-                <a:spcPts val="0"/>
-              </a:spcAft>
-              <a:buClrTx/>
-              <a:buSzTx/>
-              <a:buFont typeface="Arial" panose="020B0604020202020204" pitchFamily="34" charset="0"/>
-              <a:buNone/>
-              <a:tabLst/>
-              <a:defRPr/>
-            </a:pPr>
-            <a:r>
-              <a:rPr lang="en-US" sz="1200" b="0" i="0" kern="1200" dirty="0">
-                <a:solidFill>
-                  <a:schemeClr val="tx1"/>
-                </a:solidFill>
-                <a:effectLst/>
-                <a:latin typeface="Amazon Ember Regular" charset="0"/>
-                <a:ea typeface="+mn-ea"/>
-                <a:cs typeface="+mn-cs"/>
-              </a:rPr>
-              <a:t>	Helps improve the security and compliance of applications deployed on AWS. </a:t>
-            </a:r>
+            <a:endParaRPr lang="en-US" dirty="0"/>
+          </a:p>
+          <a:p>
             <a:endParaRPr lang="en-US" dirty="0"/>
           </a:p>
         </p:txBody>
@@ -11697,7 +11479,7 @@
             <a:fld id="{69C3F2ED-74C5-7D4F-8560-0CC253E9A436}" type="slidenum">
               <a:rPr lang="en-US" smtClean="0"/>
               <a:pPr/>
-              <a:t>36</a:t>
+              <a:t>35</a:t>
             </a:fld>
             <a:endParaRPr lang="en-US" dirty="0"/>
           </a:p>
@@ -11706,7 +11488,7 @@
     </p:spTree>
     <p:extLst>
       <p:ext uri="{BB962C8B-B14F-4D97-AF65-F5344CB8AC3E}">
-        <p14:creationId xmlns:p14="http://schemas.microsoft.com/office/powerpoint/2010/main" val="3854878046"/>
+        <p14:creationId xmlns:p14="http://schemas.microsoft.com/office/powerpoint/2010/main" val="3618718547"/>
       </p:ext>
     </p:extLst>
   </p:cSld>
@@ -11760,16 +11542,6 @@
           <a:bodyPr/>
           <a:lstStyle/>
           <a:p>
-            <a:r>
-              <a:rPr lang="en-US" dirty="0"/>
-              <a:t>This is the basic</a:t>
-            </a:r>
-            <a:r>
-              <a:rPr lang="en-US" baseline="0" dirty="0"/>
-              <a:t> anatomy for your security event response automation. You have someone doing something egregious, malicious or otherwise to your environment. You will ultimately author a series of CloudWatch events that listen to what is interesting to you, and then execute some sort of function, whether it is observe &amp; report, or even take action, or both.</a:t>
-            </a:r>
-          </a:p>
-          <a:p>
             <a:pPr marL="0" marR="0" lvl="0" indent="0" algn="l" defTabSz="457200" rtl="0" eaLnBrk="1" fontAlgn="auto" latinLnBrk="0" hangingPunct="1">
               <a:lnSpc>
                 <a:spcPct val="100000"/>
@@ -11787,15 +11559,10 @@
               <a:tabLst/>
               <a:defRPr/>
             </a:pPr>
-            <a:endParaRPr lang="en-US" sz="1200" kern="1200" dirty="0">
-              <a:solidFill>
-                <a:schemeClr val="tx1"/>
-              </a:solidFill>
-              <a:effectLst/>
-              <a:latin typeface="Arial"/>
-              <a:ea typeface="+mn-ea"/>
-              <a:cs typeface="+mn-cs"/>
-            </a:endParaRPr>
+            <a:r>
+              <a:rPr lang="en-US" dirty="0"/>
+              <a:t>Automate your threat remediation with these AWS services.</a:t>
+            </a:r>
           </a:p>
           <a:p>
             <a:pPr marL="0" marR="0" lvl="0" indent="0" algn="l" defTabSz="457200" rtl="0" eaLnBrk="1" fontAlgn="auto" latinLnBrk="0" hangingPunct="1">
@@ -11810,22 +11577,153 @@
               </a:spcAft>
               <a:buClrTx/>
               <a:buSzTx/>
-              <a:buFontTx/>
+              <a:buFont typeface="Arial" panose="020B0604020202020204" pitchFamily="34" charset="0"/>
               <a:buNone/>
               <a:tabLst/>
               <a:defRPr/>
             </a:pPr>
             <a:r>
-              <a:rPr lang="en-US" sz="1200" kern="1200" dirty="0">
+              <a:rPr lang="en-US" dirty="0"/>
+              <a:t>Lambda:</a:t>
+            </a:r>
+          </a:p>
+          <a:p>
+            <a:pPr marL="628650" marR="0" lvl="1" indent="-171450" algn="l" defTabSz="457200" rtl="0" eaLnBrk="1" fontAlgn="auto" latinLnBrk="0" hangingPunct="1">
+              <a:lnSpc>
+                <a:spcPct val="100000"/>
+              </a:lnSpc>
+              <a:spcBef>
+                <a:spcPts val="0"/>
+              </a:spcBef>
+              <a:spcAft>
+                <a:spcPts val="0"/>
+              </a:spcAft>
+              <a:buClrTx/>
+              <a:buSzTx/>
+              <a:buFont typeface="Arial" panose="020B0604020202020204" pitchFamily="34" charset="0"/>
+              <a:buChar char="•"/>
+              <a:tabLst/>
+              <a:defRPr/>
+            </a:pPr>
+            <a:r>
+              <a:rPr lang="en-US" dirty="0"/>
+              <a:t>Add prevention mechanisms to security boundary services</a:t>
+            </a:r>
+          </a:p>
+          <a:p>
+            <a:pPr marL="1085850" marR="0" lvl="2" indent="-171450" algn="l" defTabSz="457200" rtl="0" eaLnBrk="1" fontAlgn="auto" latinLnBrk="0" hangingPunct="1">
+              <a:lnSpc>
+                <a:spcPct val="100000"/>
+              </a:lnSpc>
+              <a:spcBef>
+                <a:spcPts val="0"/>
+              </a:spcBef>
+              <a:spcAft>
+                <a:spcPts val="0"/>
+              </a:spcAft>
+              <a:buClrTx/>
+              <a:buSzTx/>
+              <a:buFont typeface="Arial" panose="020B0604020202020204" pitchFamily="34" charset="0"/>
+              <a:buChar char="•"/>
+              <a:tabLst/>
+              <a:defRPr/>
+            </a:pPr>
+            <a:r>
+              <a:rPr lang="en-US" dirty="0"/>
+              <a:t>WAF, Security Groups, S3 bucket policies</a:t>
+            </a:r>
+          </a:p>
+          <a:p>
+            <a:pPr marL="628650" marR="0" lvl="1" indent="-171450" algn="l" defTabSz="457200" rtl="0" eaLnBrk="1" fontAlgn="auto" latinLnBrk="0" hangingPunct="1">
+              <a:lnSpc>
+                <a:spcPct val="100000"/>
+              </a:lnSpc>
+              <a:spcBef>
+                <a:spcPts val="0"/>
+              </a:spcBef>
+              <a:spcAft>
+                <a:spcPts val="0"/>
+              </a:spcAft>
+              <a:buClrTx/>
+              <a:buSzTx/>
+              <a:buFont typeface="Arial" panose="020B0604020202020204" pitchFamily="34" charset="0"/>
+              <a:buChar char="•"/>
+              <a:tabLst/>
+              <a:defRPr/>
+            </a:pPr>
+            <a:r>
+              <a:rPr lang="en-US" dirty="0"/>
+              <a:t>Invoke deeper inspection of the AWS estate</a:t>
+            </a:r>
+          </a:p>
+          <a:p>
+            <a:pPr marL="1085850" marR="0" lvl="2" indent="-171450" algn="l" defTabSz="457200" rtl="0" eaLnBrk="1" fontAlgn="auto" latinLnBrk="0" hangingPunct="1">
+              <a:lnSpc>
+                <a:spcPct val="100000"/>
+              </a:lnSpc>
+              <a:spcBef>
+                <a:spcPts val="0"/>
+              </a:spcBef>
+              <a:spcAft>
+                <a:spcPts val="0"/>
+              </a:spcAft>
+              <a:buClrTx/>
+              <a:buSzTx/>
+              <a:buFont typeface="Arial" panose="020B0604020202020204" pitchFamily="34" charset="0"/>
+              <a:buChar char="•"/>
+              <a:tabLst/>
+              <a:defRPr/>
+            </a:pPr>
+            <a:r>
+              <a:rPr lang="en-US" dirty="0"/>
+              <a:t>Systems Manager, Inspector</a:t>
+            </a:r>
+          </a:p>
+          <a:p>
+            <a:r>
+              <a:rPr lang="en-US" dirty="0"/>
+              <a:t>Systems Manager: </a:t>
+            </a:r>
+            <a:r>
+              <a:rPr lang="en-US" sz="1200" b="0" i="0" kern="1200" dirty="0">
                 <a:solidFill>
                   <a:schemeClr val="tx1"/>
                 </a:solidFill>
                 <a:effectLst/>
-                <a:latin typeface="Arial"/>
+                <a:latin typeface="Amazon Ember Regular" charset="0"/>
                 <a:ea typeface="+mn-ea"/>
                 <a:cs typeface="+mn-cs"/>
               </a:rPr>
-              <a:t>Next I’ll show you a demo of two Lambdas responders that restart CloudTrail and send a notification as triggered by CloudWatch Events.</a:t>
+              <a:t> </a:t>
+            </a:r>
+          </a:p>
+          <a:p>
+            <a:r>
+              <a:rPr lang="en-US" dirty="0"/>
+              <a:t>	Proactively mitigate threats at instance level</a:t>
+            </a:r>
+          </a:p>
+          <a:p>
+            <a:pPr marL="628650" marR="0" lvl="1" indent="-171450" algn="l" defTabSz="457200" rtl="0" eaLnBrk="1" fontAlgn="auto" latinLnBrk="0" hangingPunct="1">
+              <a:lnSpc>
+                <a:spcPct val="100000"/>
+              </a:lnSpc>
+              <a:spcBef>
+                <a:spcPts val="0"/>
+              </a:spcBef>
+              <a:spcAft>
+                <a:spcPts val="0"/>
+              </a:spcAft>
+              <a:buClrTx/>
+              <a:buSzTx/>
+              <a:buFont typeface="Arial" panose="020B0604020202020204" pitchFamily="34" charset="0"/>
+              <a:buChar char="•"/>
+              <a:tabLst/>
+              <a:defRPr/>
+            </a:pPr>
+            <a:r>
+              <a:rPr lang="en-US" dirty="0"/>
+              <a:t>Patching system</a:t>
             </a:r>
           </a:p>
           <a:p>
@@ -11841,22 +11739,81 @@
               </a:spcAft>
               <a:buClrTx/>
               <a:buSzTx/>
-              <a:buFontTx/>
+              <a:buFont typeface="Arial" panose="020B0604020202020204" pitchFamily="34" charset="0"/>
               <a:buNone/>
               <a:tabLst/>
               <a:defRPr/>
             </a:pPr>
-            <a:endParaRPr lang="en-US" sz="1200" kern="1200" dirty="0">
-              <a:solidFill>
-                <a:schemeClr val="tx1"/>
-              </a:solidFill>
-              <a:effectLst/>
-              <a:latin typeface="Arial"/>
-              <a:ea typeface="+mn-ea"/>
-              <a:cs typeface="+mn-cs"/>
-            </a:endParaRPr>
-          </a:p>
-          <a:p>
+            <a:r>
+              <a:rPr lang="en-US" dirty="0"/>
+              <a:t>Amazon Inspector</a:t>
+            </a:r>
+          </a:p>
+          <a:p>
+            <a:pPr marL="0" marR="0" lvl="0" indent="0" algn="l" defTabSz="457200" rtl="0" eaLnBrk="1" fontAlgn="auto" latinLnBrk="0" hangingPunct="1">
+              <a:lnSpc>
+                <a:spcPct val="100000"/>
+              </a:lnSpc>
+              <a:spcBef>
+                <a:spcPts val="0"/>
+              </a:spcBef>
+              <a:spcAft>
+                <a:spcPts val="0"/>
+              </a:spcAft>
+              <a:buClrTx/>
+              <a:buSzTx/>
+              <a:buFont typeface="Arial" panose="020B0604020202020204" pitchFamily="34" charset="0"/>
+              <a:buNone/>
+              <a:tabLst/>
+              <a:defRPr/>
+            </a:pPr>
+            <a:r>
+              <a:rPr lang="en-US" dirty="0"/>
+              <a:t>	A</a:t>
+            </a:r>
+            <a:r>
+              <a:rPr lang="en-US" sz="1200" b="0" i="0" kern="1200" dirty="0">
+                <a:solidFill>
+                  <a:schemeClr val="tx1"/>
+                </a:solidFill>
+                <a:effectLst/>
+                <a:latin typeface="Amazon Ember Regular" charset="0"/>
+                <a:ea typeface="+mn-ea"/>
+                <a:cs typeface="+mn-cs"/>
+              </a:rPr>
+              <a:t>utomated security assessment service</a:t>
+            </a:r>
+          </a:p>
+          <a:p>
+            <a:pPr marL="0" marR="0" lvl="0" indent="0" algn="l" defTabSz="457200" rtl="0" eaLnBrk="1" fontAlgn="auto" latinLnBrk="0" hangingPunct="1">
+              <a:lnSpc>
+                <a:spcPct val="100000"/>
+              </a:lnSpc>
+              <a:spcBef>
+                <a:spcPts val="0"/>
+              </a:spcBef>
+              <a:spcAft>
+                <a:spcPts val="0"/>
+              </a:spcAft>
+              <a:buClrTx/>
+              <a:buSzTx/>
+              <a:buFont typeface="Arial" panose="020B0604020202020204" pitchFamily="34" charset="0"/>
+              <a:buNone/>
+              <a:tabLst/>
+              <a:defRPr/>
+            </a:pPr>
+            <a:r>
+              <a:rPr lang="en-US" sz="1200" b="0" i="0" kern="1200" dirty="0">
+                <a:solidFill>
+                  <a:schemeClr val="tx1"/>
+                </a:solidFill>
+                <a:effectLst/>
+                <a:latin typeface="Amazon Ember Regular" charset="0"/>
+                <a:ea typeface="+mn-ea"/>
+                <a:cs typeface="+mn-cs"/>
+              </a:rPr>
+              <a:t>	Helps improve the security and compliance of applications deployed on AWS. </a:t>
+            </a:r>
             <a:endParaRPr lang="en-US" dirty="0"/>
           </a:p>
         </p:txBody>
@@ -11888,7 +11845,7 @@
     </p:spTree>
     <p:extLst>
       <p:ext uri="{BB962C8B-B14F-4D97-AF65-F5344CB8AC3E}">
-        <p14:creationId xmlns:p14="http://schemas.microsoft.com/office/powerpoint/2010/main" val="4216226044"/>
+        <p14:creationId xmlns:p14="http://schemas.microsoft.com/office/powerpoint/2010/main" val="3854878046"/>
       </p:ext>
     </p:extLst>
   </p:cSld>
@@ -11942,6 +11899,103 @@
           <a:bodyPr/>
           <a:lstStyle/>
           <a:p>
+            <a:r>
+              <a:rPr lang="en-US" dirty="0"/>
+              <a:t>This is the basic</a:t>
+            </a:r>
+            <a:r>
+              <a:rPr lang="en-US" baseline="0" dirty="0"/>
+              <a:t> anatomy for your security event response automation. You have someone doing something egregious, malicious or otherwise to your environment. You will ultimately author a series of CloudWatch events that listen to what is interesting to you, and then execute some sort of function, whether it is observe &amp; report, or even take action, or both.</a:t>
+            </a:r>
+          </a:p>
+          <a:p>
+            <a:pPr marL="0" marR="0" lvl="0" indent="0" algn="l" defTabSz="457200" rtl="0" eaLnBrk="1" fontAlgn="auto" latinLnBrk="0" hangingPunct="1">
+              <a:lnSpc>
+                <a:spcPct val="100000"/>
+              </a:lnSpc>
+              <a:spcBef>
+                <a:spcPts val="0"/>
+              </a:spcBef>
+              <a:spcAft>
+                <a:spcPts val="0"/>
+              </a:spcAft>
+              <a:buClrTx/>
+              <a:buSzTx/>
+              <a:buFontTx/>
+              <a:buNone/>
+              <a:tabLst/>
+              <a:defRPr/>
+            </a:pPr>
+            <a:endParaRPr lang="en-US" sz="1200" kern="1200" dirty="0">
+              <a:solidFill>
+                <a:schemeClr val="tx1"/>
+              </a:solidFill>
+              <a:effectLst/>
+              <a:latin typeface="Arial"/>
+              <a:ea typeface="+mn-ea"/>
+              <a:cs typeface="+mn-cs"/>
+            </a:endParaRPr>
+          </a:p>
+          <a:p>
+            <a:pPr marL="0" marR="0" lvl="0" indent="0" algn="l" defTabSz="457200" rtl="0" eaLnBrk="1" fontAlgn="auto" latinLnBrk="0" hangingPunct="1">
+              <a:lnSpc>
+                <a:spcPct val="100000"/>
+              </a:lnSpc>
+              <a:spcBef>
+                <a:spcPts val="0"/>
+              </a:spcBef>
+              <a:spcAft>
+                <a:spcPts val="0"/>
+              </a:spcAft>
+              <a:buClrTx/>
+              <a:buSzTx/>
+              <a:buFontTx/>
+              <a:buNone/>
+              <a:tabLst/>
+              <a:defRPr/>
+            </a:pPr>
+            <a:r>
+              <a:rPr lang="en-US" sz="1200" kern="1200" dirty="0">
+                <a:solidFill>
+                  <a:schemeClr val="tx1"/>
+                </a:solidFill>
+                <a:effectLst/>
+                <a:latin typeface="Arial"/>
+                <a:ea typeface="+mn-ea"/>
+                <a:cs typeface="+mn-cs"/>
+              </a:rPr>
+              <a:t>Next I’ll show you a demo of two Lambdas responders that restart CloudTrail and send a notification as triggered by CloudWatch Events.</a:t>
+            </a:r>
+          </a:p>
+          <a:p>
+            <a:pPr marL="0" marR="0" lvl="0" indent="0" algn="l" defTabSz="457200" rtl="0" eaLnBrk="1" fontAlgn="auto" latinLnBrk="0" hangingPunct="1">
+              <a:lnSpc>
+                <a:spcPct val="100000"/>
+              </a:lnSpc>
+              <a:spcBef>
+                <a:spcPts val="0"/>
+              </a:spcBef>
+              <a:spcAft>
+                <a:spcPts val="0"/>
+              </a:spcAft>
+              <a:buClrTx/>
+              <a:buSzTx/>
+              <a:buFontTx/>
+              <a:buNone/>
+              <a:tabLst/>
+              <a:defRPr/>
+            </a:pPr>
+            <a:endParaRPr lang="en-US" sz="1200" kern="1200" dirty="0">
+              <a:solidFill>
+                <a:schemeClr val="tx1"/>
+              </a:solidFill>
+              <a:effectLst/>
+              <a:latin typeface="Arial"/>
+              <a:ea typeface="+mn-ea"/>
+              <a:cs typeface="+mn-cs"/>
+            </a:endParaRPr>
+          </a:p>
+          <a:p>
             <a:endParaRPr lang="en-US" dirty="0"/>
           </a:p>
         </p:txBody>
@@ -11973,7 +12027,7 @@
     </p:spTree>
     <p:extLst>
       <p:ext uri="{BB962C8B-B14F-4D97-AF65-F5344CB8AC3E}">
-        <p14:creationId xmlns:p14="http://schemas.microsoft.com/office/powerpoint/2010/main" val="902932147"/>
+        <p14:creationId xmlns:p14="http://schemas.microsoft.com/office/powerpoint/2010/main" val="4216226044"/>
       </p:ext>
     </p:extLst>
   </p:cSld>
@@ -12058,7 +12112,7 @@
     </p:spTree>
     <p:extLst>
       <p:ext uri="{BB962C8B-B14F-4D97-AF65-F5344CB8AC3E}">
-        <p14:creationId xmlns:p14="http://schemas.microsoft.com/office/powerpoint/2010/main" val="3906499898"/>
+        <p14:creationId xmlns:p14="http://schemas.microsoft.com/office/powerpoint/2010/main" val="902932147"/>
       </p:ext>
     </p:extLst>
   </p:cSld>
@@ -12112,12 +12166,7 @@
           <a:bodyPr/>
           <a:lstStyle/>
           <a:p>
-            <a:r>
-              <a:rPr lang="en-US" sz="1200" i="1" dirty="0">
-                <a:latin typeface="Apple Braille" pitchFamily="2" charset="0"/>
-              </a:rPr>
-              <a:t>[Allow ~30 mins for them to do this]</a:t>
-            </a:r>
+            <a:endParaRPr lang="en-US" dirty="0"/>
           </a:p>
         </p:txBody>
       </p:sp>
@@ -12148,7 +12197,7 @@
     </p:spTree>
     <p:extLst>
       <p:ext uri="{BB962C8B-B14F-4D97-AF65-F5344CB8AC3E}">
-        <p14:creationId xmlns:p14="http://schemas.microsoft.com/office/powerpoint/2010/main" val="2366568594"/>
+        <p14:creationId xmlns:p14="http://schemas.microsoft.com/office/powerpoint/2010/main" val="3906499898"/>
       </p:ext>
     </p:extLst>
   </p:cSld>
@@ -12202,7 +12251,12 @@
           <a:bodyPr/>
           <a:lstStyle/>
           <a:p>
-            <a:endParaRPr lang="en-US" dirty="0"/>
+            <a:r>
+              <a:rPr lang="en-US" sz="1200" i="1" dirty="0">
+                <a:latin typeface="Apple Braille" pitchFamily="2" charset="0"/>
+              </a:rPr>
+              <a:t>[Allow ~30 mins for them to do this]</a:t>
+            </a:r>
           </a:p>
         </p:txBody>
       </p:sp>
@@ -12233,7 +12287,7 @@
     </p:spTree>
     <p:extLst>
       <p:ext uri="{BB962C8B-B14F-4D97-AF65-F5344CB8AC3E}">
-        <p14:creationId xmlns:p14="http://schemas.microsoft.com/office/powerpoint/2010/main" val="2682756099"/>
+        <p14:creationId xmlns:p14="http://schemas.microsoft.com/office/powerpoint/2010/main" val="2366568594"/>
       </p:ext>
     </p:extLst>
   </p:cSld>
@@ -12318,7 +12372,7 @@
     </p:spTree>
     <p:extLst>
       <p:ext uri="{BB962C8B-B14F-4D97-AF65-F5344CB8AC3E}">
-        <p14:creationId xmlns:p14="http://schemas.microsoft.com/office/powerpoint/2010/main" val="3428914251"/>
+        <p14:creationId xmlns:p14="http://schemas.microsoft.com/office/powerpoint/2010/main" val="2682756099"/>
       </p:ext>
     </p:extLst>
   </p:cSld>
@@ -12457,25 +12511,7 @@
           <a:bodyPr/>
           <a:lstStyle/>
           <a:p>
-            <a:r>
-              <a:rPr lang="en-US" sz="1200" dirty="0">
-                <a:latin typeface="Apple Braille" pitchFamily="2" charset="0"/>
-              </a:rPr>
-              <a:t>45 mins</a:t>
-            </a:r>
-          </a:p>
-          <a:p>
-            <a:endParaRPr lang="en-US" sz="1200" dirty="0">
-              <a:latin typeface="Apple Braille" pitchFamily="2" charset="0"/>
-            </a:endParaRPr>
-          </a:p>
-          <a:p>
-            <a:r>
-              <a:rPr lang="en-US" sz="1200" dirty="0">
-                <a:latin typeface="Apple Braille" pitchFamily="2" charset="0"/>
-              </a:rPr>
-              <a:t>Use the Oregon region </a:t>
-            </a:r>
+            <a:endParaRPr lang="en-US" dirty="0"/>
           </a:p>
         </p:txBody>
       </p:sp>
@@ -12506,7 +12542,7 @@
     </p:spTree>
     <p:extLst>
       <p:ext uri="{BB962C8B-B14F-4D97-AF65-F5344CB8AC3E}">
-        <p14:creationId xmlns:p14="http://schemas.microsoft.com/office/powerpoint/2010/main" val="1870624592"/>
+        <p14:creationId xmlns:p14="http://schemas.microsoft.com/office/powerpoint/2010/main" val="3428914251"/>
       </p:ext>
     </p:extLst>
   </p:cSld>
@@ -12560,7 +12596,25 @@
           <a:bodyPr/>
           <a:lstStyle/>
           <a:p>
-            <a:endParaRPr lang="en-US" dirty="0"/>
+            <a:r>
+              <a:rPr lang="en-US" sz="1200" dirty="0">
+                <a:latin typeface="Apple Braille" pitchFamily="2" charset="0"/>
+              </a:rPr>
+              <a:t>45 mins</a:t>
+            </a:r>
+          </a:p>
+          <a:p>
+            <a:endParaRPr lang="en-US" sz="1200" dirty="0">
+              <a:latin typeface="Apple Braille" pitchFamily="2" charset="0"/>
+            </a:endParaRPr>
+          </a:p>
+          <a:p>
+            <a:r>
+              <a:rPr lang="en-US" sz="1200" dirty="0">
+                <a:latin typeface="Apple Braille" pitchFamily="2" charset="0"/>
+              </a:rPr>
+              <a:t>Use the Oregon region </a:t>
+            </a:r>
           </a:p>
         </p:txBody>
       </p:sp>
@@ -12591,7 +12645,7 @@
     </p:spTree>
     <p:extLst>
       <p:ext uri="{BB962C8B-B14F-4D97-AF65-F5344CB8AC3E}">
-        <p14:creationId xmlns:p14="http://schemas.microsoft.com/office/powerpoint/2010/main" val="1581249305"/>
+        <p14:creationId xmlns:p14="http://schemas.microsoft.com/office/powerpoint/2010/main" val="1870624592"/>
       </p:ext>
     </p:extLst>
   </p:cSld>
@@ -12676,7 +12730,7 @@
     </p:spTree>
     <p:extLst>
       <p:ext uri="{BB962C8B-B14F-4D97-AF65-F5344CB8AC3E}">
-        <p14:creationId xmlns:p14="http://schemas.microsoft.com/office/powerpoint/2010/main" val="3799787439"/>
+        <p14:creationId xmlns:p14="http://schemas.microsoft.com/office/powerpoint/2010/main" val="1581249305"/>
       </p:ext>
     </p:extLst>
   </p:cSld>
@@ -12730,175 +12784,7 @@
           <a:bodyPr/>
           <a:lstStyle/>
           <a:p>
-            <a:pPr lvl="0">
-              <a:lnSpc>
-                <a:spcPct val="150000"/>
-              </a:lnSpc>
-              <a:spcBef>
-                <a:spcPts val="1200"/>
-              </a:spcBef>
-            </a:pPr>
-            <a:r>
-              <a:rPr lang="en-US" sz="1200" b="0" dirty="0">
-                <a:solidFill>
-                  <a:schemeClr val="tx1"/>
-                </a:solidFill>
-                <a:latin typeface="Amazon Ember" panose="020B0603020204020204" pitchFamily="34" charset="0"/>
-                <a:ea typeface="Amazon Ember" panose="020B0603020204020204" pitchFamily="34" charset="0"/>
-                <a:cs typeface="Amazon Ember" panose="020B0603020204020204" pitchFamily="34" charset="0"/>
-              </a:rPr>
-              <a:t>Attack Recap</a:t>
-            </a:r>
-          </a:p>
-          <a:p>
-            <a:pPr lvl="0">
-              <a:lnSpc>
-                <a:spcPct val="150000"/>
-              </a:lnSpc>
-              <a:spcBef>
-                <a:spcPts val="1200"/>
-              </a:spcBef>
-            </a:pPr>
-            <a:r>
-              <a:rPr lang="en-US" sz="1200" b="0" dirty="0">
-                <a:solidFill>
-                  <a:schemeClr val="tx1"/>
-                </a:solidFill>
-                <a:latin typeface="Amazon Ember" panose="020B0603020204020204" pitchFamily="34" charset="0"/>
-                <a:ea typeface="Amazon Ember" panose="020B0603020204020204" pitchFamily="34" charset="0"/>
-                <a:cs typeface="Amazon Ember" panose="020B0603020204020204" pitchFamily="34" charset="0"/>
-              </a:rPr>
-              <a:t>1. Module 2 CloudFormation template creates two EC2 instances. They are in the same VPC but different subnets. The Malicious Host represents the attacker which we pretend is on the Internet. The Elastic IP on the Malicious Host is in a custom threat list in GuardDuty (in order to generate . The other instance named Compromised Instance represents the web server that was lifted and shifted into AWS.</a:t>
-            </a:r>
-          </a:p>
-          <a:p>
-            <a:pPr lvl="0">
-              <a:lnSpc>
-                <a:spcPct val="150000"/>
-              </a:lnSpc>
-              <a:spcBef>
-                <a:spcPts val="1200"/>
-              </a:spcBef>
-            </a:pPr>
-            <a:r>
-              <a:rPr lang="en-US" sz="1200" b="0" dirty="0">
-                <a:solidFill>
-                  <a:schemeClr val="tx1"/>
-                </a:solidFill>
-                <a:latin typeface="Amazon Ember" panose="020B0603020204020204" pitchFamily="34" charset="0"/>
-                <a:ea typeface="Amazon Ember" panose="020B0603020204020204" pitchFamily="34" charset="0"/>
-                <a:cs typeface="Amazon Ember" panose="020B0603020204020204" pitchFamily="34" charset="0"/>
-              </a:rPr>
-              <a:t>2. Although company policy is that only certificate authentication should be enabled for SSH, at some point password authentication for SSH was enabled on the Compromised Instance </a:t>
-            </a:r>
-          </a:p>
-          <a:p>
-            <a:pPr lvl="0">
-              <a:lnSpc>
-                <a:spcPct val="150000"/>
-              </a:lnSpc>
-              <a:spcBef>
-                <a:spcPts val="1200"/>
-              </a:spcBef>
-            </a:pPr>
-            <a:r>
-              <a:rPr lang="en-US" sz="1200" b="0" dirty="0">
-                <a:solidFill>
-                  <a:schemeClr val="tx1"/>
-                </a:solidFill>
-                <a:latin typeface="Amazon Ember" panose="020B0603020204020204" pitchFamily="34" charset="0"/>
-                <a:ea typeface="Amazon Ember" panose="020B0603020204020204" pitchFamily="34" charset="0"/>
-                <a:cs typeface="Amazon Ember" panose="020B0603020204020204" pitchFamily="34" charset="0"/>
-              </a:rPr>
-              <a:t>3. The Malicious Host performed a brute force SSH password attack against the Compromised Instance. The brute force attack is designed to be successful</a:t>
-            </a:r>
-          </a:p>
-          <a:p>
-            <a:pPr lvl="0">
-              <a:lnSpc>
-                <a:spcPct val="150000"/>
-              </a:lnSpc>
-              <a:spcBef>
-                <a:spcPts val="1200"/>
-              </a:spcBef>
-            </a:pPr>
-            <a:r>
-              <a:rPr lang="en-US" sz="1200" b="0" dirty="0">
-                <a:solidFill>
-                  <a:schemeClr val="tx1"/>
-                </a:solidFill>
-                <a:latin typeface="Amazon Ember" panose="020B0603020204020204" pitchFamily="34" charset="0"/>
-                <a:ea typeface="Amazon Ember" panose="020B0603020204020204" pitchFamily="34" charset="0"/>
-                <a:cs typeface="Amazon Ember" panose="020B0603020204020204" pitchFamily="34" charset="0"/>
-              </a:rPr>
-              <a:t>4. The SSH brute force attack was successful and the attacker was able to log in to the Compromised Instance </a:t>
-            </a:r>
-          </a:p>
-          <a:p>
-            <a:pPr lvl="0">
-              <a:lnSpc>
-                <a:spcPct val="150000"/>
-              </a:lnSpc>
-              <a:spcBef>
-                <a:spcPts val="1200"/>
-              </a:spcBef>
-            </a:pPr>
-            <a:r>
-              <a:rPr lang="en-US" sz="1200" b="0" dirty="0">
-                <a:solidFill>
-                  <a:schemeClr val="tx1"/>
-                </a:solidFill>
-                <a:latin typeface="Amazon Ember" panose="020B0603020204020204" pitchFamily="34" charset="0"/>
-                <a:ea typeface="Amazon Ember" panose="020B0603020204020204" pitchFamily="34" charset="0"/>
-                <a:cs typeface="Amazon Ember" panose="020B0603020204020204" pitchFamily="34" charset="0"/>
-              </a:rPr>
-              <a:t>5. We pretend here that the attacker then copied the temp credentials (that came from IAM Role for EC2) from the instance to an S3 bucket - in reality the API calls from the Malicious Host use the temp creds from the IAM Role for EC2 attached to the Malicious Host    </a:t>
-            </a:r>
-          </a:p>
-          <a:p>
-            <a:pPr lvl="0">
-              <a:lnSpc>
-                <a:spcPct val="150000"/>
-              </a:lnSpc>
-              <a:spcBef>
-                <a:spcPts val="1200"/>
-              </a:spcBef>
-            </a:pPr>
-            <a:r>
-              <a:rPr lang="en-US" sz="1200" b="0" dirty="0">
-                <a:solidFill>
-                  <a:schemeClr val="tx1"/>
-                </a:solidFill>
-                <a:latin typeface="Amazon Ember" panose="020B0603020204020204" pitchFamily="34" charset="0"/>
-                <a:ea typeface="Amazon Ember" panose="020B0603020204020204" pitchFamily="34" charset="0"/>
-                <a:cs typeface="Amazon Ember" panose="020B0603020204020204" pitchFamily="34" charset="0"/>
-              </a:rPr>
-              <a:t>6. The CloudFormation template that we ran in Module 2 enables encryption for the Data bucket and then the EC2 instance removes the encryption. In addition the CloudFormation template made the Data bucket public. This is used for the Macie part of the investigation in Module 3. We pretend that the attacker made the bucket public and removed the default encryption from the bucket.</a:t>
-            </a:r>
-          </a:p>
-          <a:p>
-            <a:pPr lvl="0">
-              <a:lnSpc>
-                <a:spcPct val="150000"/>
-              </a:lnSpc>
-              <a:spcBef>
-                <a:spcPts val="1200"/>
-              </a:spcBef>
-            </a:pPr>
-            <a:r>
-              <a:rPr lang="en-US" sz="1200" b="0" dirty="0">
-                <a:solidFill>
-                  <a:schemeClr val="tx1"/>
-                </a:solidFill>
-                <a:latin typeface="Amazon Ember" panose="020B0603020204020204" pitchFamily="34" charset="0"/>
-                <a:ea typeface="Amazon Ember" panose="020B0603020204020204" pitchFamily="34" charset="0"/>
-                <a:cs typeface="Amazon Ember" panose="020B0603020204020204" pitchFamily="34" charset="0"/>
-              </a:rPr>
-              <a:t>7. The API Calls that generated the API findings come from the Malicious Host. The calls use the temp creds from the IAM role for EC2 running on the Malicious Host. The GuardDuty findings are generated because the EIP on the Malicious Host is in a custom threat list.</a:t>
-            </a:r>
-          </a:p>
-          <a:p>
-            <a:endParaRPr lang="en-US" b="0" dirty="0"/>
+            <a:endParaRPr lang="en-US" dirty="0"/>
           </a:p>
         </p:txBody>
       </p:sp>
@@ -12929,7 +12815,7 @@
     </p:spTree>
     <p:extLst>
       <p:ext uri="{BB962C8B-B14F-4D97-AF65-F5344CB8AC3E}">
-        <p14:creationId xmlns:p14="http://schemas.microsoft.com/office/powerpoint/2010/main" val="2978626625"/>
+        <p14:creationId xmlns:p14="http://schemas.microsoft.com/office/powerpoint/2010/main" val="3799787439"/>
       </p:ext>
     </p:extLst>
   </p:cSld>
@@ -12983,10 +12869,175 @@
           <a:bodyPr/>
           <a:lstStyle/>
           <a:p>
-            <a:r>
-              <a:rPr lang="en-US" dirty="0"/>
-              <a:t>Use this question to have a discussion in custom threat lists – and threat intelligence in general</a:t>
-            </a:r>
+            <a:pPr lvl="0">
+              <a:lnSpc>
+                <a:spcPct val="150000"/>
+              </a:lnSpc>
+              <a:spcBef>
+                <a:spcPts val="1200"/>
+              </a:spcBef>
+            </a:pPr>
+            <a:r>
+              <a:rPr lang="en-US" sz="1200" b="0" dirty="0">
+                <a:solidFill>
+                  <a:schemeClr val="tx1"/>
+                </a:solidFill>
+                <a:latin typeface="Amazon Ember" panose="020B0603020204020204" pitchFamily="34" charset="0"/>
+                <a:ea typeface="Amazon Ember" panose="020B0603020204020204" pitchFamily="34" charset="0"/>
+                <a:cs typeface="Amazon Ember" panose="020B0603020204020204" pitchFamily="34" charset="0"/>
+              </a:rPr>
+              <a:t>Attack Recap</a:t>
+            </a:r>
+          </a:p>
+          <a:p>
+            <a:pPr lvl="0">
+              <a:lnSpc>
+                <a:spcPct val="150000"/>
+              </a:lnSpc>
+              <a:spcBef>
+                <a:spcPts val="1200"/>
+              </a:spcBef>
+            </a:pPr>
+            <a:r>
+              <a:rPr lang="en-US" sz="1200" b="0" dirty="0">
+                <a:solidFill>
+                  <a:schemeClr val="tx1"/>
+                </a:solidFill>
+                <a:latin typeface="Amazon Ember" panose="020B0603020204020204" pitchFamily="34" charset="0"/>
+                <a:ea typeface="Amazon Ember" panose="020B0603020204020204" pitchFamily="34" charset="0"/>
+                <a:cs typeface="Amazon Ember" panose="020B0603020204020204" pitchFamily="34" charset="0"/>
+              </a:rPr>
+              <a:t>1. Module 2 CloudFormation template creates two EC2 instances. They are in the same VPC but different subnets. The Malicious Host represents the attacker which we pretend is on the Internet. The Elastic IP on the Malicious Host is in a custom threat list in GuardDuty (in order to generate . The other instance named Compromised Instance represents the web server that was lifted and shifted into AWS.</a:t>
+            </a:r>
+          </a:p>
+          <a:p>
+            <a:pPr lvl="0">
+              <a:lnSpc>
+                <a:spcPct val="150000"/>
+              </a:lnSpc>
+              <a:spcBef>
+                <a:spcPts val="1200"/>
+              </a:spcBef>
+            </a:pPr>
+            <a:r>
+              <a:rPr lang="en-US" sz="1200" b="0" dirty="0">
+                <a:solidFill>
+                  <a:schemeClr val="tx1"/>
+                </a:solidFill>
+                <a:latin typeface="Amazon Ember" panose="020B0603020204020204" pitchFamily="34" charset="0"/>
+                <a:ea typeface="Amazon Ember" panose="020B0603020204020204" pitchFamily="34" charset="0"/>
+                <a:cs typeface="Amazon Ember" panose="020B0603020204020204" pitchFamily="34" charset="0"/>
+              </a:rPr>
+              <a:t>2. Although company policy is that only certificate authentication should be enabled for SSH, at some point password authentication for SSH was enabled on the Compromised Instance </a:t>
+            </a:r>
+          </a:p>
+          <a:p>
+            <a:pPr lvl="0">
+              <a:lnSpc>
+                <a:spcPct val="150000"/>
+              </a:lnSpc>
+              <a:spcBef>
+                <a:spcPts val="1200"/>
+              </a:spcBef>
+            </a:pPr>
+            <a:r>
+              <a:rPr lang="en-US" sz="1200" b="0" dirty="0">
+                <a:solidFill>
+                  <a:schemeClr val="tx1"/>
+                </a:solidFill>
+                <a:latin typeface="Amazon Ember" panose="020B0603020204020204" pitchFamily="34" charset="0"/>
+                <a:ea typeface="Amazon Ember" panose="020B0603020204020204" pitchFamily="34" charset="0"/>
+                <a:cs typeface="Amazon Ember" panose="020B0603020204020204" pitchFamily="34" charset="0"/>
+              </a:rPr>
+              <a:t>3. The Malicious Host performed a brute force SSH password attack against the Compromised Instance. The brute force attack is designed to be successful</a:t>
+            </a:r>
+          </a:p>
+          <a:p>
+            <a:pPr lvl="0">
+              <a:lnSpc>
+                <a:spcPct val="150000"/>
+              </a:lnSpc>
+              <a:spcBef>
+                <a:spcPts val="1200"/>
+              </a:spcBef>
+            </a:pPr>
+            <a:r>
+              <a:rPr lang="en-US" sz="1200" b="0" dirty="0">
+                <a:solidFill>
+                  <a:schemeClr val="tx1"/>
+                </a:solidFill>
+                <a:latin typeface="Amazon Ember" panose="020B0603020204020204" pitchFamily="34" charset="0"/>
+                <a:ea typeface="Amazon Ember" panose="020B0603020204020204" pitchFamily="34" charset="0"/>
+                <a:cs typeface="Amazon Ember" panose="020B0603020204020204" pitchFamily="34" charset="0"/>
+              </a:rPr>
+              <a:t>4. The SSH brute force attack was successful and the attacker was able to log in to the Compromised Instance </a:t>
+            </a:r>
+          </a:p>
+          <a:p>
+            <a:pPr lvl="0">
+              <a:lnSpc>
+                <a:spcPct val="150000"/>
+              </a:lnSpc>
+              <a:spcBef>
+                <a:spcPts val="1200"/>
+              </a:spcBef>
+            </a:pPr>
+            <a:r>
+              <a:rPr lang="en-US" sz="1200" b="0" dirty="0">
+                <a:solidFill>
+                  <a:schemeClr val="tx1"/>
+                </a:solidFill>
+                <a:latin typeface="Amazon Ember" panose="020B0603020204020204" pitchFamily="34" charset="0"/>
+                <a:ea typeface="Amazon Ember" panose="020B0603020204020204" pitchFamily="34" charset="0"/>
+                <a:cs typeface="Amazon Ember" panose="020B0603020204020204" pitchFamily="34" charset="0"/>
+              </a:rPr>
+              <a:t>5. We pretend here that the attacker then copied the temp credentials (that came from IAM Role for EC2) from the instance to an S3 bucket - in reality the API calls from the Malicious Host use the temp creds from the IAM Role for EC2 attached to the Malicious Host    </a:t>
+            </a:r>
+          </a:p>
+          <a:p>
+            <a:pPr lvl="0">
+              <a:lnSpc>
+                <a:spcPct val="150000"/>
+              </a:lnSpc>
+              <a:spcBef>
+                <a:spcPts val="1200"/>
+              </a:spcBef>
+            </a:pPr>
+            <a:r>
+              <a:rPr lang="en-US" sz="1200" b="0" dirty="0">
+                <a:solidFill>
+                  <a:schemeClr val="tx1"/>
+                </a:solidFill>
+                <a:latin typeface="Amazon Ember" panose="020B0603020204020204" pitchFamily="34" charset="0"/>
+                <a:ea typeface="Amazon Ember" panose="020B0603020204020204" pitchFamily="34" charset="0"/>
+                <a:cs typeface="Amazon Ember" panose="020B0603020204020204" pitchFamily="34" charset="0"/>
+              </a:rPr>
+              <a:t>6. The CloudFormation template that we ran in Module 2 enables encryption for the Data bucket and then the EC2 instance removes the encryption. In addition the CloudFormation template made the Data bucket public. This is used for the Macie part of the investigation in Module 3. We pretend that the attacker made the bucket public and removed the default encryption from the bucket.</a:t>
+            </a:r>
+          </a:p>
+          <a:p>
+            <a:pPr lvl="0">
+              <a:lnSpc>
+                <a:spcPct val="150000"/>
+              </a:lnSpc>
+              <a:spcBef>
+                <a:spcPts val="1200"/>
+              </a:spcBef>
+            </a:pPr>
+            <a:r>
+              <a:rPr lang="en-US" sz="1200" b="0" dirty="0">
+                <a:solidFill>
+                  <a:schemeClr val="tx1"/>
+                </a:solidFill>
+                <a:latin typeface="Amazon Ember" panose="020B0603020204020204" pitchFamily="34" charset="0"/>
+                <a:ea typeface="Amazon Ember" panose="020B0603020204020204" pitchFamily="34" charset="0"/>
+                <a:cs typeface="Amazon Ember" panose="020B0603020204020204" pitchFamily="34" charset="0"/>
+              </a:rPr>
+              <a:t>7. The API Calls that generated the API findings come from the Malicious Host. The calls use the temp creds from the IAM role for EC2 running on the Malicious Host. The GuardDuty findings are generated because the EIP on the Malicious Host is in a custom threat list.</a:t>
+            </a:r>
+          </a:p>
+          <a:p>
+            <a:endParaRPr lang="en-US" b="0" dirty="0"/>
           </a:p>
         </p:txBody>
       </p:sp>
@@ -13017,7 +13068,7 @@
     </p:spTree>
     <p:extLst>
       <p:ext uri="{BB962C8B-B14F-4D97-AF65-F5344CB8AC3E}">
-        <p14:creationId xmlns:p14="http://schemas.microsoft.com/office/powerpoint/2010/main" val="1936312971"/>
+        <p14:creationId xmlns:p14="http://schemas.microsoft.com/office/powerpoint/2010/main" val="2978626625"/>
       </p:ext>
     </p:extLst>
   </p:cSld>
@@ -13071,36 +13122,9 @@
           <a:bodyPr/>
           <a:lstStyle/>
           <a:p>
-            <a:pPr marL="0" marR="0" lvl="0" indent="0" algn="l" defTabSz="457200" rtl="0" eaLnBrk="1" fontAlgn="auto" latinLnBrk="0" hangingPunct="1">
-              <a:lnSpc>
-                <a:spcPct val="100000"/>
-              </a:lnSpc>
-              <a:spcBef>
-                <a:spcPts val="0"/>
-              </a:spcBef>
-              <a:spcAft>
-                <a:spcPts val="0"/>
-              </a:spcAft>
-              <a:buClrTx/>
-              <a:buSzTx/>
-              <a:buFontTx/>
-              <a:buNone/>
-              <a:tabLst/>
-              <a:defRPr/>
-            </a:pPr>
-            <a:r>
-              <a:rPr lang="en-US" sz="1200" dirty="0">
-                <a:latin typeface="Amazon Ember" panose="020B0603020204020204" pitchFamily="34" charset="0"/>
-                <a:ea typeface="Amazon Ember" panose="020B0603020204020204" pitchFamily="34" charset="0"/>
-                <a:cs typeface="Amazon Ember" panose="020B0603020204020204" pitchFamily="34" charset="0"/>
-              </a:rPr>
-              <a:t>Which two AWS services provide a historical configuration change audit? </a:t>
-            </a:r>
-          </a:p>
-          <a:p>
             <a:r>
               <a:rPr lang="en-US" dirty="0"/>
-              <a:t>Config and Systems Manager</a:t>
+              <a:t>Use this question to have a discussion in custom threat lists – and threat intelligence in general</a:t>
             </a:r>
           </a:p>
         </p:txBody>
@@ -13132,7 +13156,7 @@
     </p:spTree>
     <p:extLst>
       <p:ext uri="{BB962C8B-B14F-4D97-AF65-F5344CB8AC3E}">
-        <p14:creationId xmlns:p14="http://schemas.microsoft.com/office/powerpoint/2010/main" val="1934885907"/>
+        <p14:creationId xmlns:p14="http://schemas.microsoft.com/office/powerpoint/2010/main" val="1936312971"/>
       </p:ext>
     </p:extLst>
   </p:cSld>
@@ -13186,7 +13210,37 @@
           <a:bodyPr/>
           <a:lstStyle/>
           <a:p>
-            <a:endParaRPr lang="en-US" dirty="0"/>
+            <a:pPr marL="0" marR="0" lvl="0" indent="0" algn="l" defTabSz="457200" rtl="0" eaLnBrk="1" fontAlgn="auto" latinLnBrk="0" hangingPunct="1">
+              <a:lnSpc>
+                <a:spcPct val="100000"/>
+              </a:lnSpc>
+              <a:spcBef>
+                <a:spcPts val="0"/>
+              </a:spcBef>
+              <a:spcAft>
+                <a:spcPts val="0"/>
+              </a:spcAft>
+              <a:buClrTx/>
+              <a:buSzTx/>
+              <a:buFontTx/>
+              <a:buNone/>
+              <a:tabLst/>
+              <a:defRPr/>
+            </a:pPr>
+            <a:r>
+              <a:rPr lang="en-US" sz="1200" dirty="0">
+                <a:latin typeface="Amazon Ember" panose="020B0603020204020204" pitchFamily="34" charset="0"/>
+                <a:ea typeface="Amazon Ember" panose="020B0603020204020204" pitchFamily="34" charset="0"/>
+                <a:cs typeface="Amazon Ember" panose="020B0603020204020204" pitchFamily="34" charset="0"/>
+              </a:rPr>
+              <a:t>Which two AWS services provide a historical configuration change audit? </a:t>
+            </a:r>
+          </a:p>
+          <a:p>
+            <a:r>
+              <a:rPr lang="en-US" dirty="0"/>
+              <a:t>Config and Systems Manager</a:t>
+            </a:r>
           </a:p>
         </p:txBody>
       </p:sp>
@@ -13217,7 +13271,7 @@
     </p:spTree>
     <p:extLst>
       <p:ext uri="{BB962C8B-B14F-4D97-AF65-F5344CB8AC3E}">
-        <p14:creationId xmlns:p14="http://schemas.microsoft.com/office/powerpoint/2010/main" val="3149342460"/>
+        <p14:creationId xmlns:p14="http://schemas.microsoft.com/office/powerpoint/2010/main" val="1934885907"/>
       </p:ext>
     </p:extLst>
   </p:cSld>
@@ -13302,7 +13356,7 @@
     </p:spTree>
     <p:extLst>
       <p:ext uri="{BB962C8B-B14F-4D97-AF65-F5344CB8AC3E}">
-        <p14:creationId xmlns:p14="http://schemas.microsoft.com/office/powerpoint/2010/main" val="147650575"/>
+        <p14:creationId xmlns:p14="http://schemas.microsoft.com/office/powerpoint/2010/main" val="3149342460"/>
       </p:ext>
     </p:extLst>
   </p:cSld>
@@ -13387,7 +13441,7 @@
     </p:spTree>
     <p:extLst>
       <p:ext uri="{BB962C8B-B14F-4D97-AF65-F5344CB8AC3E}">
-        <p14:creationId xmlns:p14="http://schemas.microsoft.com/office/powerpoint/2010/main" val="2462262307"/>
+        <p14:creationId xmlns:p14="http://schemas.microsoft.com/office/powerpoint/2010/main" val="147650575"/>
       </p:ext>
     </p:extLst>
   </p:cSld>
@@ -13441,10 +13495,7 @@
           <a:bodyPr/>
           <a:lstStyle/>
           <a:p>
-            <a:r>
-              <a:rPr lang="en-US" dirty="0"/>
-              <a:t>You can keep working on the lab but please cleanup your resources as soon as you are done to avoid charges – the instructions are in the Module 4 doc.</a:t>
-            </a:r>
+            <a:endParaRPr lang="en-US" dirty="0"/>
           </a:p>
         </p:txBody>
       </p:sp>
@@ -13475,7 +13526,7 @@
     </p:spTree>
     <p:extLst>
       <p:ext uri="{BB962C8B-B14F-4D97-AF65-F5344CB8AC3E}">
-        <p14:creationId xmlns:p14="http://schemas.microsoft.com/office/powerpoint/2010/main" val="3841332984"/>
+        <p14:creationId xmlns:p14="http://schemas.microsoft.com/office/powerpoint/2010/main" val="2462262307"/>
       </p:ext>
     </p:extLst>
   </p:cSld>
@@ -13724,7 +13775,10 @@
           <a:bodyPr/>
           <a:lstStyle/>
           <a:p>
-            <a:endParaRPr lang="en-US" dirty="0"/>
+            <a:r>
+              <a:rPr lang="en-US" dirty="0"/>
+              <a:t>You can keep working on the lab but please cleanup your resources as soon as you are done to avoid charges – the instructions are in the Module 4 doc.</a:t>
+            </a:r>
           </a:p>
         </p:txBody>
       </p:sp>
@@ -13755,7 +13809,7 @@
     </p:spTree>
     <p:extLst>
       <p:ext uri="{BB962C8B-B14F-4D97-AF65-F5344CB8AC3E}">
-        <p14:creationId xmlns:p14="http://schemas.microsoft.com/office/powerpoint/2010/main" val="3761131328"/>
+        <p14:creationId xmlns:p14="http://schemas.microsoft.com/office/powerpoint/2010/main" val="3841332984"/>
       </p:ext>
     </p:extLst>
   </p:cSld>
@@ -13840,7 +13894,7 @@
     </p:spTree>
     <p:extLst>
       <p:ext uri="{BB962C8B-B14F-4D97-AF65-F5344CB8AC3E}">
-        <p14:creationId xmlns:p14="http://schemas.microsoft.com/office/powerpoint/2010/main" val="1457793651"/>
+        <p14:creationId xmlns:p14="http://schemas.microsoft.com/office/powerpoint/2010/main" val="3761131328"/>
       </p:ext>
     </p:extLst>
   </p:cSld>
@@ -13894,10 +13948,7 @@
           <a:bodyPr/>
           <a:lstStyle/>
           <a:p>
-            <a:r>
-              <a:rPr lang="en-US" dirty="0"/>
-              <a:t>An attack is about to occur</a:t>
-            </a:r>
+            <a:endParaRPr lang="en-US" dirty="0"/>
           </a:p>
         </p:txBody>
       </p:sp>
@@ -13920,6 +13971,94 @@
               <a:rPr lang="en-US" smtClean="0"/>
               <a:pPr/>
               <a:t>55</a:t>
+            </a:fld>
+            <a:endParaRPr lang="en-US" dirty="0"/>
+          </a:p>
+        </p:txBody>
+      </p:sp>
+    </p:spTree>
+    <p:extLst>
+      <p:ext uri="{BB962C8B-B14F-4D97-AF65-F5344CB8AC3E}">
+        <p14:creationId xmlns:p14="http://schemas.microsoft.com/office/powerpoint/2010/main" val="1457793651"/>
+      </p:ext>
+    </p:extLst>
+  </p:cSld>
+  <p:clrMapOvr>
+    <a:masterClrMapping/>
+  </p:clrMapOvr>
+</p:notes>
+</file>
+
+<file path=ppt/notesSlides/notesSlide53.xml><?xml version="1.0" encoding="utf-8"?>
+<p:notes xmlns:a="http://schemas.openxmlformats.org/drawingml/2006/main" xmlns:r="http://schemas.openxmlformats.org/officeDocument/2006/relationships" xmlns:p="http://schemas.openxmlformats.org/presentationml/2006/main">
+  <p:cSld>
+    <p:spTree>
+      <p:nvGrpSpPr>
+        <p:cNvPr id="1" name=""/>
+        <p:cNvGrpSpPr/>
+        <p:nvPr/>
+      </p:nvGrpSpPr>
+      <p:grpSpPr>
+        <a:xfrm>
+          <a:off x="0" y="0"/>
+          <a:ext cx="0" cy="0"/>
+          <a:chOff x="0" y="0"/>
+          <a:chExt cx="0" cy="0"/>
+        </a:xfrm>
+      </p:grpSpPr>
+      <p:sp>
+        <p:nvSpPr>
+          <p:cNvPr id="2" name="Slide Image Placeholder 1"/>
+          <p:cNvSpPr>
+            <a:spLocks noGrp="1" noRot="1" noChangeAspect="1"/>
+          </p:cNvSpPr>
+          <p:nvPr>
+            <p:ph type="sldImg"/>
+          </p:nvPr>
+        </p:nvSpPr>
+        <p:spPr/>
+      </p:sp>
+      <p:sp>
+        <p:nvSpPr>
+          <p:cNvPr id="3" name="Notes Placeholder 2"/>
+          <p:cNvSpPr>
+            <a:spLocks noGrp="1"/>
+          </p:cNvSpPr>
+          <p:nvPr>
+            <p:ph type="body" idx="1"/>
+          </p:nvPr>
+        </p:nvSpPr>
+        <p:spPr/>
+        <p:txBody>
+          <a:bodyPr/>
+          <a:lstStyle/>
+          <a:p>
+            <a:r>
+              <a:rPr lang="en-US" dirty="0"/>
+              <a:t>An attack is about to occur</a:t>
+            </a:r>
+          </a:p>
+        </p:txBody>
+      </p:sp>
+      <p:sp>
+        <p:nvSpPr>
+          <p:cNvPr id="4" name="Slide Number Placeholder 3"/>
+          <p:cNvSpPr>
+            <a:spLocks noGrp="1"/>
+          </p:cNvSpPr>
+          <p:nvPr>
+            <p:ph type="sldNum" sz="quarter" idx="10"/>
+          </p:nvPr>
+        </p:nvSpPr>
+        <p:spPr/>
+        <p:txBody>
+          <a:bodyPr/>
+          <a:lstStyle/>
+          <a:p>
+            <a:fld id="{69C3F2ED-74C5-7D4F-8560-0CC253E9A436}" type="slidenum">
+              <a:rPr lang="en-US" smtClean="0"/>
+              <a:pPr/>
+              <a:t>56</a:t>
             </a:fld>
             <a:endParaRPr lang="en-US" dirty="0"/>
           </a:p>
@@ -13982,62 +14121,97 @@
           <a:bodyPr/>
           <a:lstStyle/>
           <a:p>
-            <a:pPr marL="171450" indent="-171450">
-              <a:buFont typeface="Arial" panose="020B0604020202020204" pitchFamily="34" charset="0"/>
-              <a:buChar char="•"/>
+            <a:pPr marL="0" marR="0" lvl="0" indent="0" algn="l" defTabSz="457200" rtl="0" eaLnBrk="1" fontAlgn="auto" latinLnBrk="0" hangingPunct="1">
+              <a:lnSpc>
+                <a:spcPct val="100000"/>
+              </a:lnSpc>
+              <a:spcBef>
+                <a:spcPts val="0"/>
+              </a:spcBef>
+              <a:spcAft>
+                <a:spcPts val="0"/>
+              </a:spcAft>
+              <a:buClrTx/>
+              <a:buSzTx/>
+              <a:buFontTx/>
+              <a:buNone/>
+              <a:tabLst/>
+              <a:defRPr/>
             </a:pPr>
             <a:r>
               <a:rPr lang="en-US" dirty="0"/>
-              <a:t>So what are we doing in this Workshop?</a:t>
-            </a:r>
-          </a:p>
-          <a:p>
-            <a:pPr marL="171450" indent="-171450">
-              <a:buFont typeface="Arial" panose="020B0604020202020204" pitchFamily="34" charset="0"/>
-              <a:buChar char="•"/>
+              <a:t>Data </a:t>
+            </a:r>
+            <a:r>
+              <a:rPr lang="en-US" sz="1200" b="0" i="0" kern="1200" dirty="0">
+                <a:solidFill>
+                  <a:schemeClr val="tx1"/>
+                </a:solidFill>
+                <a:effectLst/>
+                <a:latin typeface="Amazon Ember Regular" charset="0"/>
+                <a:ea typeface="+mn-ea"/>
+                <a:cs typeface="+mn-cs"/>
+              </a:rPr>
+              <a:t>Breach: incident results in confirmed disclosure of data to an unauthorized party (not just potential exposure)</a:t>
+            </a:r>
+            <a:br>
+              <a:rPr lang="en-US" dirty="0"/>
+            </a:br>
+            <a:r>
+              <a:rPr lang="en-US" sz="1200" b="0" i="0" kern="1200" dirty="0">
+                <a:solidFill>
+                  <a:schemeClr val="tx1"/>
+                </a:solidFill>
+                <a:effectLst/>
+                <a:latin typeface="Amazon Ember Regular" charset="0"/>
+                <a:ea typeface="+mn-ea"/>
+                <a:cs typeface="+mn-cs"/>
+              </a:rPr>
+              <a:t>Incident: security event that compromises the confidentiality, integrity or availability of an information asset.</a:t>
+            </a:r>
+            <a:endParaRPr lang="en-US" dirty="0"/>
+          </a:p>
+          <a:p>
+            <a:endParaRPr lang="en-US" sz="1200" b="0" i="0" kern="1200" dirty="0">
+              <a:solidFill>
+                <a:schemeClr val="tx1"/>
+              </a:solidFill>
+              <a:effectLst/>
+              <a:latin typeface="Amazon Ember Regular" charset="0"/>
+              <a:ea typeface="+mn-ea"/>
+              <a:cs typeface="+mn-cs"/>
+            </a:endParaRPr>
+          </a:p>
+          <a:p>
+            <a:pPr marL="0" marR="0" lvl="0" indent="0" algn="l" defTabSz="457200" rtl="0" eaLnBrk="1" fontAlgn="auto" latinLnBrk="0" hangingPunct="1">
+              <a:lnSpc>
+                <a:spcPct val="100000"/>
+              </a:lnSpc>
+              <a:spcBef>
+                <a:spcPts val="0"/>
+              </a:spcBef>
+              <a:spcAft>
+                <a:spcPts val="0"/>
+              </a:spcAft>
+              <a:buClrTx/>
+              <a:buSzTx/>
+              <a:buFontTx/>
+              <a:buNone/>
+              <a:tabLst/>
+              <a:defRPr/>
             </a:pPr>
             <a:r>
               <a:rPr lang="en-US" dirty="0"/>
-              <a:t>Think of a hypothetical situation where the engineering teams in your org are trying to figure out how to move on-</a:t>
+              <a:t>This chart shows the data breach patterns from a report by </a:t>
             </a:r>
             <a:r>
               <a:rPr lang="en-US" dirty="0" err="1"/>
-              <a:t>prem</a:t>
+              <a:t>Axiado</a:t>
             </a:r>
             <a:r>
               <a:rPr lang="en-US" dirty="0"/>
-              <a:t> applications to the cloud from an existing data center. Your team wants to go ahead with a simple proof of concept.</a:t>
-            </a:r>
-          </a:p>
-          <a:p>
-            <a:pPr marL="171450" indent="-171450">
-              <a:buFont typeface="Arial" panose="020B0604020202020204" pitchFamily="34" charset="0"/>
-              <a:buChar char="•"/>
-            </a:pPr>
-            <a:r>
-              <a:rPr lang="en-US" dirty="0"/>
-              <a:t>They start with building a minimal architecture with a web server within a VPC that’s hosting a website.  Also the webserver uses data that’s stored on an S3 bucket.</a:t>
-            </a:r>
-          </a:p>
-          <a:p>
-            <a:pPr marL="171450" indent="-171450">
-              <a:buFont typeface="Arial" panose="020B0604020202020204" pitchFamily="34" charset="0"/>
-              <a:buChar char="•"/>
-            </a:pPr>
-            <a:r>
-              <a:rPr lang="en-US" dirty="0"/>
-              <a:t>In this lab your job is to put on the hat of a security engineer and use AWS services to perform forensics on the incident to determine the nature of the attack that is occurring.</a:t>
-            </a:r>
-          </a:p>
-          <a:p>
-            <a:pPr marL="171450" indent="-171450">
-              <a:buFont typeface="Arial" panose="020B0604020202020204" pitchFamily="34" charset="0"/>
-              <a:buChar char="•"/>
-            </a:pPr>
-            <a:endParaRPr lang="en-US" dirty="0"/>
-          </a:p>
-          <a:p>
-            <a:endParaRPr lang="en-US" dirty="0"/>
+              <a:t>.</a:t>
+            </a:r>
           </a:p>
         </p:txBody>
       </p:sp>
@@ -14059,7 +14233,7 @@
             <a:fld id="{69C3F2ED-74C5-7D4F-8560-0CC253E9A436}" type="slidenum">
               <a:rPr lang="en-US" smtClean="0"/>
               <a:pPr/>
-              <a:t>7</a:t>
+              <a:t>6</a:t>
             </a:fld>
             <a:endParaRPr lang="en-US" dirty="0"/>
           </a:p>
@@ -14068,7 +14242,7 @@
     </p:spTree>
     <p:extLst>
       <p:ext uri="{BB962C8B-B14F-4D97-AF65-F5344CB8AC3E}">
-        <p14:creationId xmlns:p14="http://schemas.microsoft.com/office/powerpoint/2010/main" val="1001023266"/>
+        <p14:creationId xmlns:p14="http://schemas.microsoft.com/office/powerpoint/2010/main" val="2970323174"/>
       </p:ext>
     </p:extLst>
   </p:cSld>
@@ -14122,12 +14296,62 @@
           <a:bodyPr/>
           <a:lstStyle/>
           <a:p>
-            <a:r>
-              <a:rPr lang="en-US" sz="1200" i="1" dirty="0">
-                <a:latin typeface="Apple Braille" pitchFamily="2" charset="0"/>
-              </a:rPr>
-              <a:t>[Allow ~15 mins for them to do this]</a:t>
-            </a:r>
+            <a:pPr marL="171450" indent="-171450">
+              <a:buFont typeface="Arial" panose="020B0604020202020204" pitchFamily="34" charset="0"/>
+              <a:buChar char="•"/>
+            </a:pPr>
+            <a:r>
+              <a:rPr lang="en-US" dirty="0"/>
+              <a:t>So what are we doing in this Workshop?</a:t>
+            </a:r>
+          </a:p>
+          <a:p>
+            <a:pPr marL="171450" indent="-171450">
+              <a:buFont typeface="Arial" panose="020B0604020202020204" pitchFamily="34" charset="0"/>
+              <a:buChar char="•"/>
+            </a:pPr>
+            <a:r>
+              <a:rPr lang="en-US" dirty="0"/>
+              <a:t>Think of a hypothetical situation where the engineering teams in your org are trying to figure out how to move on-</a:t>
+            </a:r>
+            <a:r>
+              <a:rPr lang="en-US" dirty="0" err="1"/>
+              <a:t>prem</a:t>
+            </a:r>
+            <a:r>
+              <a:rPr lang="en-US" dirty="0"/>
+              <a:t> applications to the cloud from an existing data center. Your team wants to go ahead with a simple proof of concept.</a:t>
+            </a:r>
+          </a:p>
+          <a:p>
+            <a:pPr marL="171450" indent="-171450">
+              <a:buFont typeface="Arial" panose="020B0604020202020204" pitchFamily="34" charset="0"/>
+              <a:buChar char="•"/>
+            </a:pPr>
+            <a:r>
+              <a:rPr lang="en-US" dirty="0"/>
+              <a:t>They start with building a minimal architecture with a web server within a VPC that’s hosting a website.  Also the webserver uses data that’s stored on an S3 bucket.</a:t>
+            </a:r>
+          </a:p>
+          <a:p>
+            <a:pPr marL="171450" indent="-171450">
+              <a:buFont typeface="Arial" panose="020B0604020202020204" pitchFamily="34" charset="0"/>
+              <a:buChar char="•"/>
+            </a:pPr>
+            <a:r>
+              <a:rPr lang="en-US" dirty="0"/>
+              <a:t>In this lab your job is to put on the hat of a security engineer and use AWS services to perform forensics on the incident to determine the nature of the attack that is occurring.</a:t>
+            </a:r>
+          </a:p>
+          <a:p>
+            <a:pPr marL="171450" indent="-171450">
+              <a:buFont typeface="Arial" panose="020B0604020202020204" pitchFamily="34" charset="0"/>
+              <a:buChar char="•"/>
+            </a:pPr>
+            <a:endParaRPr lang="en-US" dirty="0"/>
+          </a:p>
+          <a:p>
+            <a:endParaRPr lang="en-US" dirty="0"/>
           </a:p>
         </p:txBody>
       </p:sp>
@@ -14158,7 +14382,7 @@
     </p:spTree>
     <p:extLst>
       <p:ext uri="{BB962C8B-B14F-4D97-AF65-F5344CB8AC3E}">
-        <p14:creationId xmlns:p14="http://schemas.microsoft.com/office/powerpoint/2010/main" val="656933578"/>
+        <p14:creationId xmlns:p14="http://schemas.microsoft.com/office/powerpoint/2010/main" val="1001023266"/>
       </p:ext>
     </p:extLst>
   </p:cSld>
@@ -14212,113 +14436,11 @@
           <a:bodyPr/>
           <a:lstStyle/>
           <a:p>
-            <a:pPr marL="0" indent="0">
-              <a:buFont typeface="Arial" panose="020B0604020202020204" pitchFamily="34" charset="0"/>
-              <a:buNone/>
-            </a:pPr>
-            <a:r>
-              <a:rPr lang="en-US" dirty="0">
-                <a:solidFill>
-                  <a:schemeClr val="tx1"/>
-                </a:solidFill>
+            <a:r>
+              <a:rPr lang="en-US" sz="1200" i="1" dirty="0">
+                <a:latin typeface="Apple Braille" pitchFamily="2" charset="0"/>
               </a:rPr>
-              <a:t>Threat detection has always been difficult and it is becoming more and more of a challenge.</a:t>
-            </a:r>
-          </a:p>
-          <a:p>
-            <a:pPr marL="171450" indent="-171450">
-              <a:buFont typeface="Arial" panose="020B0604020202020204" pitchFamily="34" charset="0"/>
-              <a:buChar char="•"/>
-            </a:pPr>
-            <a:r>
-              <a:rPr lang="en-US" b="1" dirty="0">
-                <a:solidFill>
-                  <a:schemeClr val="tx1"/>
-                </a:solidFill>
-              </a:rPr>
-              <a:t>More connected systems</a:t>
-            </a:r>
-            <a:r>
-              <a:rPr lang="en-US" dirty="0">
-                <a:solidFill>
-                  <a:schemeClr val="tx1"/>
-                </a:solidFill>
-              </a:rPr>
-              <a:t> and devices - produce large data sets needing to be analyzed.</a:t>
-            </a:r>
-          </a:p>
-          <a:p>
-            <a:pPr marL="171450" indent="-171450">
-              <a:buFont typeface="Arial" panose="020B0604020202020204" pitchFamily="34" charset="0"/>
-              <a:buChar char="•"/>
-            </a:pPr>
-            <a:r>
-              <a:rPr lang="en-US" b="1" dirty="0">
-                <a:solidFill>
-                  <a:schemeClr val="tx1"/>
-                </a:solidFill>
-              </a:rPr>
-              <a:t>Difficult to find the threats </a:t>
-            </a:r>
-            <a:r>
-              <a:rPr lang="en-US" dirty="0">
-                <a:solidFill>
-                  <a:schemeClr val="tx1"/>
-                </a:solidFill>
-              </a:rPr>
-              <a:t>in all the data.</a:t>
-            </a:r>
-          </a:p>
-          <a:p>
-            <a:pPr marL="171450" indent="-171450">
-              <a:buFont typeface="Arial" panose="020B0604020202020204" pitchFamily="34" charset="0"/>
-              <a:buChar char="•"/>
-            </a:pPr>
-            <a:r>
-              <a:rPr lang="en-US" b="1" dirty="0">
-                <a:solidFill>
-                  <a:schemeClr val="tx1"/>
-                </a:solidFill>
-              </a:rPr>
-              <a:t>Alert fatigue </a:t>
-            </a:r>
-            <a:r>
-              <a:rPr lang="en-US" dirty="0">
-                <a:solidFill>
-                  <a:schemeClr val="tx1"/>
-                </a:solidFill>
-              </a:rPr>
-              <a:t>from so many notifications and false alarms. What’s really important? </a:t>
-            </a:r>
-          </a:p>
-          <a:p>
-            <a:pPr marL="171450" indent="-171450">
-              <a:buFont typeface="Arial" panose="020B0604020202020204" pitchFamily="34" charset="0"/>
-              <a:buChar char="•"/>
-            </a:pPr>
-            <a:r>
-              <a:rPr lang="en-US" b="1" dirty="0">
-                <a:solidFill>
-                  <a:schemeClr val="tx1"/>
-                </a:solidFill>
-              </a:rPr>
-              <a:t>Difficult to find and hire people </a:t>
-            </a:r>
-            <a:r>
-              <a:rPr lang="en-US" b="0" dirty="0">
-                <a:solidFill>
-                  <a:schemeClr val="tx1"/>
-                </a:solidFill>
-              </a:rPr>
-              <a:t>with the skills </a:t>
-            </a:r>
-            <a:r>
-              <a:rPr lang="en-US" dirty="0">
-                <a:solidFill>
-                  <a:schemeClr val="tx1"/>
-                </a:solidFill>
-              </a:rPr>
-              <a:t>needed to interpret all of this data.</a:t>
+              <a:t>[Allow ~15 mins for them to do this]</a:t>
             </a:r>
           </a:p>
         </p:txBody>
@@ -14341,7 +14463,7 @@
             <a:fld id="{69C3F2ED-74C5-7D4F-8560-0CC253E9A436}" type="slidenum">
               <a:rPr lang="en-US" smtClean="0"/>
               <a:pPr/>
-              <a:t>10</a:t>
+              <a:t>9</a:t>
             </a:fld>
             <a:endParaRPr lang="en-US" dirty="0"/>
           </a:p>
@@ -14350,7 +14472,7 @@
     </p:spTree>
     <p:extLst>
       <p:ext uri="{BB962C8B-B14F-4D97-AF65-F5344CB8AC3E}">
-        <p14:creationId xmlns:p14="http://schemas.microsoft.com/office/powerpoint/2010/main" val="2408996982"/>
+        <p14:creationId xmlns:p14="http://schemas.microsoft.com/office/powerpoint/2010/main" val="656933578"/>
       </p:ext>
     </p:extLst>
   </p:cSld>
@@ -14404,38 +14526,17 @@
           <a:bodyPr/>
           <a:lstStyle/>
           <a:p>
-            <a:pPr marL="0" marR="0" lvl="0" indent="0" algn="l" defTabSz="457200" rtl="0" eaLnBrk="1" fontAlgn="auto" latinLnBrk="0" hangingPunct="1">
-              <a:lnSpc>
-                <a:spcPct val="100000"/>
-              </a:lnSpc>
-              <a:spcBef>
-                <a:spcPts val="0"/>
-              </a:spcBef>
-              <a:spcAft>
-                <a:spcPts val="0"/>
-              </a:spcAft>
-              <a:buClrTx/>
-              <a:buSzTx/>
-              <a:buFontTx/>
+            <a:pPr marL="0" indent="0">
+              <a:buFont typeface="Arial" panose="020B0604020202020204" pitchFamily="34" charset="0"/>
               <a:buNone/>
-              <a:tabLst/>
-              <a:defRPr/>
             </a:pPr>
             <a:r>
-              <a:rPr lang="en-US" dirty="0"/>
-              <a:t>Flaws that allow this spectrum of network attacks to succeed are quite widespread.  </a:t>
-            </a:r>
-          </a:p>
-          <a:p>
-            <a:r>
-              <a:rPr lang="en-US" dirty="0"/>
-              <a:t>In this section, we’ll look at AWS services that can be leveraged to detect and mitigate common reflection attacks that attempt to produce a volume of traffic capable of congesting network interfaces and inhibiting legitimate traffic.</a:t>
-            </a:r>
-          </a:p>
-          <a:p>
-            <a:r>
-              <a:rPr lang="en-US" dirty="0"/>
-              <a:t>As well as best practices for using WAF to mitigate other frequently exploited injection attack vectors, such as: </a:t>
+              <a:rPr lang="en-US" dirty="0">
+                <a:solidFill>
+                  <a:schemeClr val="tx1"/>
+                </a:solidFill>
+              </a:rPr>
+              <a:t>Threat detection has always been difficult and it is becoming more and more of a challenge.</a:t>
             </a:r>
           </a:p>
           <a:p>
@@ -14444,8 +14545,20 @@
               <a:buChar char="•"/>
             </a:pPr>
             <a:r>
-              <a:rPr lang="en-US" dirty="0"/>
-              <a:t>Cross site scripting which sends malicious code to a different end user or </a:t>
+              <a:rPr lang="en-US" b="1" dirty="0">
+                <a:solidFill>
+                  <a:schemeClr val="tx1"/>
+                </a:solidFill>
+              </a:rPr>
+              <a:t>More connected systems</a:t>
+            </a:r>
+            <a:r>
+              <a:rPr lang="en-US" dirty="0">
+                <a:solidFill>
+                  <a:schemeClr val="tx1"/>
+                </a:solidFill>
+              </a:rPr>
+              <a:t> and devices - produce large data sets needing to be analyzed.</a:t>
             </a:r>
           </a:p>
           <a:p>
@@ -14454,8 +14567,72 @@
               <a:buChar char="•"/>
             </a:pPr>
             <a:r>
-              <a:rPr lang="en-US" dirty="0"/>
-              <a:t>SQL injections to read, alter, or delete sensitive data.</a:t>
+              <a:rPr lang="en-US" b="1" dirty="0">
+                <a:solidFill>
+                  <a:schemeClr val="tx1"/>
+                </a:solidFill>
+              </a:rPr>
+              <a:t>Difficult to find the threats </a:t>
+            </a:r>
+            <a:r>
+              <a:rPr lang="en-US" dirty="0">
+                <a:solidFill>
+                  <a:schemeClr val="tx1"/>
+                </a:solidFill>
+              </a:rPr>
+              <a:t>in all the data.</a:t>
+            </a:r>
+          </a:p>
+          <a:p>
+            <a:pPr marL="171450" indent="-171450">
+              <a:buFont typeface="Arial" panose="020B0604020202020204" pitchFamily="34" charset="0"/>
+              <a:buChar char="•"/>
+            </a:pPr>
+            <a:r>
+              <a:rPr lang="en-US" b="1" dirty="0">
+                <a:solidFill>
+                  <a:schemeClr val="tx1"/>
+                </a:solidFill>
+              </a:rPr>
+              <a:t>Alert fatigue </a:t>
+            </a:r>
+            <a:r>
+              <a:rPr lang="en-US" dirty="0">
+                <a:solidFill>
+                  <a:schemeClr val="tx1"/>
+                </a:solidFill>
+              </a:rPr>
+              <a:t>from so many notifications and false alarms. What’s really important? </a:t>
+            </a:r>
+          </a:p>
+          <a:p>
+            <a:pPr marL="171450" indent="-171450">
+              <a:buFont typeface="Arial" panose="020B0604020202020204" pitchFamily="34" charset="0"/>
+              <a:buChar char="•"/>
+            </a:pPr>
+            <a:r>
+              <a:rPr lang="en-US" b="1" dirty="0">
+                <a:solidFill>
+                  <a:schemeClr val="tx1"/>
+                </a:solidFill>
+              </a:rPr>
+              <a:t>Difficult to find and hire people </a:t>
+            </a:r>
+            <a:r>
+              <a:rPr lang="en-US" b="0" dirty="0">
+                <a:solidFill>
+                  <a:schemeClr val="tx1"/>
+                </a:solidFill>
+              </a:rPr>
+              <a:t>with the skills </a:t>
+            </a:r>
+            <a:r>
+              <a:rPr lang="en-US" dirty="0">
+                <a:solidFill>
+                  <a:schemeClr val="tx1"/>
+                </a:solidFill>
+              </a:rPr>
+              <a:t>needed to interpret all of this data.</a:t>
             </a:r>
           </a:p>
         </p:txBody>
@@ -14487,7 +14664,7 @@
     </p:spTree>
     <p:extLst>
       <p:ext uri="{BB962C8B-B14F-4D97-AF65-F5344CB8AC3E}">
-        <p14:creationId xmlns:p14="http://schemas.microsoft.com/office/powerpoint/2010/main" val="6700766"/>
+        <p14:creationId xmlns:p14="http://schemas.microsoft.com/office/powerpoint/2010/main" val="2408996982"/>
       </p:ext>
     </p:extLst>
   </p:cSld>
@@ -18899,6 +19076,63 @@
             <p:ph type="title"/>
           </p:nvPr>
         </p:nvSpPr>
+        <p:spPr>
+          <a:xfrm>
+            <a:off x="411647" y="1674428"/>
+            <a:ext cx="5847751" cy="1250668"/>
+          </a:xfrm>
+        </p:spPr>
+        <p:txBody>
+          <a:bodyPr/>
+          <a:lstStyle/>
+          <a:p>
+            <a:r>
+              <a:rPr lang="en-US" dirty="0"/>
+              <a:t>Threat Detection</a:t>
+            </a:r>
+          </a:p>
+        </p:txBody>
+      </p:sp>
+    </p:spTree>
+    <p:extLst>
+      <p:ext uri="{BB962C8B-B14F-4D97-AF65-F5344CB8AC3E}">
+        <p14:creationId xmlns:p14="http://schemas.microsoft.com/office/powerpoint/2010/main" val="293405967"/>
+      </p:ext>
+    </p:extLst>
+  </p:cSld>
+  <p:clrMapOvr>
+    <a:masterClrMapping/>
+  </p:clrMapOvr>
+</p:sld>
+</file>
+
+<file path=ppt/slides/slide11.xml><?xml version="1.0" encoding="utf-8"?>
+<p:sld xmlns:a="http://schemas.openxmlformats.org/drawingml/2006/main" xmlns:r="http://schemas.openxmlformats.org/officeDocument/2006/relationships" xmlns:p="http://schemas.openxmlformats.org/presentationml/2006/main">
+  <p:cSld>
+    <p:spTree>
+      <p:nvGrpSpPr>
+        <p:cNvPr id="1" name=""/>
+        <p:cNvGrpSpPr/>
+        <p:nvPr/>
+      </p:nvGrpSpPr>
+      <p:grpSpPr>
+        <a:xfrm>
+          <a:off x="0" y="0"/>
+          <a:ext cx="0" cy="0"/>
+          <a:chOff x="0" y="0"/>
+          <a:chExt cx="0" cy="0"/>
+        </a:xfrm>
+      </p:grpSpPr>
+      <p:sp>
+        <p:nvSpPr>
+          <p:cNvPr id="2" name="Title 1"/>
+          <p:cNvSpPr>
+            <a:spLocks noGrp="1"/>
+          </p:cNvSpPr>
+          <p:nvPr>
+            <p:ph type="title"/>
+          </p:nvPr>
+        </p:nvSpPr>
         <p:spPr/>
         <p:txBody>
           <a:bodyPr/>
@@ -19159,7 +19393,7 @@
 </p:sld>
 </file>
 
-<file path=ppt/slides/slide11.xml><?xml version="1.0" encoding="utf-8"?>
+<file path=ppt/slides/slide12.xml><?xml version="1.0" encoding="utf-8"?>
 <p:sld xmlns:a="http://schemas.openxmlformats.org/drawingml/2006/main" xmlns:r="http://schemas.openxmlformats.org/officeDocument/2006/relationships" xmlns:p="http://schemas.openxmlformats.org/presentationml/2006/main">
   <p:cSld>
     <p:spTree>
@@ -20568,7 +20802,7 @@
 </p:sld>
 </file>
 
-<file path=ppt/slides/slide12.xml><?xml version="1.0" encoding="utf-8"?>
+<file path=ppt/slides/slide13.xml><?xml version="1.0" encoding="utf-8"?>
 <p:sld xmlns:a="http://schemas.openxmlformats.org/drawingml/2006/main" xmlns:r="http://schemas.openxmlformats.org/officeDocument/2006/relationships" xmlns:p="http://schemas.openxmlformats.org/presentationml/2006/main">
   <p:cSld>
     <p:spTree>
@@ -22069,7 +22303,7 @@
 </p:sld>
 </file>
 
-<file path=ppt/slides/slide13.xml><?xml version="1.0" encoding="utf-8"?>
+<file path=ppt/slides/slide14.xml><?xml version="1.0" encoding="utf-8"?>
 <p:sld xmlns:a="http://schemas.openxmlformats.org/drawingml/2006/main" xmlns:r="http://schemas.openxmlformats.org/officeDocument/2006/relationships" xmlns:p="http://schemas.openxmlformats.org/presentationml/2006/main">
   <p:cSld>
     <p:spTree>
@@ -23060,7 +23294,7 @@
 </p:sld>
 </file>
 
-<file path=ppt/slides/slide14.xml><?xml version="1.0" encoding="utf-8"?>
+<file path=ppt/slides/slide15.xml><?xml version="1.0" encoding="utf-8"?>
 <p:sld xmlns:a="http://schemas.openxmlformats.org/drawingml/2006/main" xmlns:r="http://schemas.openxmlformats.org/officeDocument/2006/relationships" xmlns:p="http://schemas.openxmlformats.org/presentationml/2006/main">
   <p:cSld>
     <p:spTree>
@@ -24237,7 +24471,7 @@
 </p:sld>
 </file>
 
-<file path=ppt/slides/slide15.xml><?xml version="1.0" encoding="utf-8"?>
+<file path=ppt/slides/slide16.xml><?xml version="1.0" encoding="utf-8"?>
 <p:sld xmlns:a="http://schemas.openxmlformats.org/drawingml/2006/main" xmlns:r="http://schemas.openxmlformats.org/officeDocument/2006/relationships" xmlns:p="http://schemas.openxmlformats.org/presentationml/2006/main">
   <p:cSld>
     <p:spTree>
@@ -24433,7 +24667,7 @@
 </p:sld>
 </file>
 
-<file path=ppt/slides/slide16.xml><?xml version="1.0" encoding="utf-8"?>
+<file path=ppt/slides/slide17.xml><?xml version="1.0" encoding="utf-8"?>
 <p:sld xmlns:a="http://schemas.openxmlformats.org/drawingml/2006/main" xmlns:r="http://schemas.openxmlformats.org/officeDocument/2006/relationships" xmlns:p="http://schemas.openxmlformats.org/presentationml/2006/main">
   <p:cSld>
     <p:spTree>
@@ -25585,7 +25819,7 @@
 </p:sld>
 </file>
 
-<file path=ppt/slides/slide17.xml><?xml version="1.0" encoding="utf-8"?>
+<file path=ppt/slides/slide18.xml><?xml version="1.0" encoding="utf-8"?>
 <p:sld xmlns:a="http://schemas.openxmlformats.org/drawingml/2006/main" xmlns:r="http://schemas.openxmlformats.org/officeDocument/2006/relationships" xmlns:p="http://schemas.openxmlformats.org/presentationml/2006/main">
   <p:cSld>
     <p:spTree>
@@ -26277,7 +26511,7 @@
 </p:sld>
 </file>
 
-<file path=ppt/slides/slide18.xml><?xml version="1.0" encoding="utf-8"?>
+<file path=ppt/slides/slide19.xml><?xml version="1.0" encoding="utf-8"?>
 <p:sld xmlns:a="http://schemas.openxmlformats.org/drawingml/2006/main" xmlns:r="http://schemas.openxmlformats.org/officeDocument/2006/relationships" xmlns:p="http://schemas.openxmlformats.org/presentationml/2006/main">
   <p:cSld>
     <p:spTree>
@@ -27114,7 +27348,279 @@
 </p:sld>
 </file>
 
-<file path=ppt/slides/slide19.xml><?xml version="1.0" encoding="utf-8"?>
+<file path=ppt/slides/slide2.xml><?xml version="1.0" encoding="utf-8"?>
+<p:sld xmlns:a="http://schemas.openxmlformats.org/drawingml/2006/main" xmlns:r="http://schemas.openxmlformats.org/officeDocument/2006/relationships" xmlns:p="http://schemas.openxmlformats.org/presentationml/2006/main">
+  <p:cSld>
+    <p:spTree>
+      <p:nvGrpSpPr>
+        <p:cNvPr id="1" name=""/>
+        <p:cNvGrpSpPr/>
+        <p:nvPr/>
+      </p:nvGrpSpPr>
+      <p:grpSpPr>
+        <a:xfrm>
+          <a:off x="0" y="0"/>
+          <a:ext cx="0" cy="0"/>
+          <a:chOff x="0" y="0"/>
+          <a:chExt cx="0" cy="0"/>
+        </a:xfrm>
+      </p:grpSpPr>
+      <p:sp>
+        <p:nvSpPr>
+          <p:cNvPr id="2" name="Title 1"/>
+          <p:cNvSpPr>
+            <a:spLocks noGrp="1"/>
+          </p:cNvSpPr>
+          <p:nvPr>
+            <p:ph type="title"/>
+          </p:nvPr>
+        </p:nvSpPr>
+        <p:spPr/>
+        <p:txBody>
+          <a:bodyPr/>
+          <a:lstStyle/>
+          <a:p>
+            <a:r>
+              <a:rPr lang="en-US" dirty="0"/>
+              <a:t>Module 1 – Important!</a:t>
+            </a:r>
+          </a:p>
+        </p:txBody>
+      </p:sp>
+      <p:sp>
+        <p:nvSpPr>
+          <p:cNvPr id="3" name="Rectangle 2">
+            <a:extLst>
+              <a:ext uri="{FF2B5EF4-FFF2-40B4-BE49-F238E27FC236}">
+                <a16:creationId xmlns:a16="http://schemas.microsoft.com/office/drawing/2014/main" id="{2CA723A6-34B2-C34A-8F53-131660EDCD8A}"/>
+              </a:ext>
+            </a:extLst>
+          </p:cNvPr>
+          <p:cNvSpPr/>
+          <p:nvPr/>
+        </p:nvSpPr>
+        <p:spPr>
+          <a:xfrm>
+            <a:off x="336789" y="507099"/>
+            <a:ext cx="8041731" cy="738664"/>
+          </a:xfrm>
+          <a:prstGeom prst="rect">
+            <a:avLst/>
+          </a:prstGeom>
+        </p:spPr>
+        <p:txBody>
+          <a:bodyPr wrap="square">
+            <a:spAutoFit/>
+          </a:bodyPr>
+          <a:lstStyle/>
+          <a:p>
+            <a:r>
+              <a:rPr lang="en-US" sz="2800" b="1" dirty="0">
+                <a:hlinkClick r:id="rId3"/>
+              </a:rPr>
+              <a:t>https://amzn.to/2M1gMQo</a:t>
+            </a:r>
+            <a:endParaRPr lang="en-US" sz="2800" b="1" dirty="0"/>
+          </a:p>
+          <a:p>
+            <a:r>
+              <a:rPr lang="en-US" sz="1400" dirty="0">
+                <a:latin typeface="Amazon Ember" panose="020B0603020204020204" pitchFamily="34" charset="0"/>
+                <a:ea typeface="Amazon Ember" panose="020B0603020204020204" pitchFamily="34" charset="0"/>
+                <a:cs typeface="Amazon Ember" panose="020B0603020204020204" pitchFamily="34" charset="0"/>
+              </a:rPr>
+              <a:t>https://</a:t>
+            </a:r>
+            <a:r>
+              <a:rPr lang="en-US" sz="1400" dirty="0" err="1">
+                <a:latin typeface="Amazon Ember" panose="020B0603020204020204" pitchFamily="34" charset="0"/>
+                <a:ea typeface="Amazon Ember" panose="020B0603020204020204" pitchFamily="34" charset="0"/>
+                <a:cs typeface="Amazon Ember" panose="020B0603020204020204" pitchFamily="34" charset="0"/>
+              </a:rPr>
+              <a:t>github.com</a:t>
+            </a:r>
+            <a:r>
+              <a:rPr lang="en-US" sz="1400" dirty="0">
+                <a:latin typeface="Amazon Ember" panose="020B0603020204020204" pitchFamily="34" charset="0"/>
+                <a:ea typeface="Amazon Ember" panose="020B0603020204020204" pitchFamily="34" charset="0"/>
+                <a:cs typeface="Amazon Ember" panose="020B0603020204020204" pitchFamily="34" charset="0"/>
+              </a:rPr>
+              <a:t>/</a:t>
+            </a:r>
+            <a:r>
+              <a:rPr lang="en-US" sz="1400" dirty="0" err="1">
+                <a:latin typeface="Amazon Ember" panose="020B0603020204020204" pitchFamily="34" charset="0"/>
+                <a:ea typeface="Amazon Ember" panose="020B0603020204020204" pitchFamily="34" charset="0"/>
+                <a:cs typeface="Amazon Ember" panose="020B0603020204020204" pitchFamily="34" charset="0"/>
+              </a:rPr>
+              <a:t>aws</a:t>
+            </a:r>
+            <a:r>
+              <a:rPr lang="en-US" sz="1400" dirty="0">
+                <a:latin typeface="Amazon Ember" panose="020B0603020204020204" pitchFamily="34" charset="0"/>
+                <a:ea typeface="Amazon Ember" panose="020B0603020204020204" pitchFamily="34" charset="0"/>
+                <a:cs typeface="Amazon Ember" panose="020B0603020204020204" pitchFamily="34" charset="0"/>
+              </a:rPr>
+              <a:t>-samples/</a:t>
+            </a:r>
+            <a:r>
+              <a:rPr lang="en-US" sz="1400" dirty="0" err="1">
+                <a:latin typeface="Amazon Ember" panose="020B0603020204020204" pitchFamily="34" charset="0"/>
+                <a:ea typeface="Amazon Ember" panose="020B0603020204020204" pitchFamily="34" charset="0"/>
+                <a:cs typeface="Amazon Ember" panose="020B0603020204020204" pitchFamily="34" charset="0"/>
+              </a:rPr>
+              <a:t>aws</a:t>
+            </a:r>
+            <a:r>
+              <a:rPr lang="en-US" sz="1400" dirty="0">
+                <a:latin typeface="Amazon Ember" panose="020B0603020204020204" pitchFamily="34" charset="0"/>
+                <a:ea typeface="Amazon Ember" panose="020B0603020204020204" pitchFamily="34" charset="0"/>
+                <a:cs typeface="Amazon Ember" panose="020B0603020204020204" pitchFamily="34" charset="0"/>
+              </a:rPr>
+              <a:t>-security-workshops/tree/master/forensics-</a:t>
+            </a:r>
+            <a:r>
+              <a:rPr lang="en-US" sz="1400" dirty="0" err="1">
+                <a:latin typeface="Amazon Ember" panose="020B0603020204020204" pitchFamily="34" charset="0"/>
+                <a:ea typeface="Amazon Ember" panose="020B0603020204020204" pitchFamily="34" charset="0"/>
+                <a:cs typeface="Amazon Ember" panose="020B0603020204020204" pitchFamily="34" charset="0"/>
+              </a:rPr>
+              <a:t>wksp</a:t>
+            </a:r>
+            <a:endParaRPr lang="en-US" sz="1400" dirty="0">
+              <a:latin typeface="Amazon Ember" panose="020B0603020204020204" pitchFamily="34" charset="0"/>
+              <a:ea typeface="Amazon Ember" panose="020B0603020204020204" pitchFamily="34" charset="0"/>
+              <a:cs typeface="Amazon Ember" panose="020B0603020204020204" pitchFamily="34" charset="0"/>
+            </a:endParaRPr>
+          </a:p>
+        </p:txBody>
+      </p:sp>
+      <p:sp>
+        <p:nvSpPr>
+          <p:cNvPr id="7" name="TextBox 6">
+            <a:extLst>
+              <a:ext uri="{FF2B5EF4-FFF2-40B4-BE49-F238E27FC236}">
+                <a16:creationId xmlns:a16="http://schemas.microsoft.com/office/drawing/2014/main" id="{F69B105B-C683-714E-BEDF-5C0E30CB47ED}"/>
+              </a:ext>
+            </a:extLst>
+          </p:cNvPr>
+          <p:cNvSpPr txBox="1"/>
+          <p:nvPr/>
+        </p:nvSpPr>
+        <p:spPr>
+          <a:xfrm>
+            <a:off x="5702740" y="291225"/>
+            <a:ext cx="2839353" cy="646331"/>
+          </a:xfrm>
+          <a:prstGeom prst="rect">
+            <a:avLst/>
+          </a:prstGeom>
+        </p:spPr>
+        <p:style>
+          <a:lnRef idx="1">
+            <a:schemeClr val="accent1"/>
+          </a:lnRef>
+          <a:fillRef idx="2">
+            <a:schemeClr val="accent1"/>
+          </a:fillRef>
+          <a:effectRef idx="1">
+            <a:schemeClr val="accent1"/>
+          </a:effectRef>
+          <a:fontRef idx="minor">
+            <a:schemeClr val="dk1"/>
+          </a:fontRef>
+        </p:style>
+        <p:txBody>
+          <a:bodyPr wrap="square" rtlCol="0">
+            <a:spAutoFit/>
+          </a:bodyPr>
+          <a:lstStyle/>
+          <a:p>
+            <a:pPr algn="ctr"/>
+            <a:r>
+              <a:rPr lang="en-US" dirty="0">
+                <a:latin typeface="Amazon Ember" panose="020B0603020204020204" pitchFamily="34" charset="0"/>
+                <a:ea typeface="Amazon Ember" panose="020B0603020204020204" pitchFamily="34" charset="0"/>
+                <a:cs typeface="Amazon Ember" panose="020B0603020204020204" pitchFamily="34" charset="0"/>
+              </a:rPr>
+              <a:t>Use region:</a:t>
+            </a:r>
+            <a:br>
+              <a:rPr lang="en-US" dirty="0">
+                <a:latin typeface="Amazon Ember" panose="020B0603020204020204" pitchFamily="34" charset="0"/>
+                <a:ea typeface="Amazon Ember" panose="020B0603020204020204" pitchFamily="34" charset="0"/>
+                <a:cs typeface="Amazon Ember" panose="020B0603020204020204" pitchFamily="34" charset="0"/>
+              </a:rPr>
+            </a:br>
+            <a:r>
+              <a:rPr lang="en-US" dirty="0">
+                <a:latin typeface="Amazon Ember" panose="020B0603020204020204" pitchFamily="34" charset="0"/>
+                <a:ea typeface="Amazon Ember" panose="020B0603020204020204" pitchFamily="34" charset="0"/>
+                <a:cs typeface="Amazon Ember" panose="020B0603020204020204" pitchFamily="34" charset="0"/>
+              </a:rPr>
+              <a:t>US (Oregon) / us-west-2</a:t>
+            </a:r>
+          </a:p>
+        </p:txBody>
+      </p:sp>
+      <p:pic>
+        <p:nvPicPr>
+          <p:cNvPr id="6" name="Picture 5">
+            <a:extLst>
+              <a:ext uri="{FF2B5EF4-FFF2-40B4-BE49-F238E27FC236}">
+                <a16:creationId xmlns:a16="http://schemas.microsoft.com/office/drawing/2014/main" id="{D9EE1B93-52F8-3B41-B440-213E0513AE82}"/>
+              </a:ext>
+            </a:extLst>
+          </p:cNvPr>
+          <p:cNvPicPr>
+            <a:picLocks noChangeAspect="1"/>
+          </p:cNvPicPr>
+          <p:nvPr/>
+        </p:nvPicPr>
+        <p:blipFill>
+          <a:blip r:embed="rId4"/>
+          <a:stretch>
+            <a:fillRect/>
+          </a:stretch>
+        </p:blipFill>
+        <p:spPr>
+          <a:xfrm>
+            <a:off x="1114684" y="1214985"/>
+            <a:ext cx="6649513" cy="3513769"/>
+          </a:xfrm>
+          <a:prstGeom prst="rect">
+            <a:avLst/>
+          </a:prstGeom>
+          <a:ln w="38100" cap="sq">
+            <a:solidFill>
+              <a:srgbClr val="000000"/>
+            </a:solidFill>
+            <a:prstDash val="solid"/>
+            <a:miter lim="800000"/>
+          </a:ln>
+          <a:effectLst>
+            <a:outerShdw blurRad="50800" dist="38100" dir="2700000" algn="tl" rotWithShape="0">
+              <a:srgbClr val="000000">
+                <a:alpha val="43000"/>
+              </a:srgbClr>
+            </a:outerShdw>
+          </a:effectLst>
+        </p:spPr>
+      </p:pic>
+    </p:spTree>
+    <p:extLst>
+      <p:ext uri="{BB962C8B-B14F-4D97-AF65-F5344CB8AC3E}">
+        <p14:creationId xmlns:p14="http://schemas.microsoft.com/office/powerpoint/2010/main" val="2692405794"/>
+      </p:ext>
+    </p:extLst>
+  </p:cSld>
+  <p:clrMapOvr>
+    <a:masterClrMapping/>
+  </p:clrMapOvr>
+</p:sld>
+</file>
+
+<file path=ppt/slides/slide20.xml><?xml version="1.0" encoding="utf-8"?>
 <p:sld xmlns:a="http://schemas.openxmlformats.org/drawingml/2006/main" xmlns:r="http://schemas.openxmlformats.org/officeDocument/2006/relationships" xmlns:p="http://schemas.openxmlformats.org/presentationml/2006/main">
   <p:cSld>
     <p:spTree>
@@ -28905,279 +29411,7 @@
 </p:sld>
 </file>
 
-<file path=ppt/slides/slide2.xml><?xml version="1.0" encoding="utf-8"?>
-<p:sld xmlns:a="http://schemas.openxmlformats.org/drawingml/2006/main" xmlns:r="http://schemas.openxmlformats.org/officeDocument/2006/relationships" xmlns:p="http://schemas.openxmlformats.org/presentationml/2006/main">
-  <p:cSld>
-    <p:spTree>
-      <p:nvGrpSpPr>
-        <p:cNvPr id="1" name=""/>
-        <p:cNvGrpSpPr/>
-        <p:nvPr/>
-      </p:nvGrpSpPr>
-      <p:grpSpPr>
-        <a:xfrm>
-          <a:off x="0" y="0"/>
-          <a:ext cx="0" cy="0"/>
-          <a:chOff x="0" y="0"/>
-          <a:chExt cx="0" cy="0"/>
-        </a:xfrm>
-      </p:grpSpPr>
-      <p:sp>
-        <p:nvSpPr>
-          <p:cNvPr id="2" name="Title 1"/>
-          <p:cNvSpPr>
-            <a:spLocks noGrp="1"/>
-          </p:cNvSpPr>
-          <p:nvPr>
-            <p:ph type="title"/>
-          </p:nvPr>
-        </p:nvSpPr>
-        <p:spPr/>
-        <p:txBody>
-          <a:bodyPr/>
-          <a:lstStyle/>
-          <a:p>
-            <a:r>
-              <a:rPr lang="en-US" dirty="0"/>
-              <a:t>Module 1 – Important!</a:t>
-            </a:r>
-          </a:p>
-        </p:txBody>
-      </p:sp>
-      <p:sp>
-        <p:nvSpPr>
-          <p:cNvPr id="3" name="Rectangle 2">
-            <a:extLst>
-              <a:ext uri="{FF2B5EF4-FFF2-40B4-BE49-F238E27FC236}">
-                <a16:creationId xmlns:a16="http://schemas.microsoft.com/office/drawing/2014/main" id="{2CA723A6-34B2-C34A-8F53-131660EDCD8A}"/>
-              </a:ext>
-            </a:extLst>
-          </p:cNvPr>
-          <p:cNvSpPr/>
-          <p:nvPr/>
-        </p:nvSpPr>
-        <p:spPr>
-          <a:xfrm>
-            <a:off x="336789" y="507099"/>
-            <a:ext cx="8041731" cy="738664"/>
-          </a:xfrm>
-          <a:prstGeom prst="rect">
-            <a:avLst/>
-          </a:prstGeom>
-        </p:spPr>
-        <p:txBody>
-          <a:bodyPr wrap="square">
-            <a:spAutoFit/>
-          </a:bodyPr>
-          <a:lstStyle/>
-          <a:p>
-            <a:r>
-              <a:rPr lang="en-US" sz="2800" b="1" dirty="0">
-                <a:hlinkClick r:id="rId3"/>
-              </a:rPr>
-              <a:t>https://amzn.to/2M1gMQo</a:t>
-            </a:r>
-            <a:endParaRPr lang="en-US" sz="2800" b="1" dirty="0"/>
-          </a:p>
-          <a:p>
-            <a:r>
-              <a:rPr lang="en-US" sz="1400" dirty="0">
-                <a:latin typeface="Amazon Ember" panose="020B0603020204020204" pitchFamily="34" charset="0"/>
-                <a:ea typeface="Amazon Ember" panose="020B0603020204020204" pitchFamily="34" charset="0"/>
-                <a:cs typeface="Amazon Ember" panose="020B0603020204020204" pitchFamily="34" charset="0"/>
-              </a:rPr>
-              <a:t>https://</a:t>
-            </a:r>
-            <a:r>
-              <a:rPr lang="en-US" sz="1400" dirty="0" err="1">
-                <a:latin typeface="Amazon Ember" panose="020B0603020204020204" pitchFamily="34" charset="0"/>
-                <a:ea typeface="Amazon Ember" panose="020B0603020204020204" pitchFamily="34" charset="0"/>
-                <a:cs typeface="Amazon Ember" panose="020B0603020204020204" pitchFamily="34" charset="0"/>
-              </a:rPr>
-              <a:t>github.com</a:t>
-            </a:r>
-            <a:r>
-              <a:rPr lang="en-US" sz="1400" dirty="0">
-                <a:latin typeface="Amazon Ember" panose="020B0603020204020204" pitchFamily="34" charset="0"/>
-                <a:ea typeface="Amazon Ember" panose="020B0603020204020204" pitchFamily="34" charset="0"/>
-                <a:cs typeface="Amazon Ember" panose="020B0603020204020204" pitchFamily="34" charset="0"/>
-              </a:rPr>
-              <a:t>/</a:t>
-            </a:r>
-            <a:r>
-              <a:rPr lang="en-US" sz="1400" dirty="0" err="1">
-                <a:latin typeface="Amazon Ember" panose="020B0603020204020204" pitchFamily="34" charset="0"/>
-                <a:ea typeface="Amazon Ember" panose="020B0603020204020204" pitchFamily="34" charset="0"/>
-                <a:cs typeface="Amazon Ember" panose="020B0603020204020204" pitchFamily="34" charset="0"/>
-              </a:rPr>
-              <a:t>aws</a:t>
-            </a:r>
-            <a:r>
-              <a:rPr lang="en-US" sz="1400" dirty="0">
-                <a:latin typeface="Amazon Ember" panose="020B0603020204020204" pitchFamily="34" charset="0"/>
-                <a:ea typeface="Amazon Ember" panose="020B0603020204020204" pitchFamily="34" charset="0"/>
-                <a:cs typeface="Amazon Ember" panose="020B0603020204020204" pitchFamily="34" charset="0"/>
-              </a:rPr>
-              <a:t>-samples/</a:t>
-            </a:r>
-            <a:r>
-              <a:rPr lang="en-US" sz="1400" dirty="0" err="1">
-                <a:latin typeface="Amazon Ember" panose="020B0603020204020204" pitchFamily="34" charset="0"/>
-                <a:ea typeface="Amazon Ember" panose="020B0603020204020204" pitchFamily="34" charset="0"/>
-                <a:cs typeface="Amazon Ember" panose="020B0603020204020204" pitchFamily="34" charset="0"/>
-              </a:rPr>
-              <a:t>aws</a:t>
-            </a:r>
-            <a:r>
-              <a:rPr lang="en-US" sz="1400" dirty="0">
-                <a:latin typeface="Amazon Ember" panose="020B0603020204020204" pitchFamily="34" charset="0"/>
-                <a:ea typeface="Amazon Ember" panose="020B0603020204020204" pitchFamily="34" charset="0"/>
-                <a:cs typeface="Amazon Ember" panose="020B0603020204020204" pitchFamily="34" charset="0"/>
-              </a:rPr>
-              <a:t>-security-workshops/tree/master/forensics-</a:t>
-            </a:r>
-            <a:r>
-              <a:rPr lang="en-US" sz="1400" dirty="0" err="1">
-                <a:latin typeface="Amazon Ember" panose="020B0603020204020204" pitchFamily="34" charset="0"/>
-                <a:ea typeface="Amazon Ember" panose="020B0603020204020204" pitchFamily="34" charset="0"/>
-                <a:cs typeface="Amazon Ember" panose="020B0603020204020204" pitchFamily="34" charset="0"/>
-              </a:rPr>
-              <a:t>wksp</a:t>
-            </a:r>
-            <a:endParaRPr lang="en-US" sz="1400" dirty="0">
-              <a:latin typeface="Amazon Ember" panose="020B0603020204020204" pitchFamily="34" charset="0"/>
-              <a:ea typeface="Amazon Ember" panose="020B0603020204020204" pitchFamily="34" charset="0"/>
-              <a:cs typeface="Amazon Ember" panose="020B0603020204020204" pitchFamily="34" charset="0"/>
-            </a:endParaRPr>
-          </a:p>
-        </p:txBody>
-      </p:sp>
-      <p:sp>
-        <p:nvSpPr>
-          <p:cNvPr id="7" name="TextBox 6">
-            <a:extLst>
-              <a:ext uri="{FF2B5EF4-FFF2-40B4-BE49-F238E27FC236}">
-                <a16:creationId xmlns:a16="http://schemas.microsoft.com/office/drawing/2014/main" id="{F69B105B-C683-714E-BEDF-5C0E30CB47ED}"/>
-              </a:ext>
-            </a:extLst>
-          </p:cNvPr>
-          <p:cNvSpPr txBox="1"/>
-          <p:nvPr/>
-        </p:nvSpPr>
-        <p:spPr>
-          <a:xfrm>
-            <a:off x="5702740" y="291225"/>
-            <a:ext cx="2839353" cy="646331"/>
-          </a:xfrm>
-          <a:prstGeom prst="rect">
-            <a:avLst/>
-          </a:prstGeom>
-        </p:spPr>
-        <p:style>
-          <a:lnRef idx="1">
-            <a:schemeClr val="accent1"/>
-          </a:lnRef>
-          <a:fillRef idx="2">
-            <a:schemeClr val="accent1"/>
-          </a:fillRef>
-          <a:effectRef idx="1">
-            <a:schemeClr val="accent1"/>
-          </a:effectRef>
-          <a:fontRef idx="minor">
-            <a:schemeClr val="dk1"/>
-          </a:fontRef>
-        </p:style>
-        <p:txBody>
-          <a:bodyPr wrap="square" rtlCol="0">
-            <a:spAutoFit/>
-          </a:bodyPr>
-          <a:lstStyle/>
-          <a:p>
-            <a:pPr algn="ctr"/>
-            <a:r>
-              <a:rPr lang="en-US" dirty="0">
-                <a:latin typeface="Amazon Ember" panose="020B0603020204020204" pitchFamily="34" charset="0"/>
-                <a:ea typeface="Amazon Ember" panose="020B0603020204020204" pitchFamily="34" charset="0"/>
-                <a:cs typeface="Amazon Ember" panose="020B0603020204020204" pitchFamily="34" charset="0"/>
-              </a:rPr>
-              <a:t>Use region:</a:t>
-            </a:r>
-            <a:br>
-              <a:rPr lang="en-US" dirty="0">
-                <a:latin typeface="Amazon Ember" panose="020B0603020204020204" pitchFamily="34" charset="0"/>
-                <a:ea typeface="Amazon Ember" panose="020B0603020204020204" pitchFamily="34" charset="0"/>
-                <a:cs typeface="Amazon Ember" panose="020B0603020204020204" pitchFamily="34" charset="0"/>
-              </a:rPr>
-            </a:br>
-            <a:r>
-              <a:rPr lang="en-US" dirty="0">
-                <a:latin typeface="Amazon Ember" panose="020B0603020204020204" pitchFamily="34" charset="0"/>
-                <a:ea typeface="Amazon Ember" panose="020B0603020204020204" pitchFamily="34" charset="0"/>
-                <a:cs typeface="Amazon Ember" panose="020B0603020204020204" pitchFamily="34" charset="0"/>
-              </a:rPr>
-              <a:t>US (Oregon) / us-west-2</a:t>
-            </a:r>
-          </a:p>
-        </p:txBody>
-      </p:sp>
-      <p:pic>
-        <p:nvPicPr>
-          <p:cNvPr id="6" name="Picture 5">
-            <a:extLst>
-              <a:ext uri="{FF2B5EF4-FFF2-40B4-BE49-F238E27FC236}">
-                <a16:creationId xmlns:a16="http://schemas.microsoft.com/office/drawing/2014/main" id="{D9EE1B93-52F8-3B41-B440-213E0513AE82}"/>
-              </a:ext>
-            </a:extLst>
-          </p:cNvPr>
-          <p:cNvPicPr>
-            <a:picLocks noChangeAspect="1"/>
-          </p:cNvPicPr>
-          <p:nvPr/>
-        </p:nvPicPr>
-        <p:blipFill>
-          <a:blip r:embed="rId4"/>
-          <a:stretch>
-            <a:fillRect/>
-          </a:stretch>
-        </p:blipFill>
-        <p:spPr>
-          <a:xfrm>
-            <a:off x="1114684" y="1214985"/>
-            <a:ext cx="6649513" cy="3513769"/>
-          </a:xfrm>
-          <a:prstGeom prst="rect">
-            <a:avLst/>
-          </a:prstGeom>
-          <a:ln w="38100" cap="sq">
-            <a:solidFill>
-              <a:srgbClr val="000000"/>
-            </a:solidFill>
-            <a:prstDash val="solid"/>
-            <a:miter lim="800000"/>
-          </a:ln>
-          <a:effectLst>
-            <a:outerShdw blurRad="50800" dist="38100" dir="2700000" algn="tl" rotWithShape="0">
-              <a:srgbClr val="000000">
-                <a:alpha val="43000"/>
-              </a:srgbClr>
-            </a:outerShdw>
-          </a:effectLst>
-        </p:spPr>
-      </p:pic>
-    </p:spTree>
-    <p:extLst>
-      <p:ext uri="{BB962C8B-B14F-4D97-AF65-F5344CB8AC3E}">
-        <p14:creationId xmlns:p14="http://schemas.microsoft.com/office/powerpoint/2010/main" val="2692405794"/>
-      </p:ext>
-    </p:extLst>
-  </p:cSld>
-  <p:clrMapOvr>
-    <a:masterClrMapping/>
-  </p:clrMapOvr>
-</p:sld>
-</file>
-
-<file path=ppt/slides/slide20.xml><?xml version="1.0" encoding="utf-8"?>
+<file path=ppt/slides/slide21.xml><?xml version="1.0" encoding="utf-8"?>
 <p:sld xmlns:a="http://schemas.openxmlformats.org/drawingml/2006/main" xmlns:r="http://schemas.openxmlformats.org/officeDocument/2006/relationships" xmlns:p="http://schemas.openxmlformats.org/presentationml/2006/main">
   <p:cSld>
     <p:spTree>
@@ -30037,7 +30271,7 @@
 </p:sld>
 </file>
 
-<file path=ppt/slides/slide21.xml><?xml version="1.0" encoding="utf-8"?>
+<file path=ppt/slides/slide22.xml><?xml version="1.0" encoding="utf-8"?>
 <p:sld xmlns:a="http://schemas.openxmlformats.org/drawingml/2006/main" xmlns:r="http://schemas.openxmlformats.org/officeDocument/2006/relationships" xmlns:p="http://schemas.openxmlformats.org/presentationml/2006/main">
   <p:cSld>
     <p:spTree>
@@ -30926,7 +31160,7 @@
 </p:sld>
 </file>
 
-<file path=ppt/slides/slide22.xml><?xml version="1.0" encoding="utf-8"?>
+<file path=ppt/slides/slide23.xml><?xml version="1.0" encoding="utf-8"?>
 <p:sld xmlns:a="http://schemas.openxmlformats.org/drawingml/2006/main" xmlns:r="http://schemas.openxmlformats.org/officeDocument/2006/relationships" xmlns:p="http://schemas.openxmlformats.org/presentationml/2006/main">
   <p:cSld>
     <p:spTree>
@@ -31872,7 +32106,7 @@
 </p:sld>
 </file>
 
-<file path=ppt/slides/slide23.xml><?xml version="1.0" encoding="utf-8"?>
+<file path=ppt/slides/slide24.xml><?xml version="1.0" encoding="utf-8"?>
 <p:sld xmlns:a="http://schemas.openxmlformats.org/drawingml/2006/main" xmlns:r="http://schemas.openxmlformats.org/officeDocument/2006/relationships" xmlns:p="http://schemas.openxmlformats.org/presentationml/2006/main">
   <p:cSld>
     <p:spTree>
@@ -32985,7 +33219,7 @@
 </p:sld>
 </file>
 
-<file path=ppt/slides/slide24.xml><?xml version="1.0" encoding="utf-8"?>
+<file path=ppt/slides/slide25.xml><?xml version="1.0" encoding="utf-8"?>
 <p:sld xmlns:a="http://schemas.openxmlformats.org/drawingml/2006/main" xmlns:r="http://schemas.openxmlformats.org/officeDocument/2006/relationships" xmlns:p="http://schemas.openxmlformats.org/presentationml/2006/main">
   <p:cSld>
     <p:spTree>
@@ -34225,7 +34459,7 @@
 </p:sld>
 </file>
 
-<file path=ppt/slides/slide25.xml><?xml version="1.0" encoding="utf-8"?>
+<file path=ppt/slides/slide26.xml><?xml version="1.0" encoding="utf-8"?>
 <p:sld xmlns:a="http://schemas.openxmlformats.org/drawingml/2006/main" xmlns:r="http://schemas.openxmlformats.org/officeDocument/2006/relationships" xmlns:p="http://schemas.openxmlformats.org/presentationml/2006/main">
   <p:cSld>
     <p:spTree>
@@ -35780,7 +36014,7 @@
 </p:sld>
 </file>
 
-<file path=ppt/slides/slide26.xml><?xml version="1.0" encoding="utf-8"?>
+<file path=ppt/slides/slide27.xml><?xml version="1.0" encoding="utf-8"?>
 <p:sld xmlns:a="http://schemas.openxmlformats.org/drawingml/2006/main" xmlns:r="http://schemas.openxmlformats.org/officeDocument/2006/relationships" xmlns:p="http://schemas.openxmlformats.org/presentationml/2006/main">
   <p:cSld>
     <p:spTree>
@@ -37364,7 +37598,7 @@
 </p:sld>
 </file>
 
-<file path=ppt/slides/slide27.xml><?xml version="1.0" encoding="utf-8"?>
+<file path=ppt/slides/slide28.xml><?xml version="1.0" encoding="utf-8"?>
 <p:sld xmlns:a="http://schemas.openxmlformats.org/drawingml/2006/main" xmlns:r="http://schemas.openxmlformats.org/officeDocument/2006/relationships" xmlns:p="http://schemas.openxmlformats.org/presentationml/2006/main">
   <p:cSld>
     <p:spTree>
@@ -38688,7 +38922,7 @@
 </p:sld>
 </file>
 
-<file path=ppt/slides/slide28.xml><?xml version="1.0" encoding="utf-8"?>
+<file path=ppt/slides/slide29.xml><?xml version="1.0" encoding="utf-8"?>
 <p:sld xmlns:a="http://schemas.openxmlformats.org/drawingml/2006/main" xmlns:r="http://schemas.openxmlformats.org/officeDocument/2006/relationships" xmlns:p="http://schemas.openxmlformats.org/presentationml/2006/main">
   <p:cSld>
     <p:spTree>
@@ -40323,7 +40557,147 @@
 </p:sld>
 </file>
 
-<file path=ppt/slides/slide29.xml><?xml version="1.0" encoding="utf-8"?>
+<file path=ppt/slides/slide3.xml><?xml version="1.0" encoding="utf-8"?>
+<p:sld xmlns:a="http://schemas.openxmlformats.org/drawingml/2006/main" xmlns:r="http://schemas.openxmlformats.org/officeDocument/2006/relationships" xmlns:p="http://schemas.openxmlformats.org/presentationml/2006/main">
+  <p:cSld>
+    <p:spTree>
+      <p:nvGrpSpPr>
+        <p:cNvPr id="1" name=""/>
+        <p:cNvGrpSpPr/>
+        <p:nvPr/>
+      </p:nvGrpSpPr>
+      <p:grpSpPr>
+        <a:xfrm>
+          <a:off x="0" y="0"/>
+          <a:ext cx="0" cy="0"/>
+          <a:chOff x="0" y="0"/>
+          <a:chExt cx="0" cy="0"/>
+        </a:xfrm>
+      </p:grpSpPr>
+      <p:sp>
+        <p:nvSpPr>
+          <p:cNvPr id="2" name="Text Placeholder 1"/>
+          <p:cNvSpPr>
+            <a:spLocks noGrp="1"/>
+          </p:cNvSpPr>
+          <p:nvPr>
+            <p:ph type="body" sz="quarter" idx="10"/>
+          </p:nvPr>
+        </p:nvSpPr>
+        <p:spPr>
+          <a:xfrm>
+            <a:off x="487899" y="3482770"/>
+            <a:ext cx="5037138" cy="433387"/>
+          </a:xfrm>
+        </p:spPr>
+        <p:txBody>
+          <a:bodyPr>
+            <a:normAutofit/>
+          </a:bodyPr>
+          <a:lstStyle/>
+          <a:p>
+            <a:r>
+              <a:rPr lang="en-US" dirty="0"/>
+              <a:t>Jeff Puchalski and Nathan Case – AWS Security</a:t>
+            </a:r>
+          </a:p>
+        </p:txBody>
+      </p:sp>
+      <p:sp>
+        <p:nvSpPr>
+          <p:cNvPr id="3" name="Text Placeholder 2"/>
+          <p:cNvSpPr>
+            <a:spLocks noGrp="1"/>
+          </p:cNvSpPr>
+          <p:nvPr>
+            <p:ph type="body" sz="quarter" idx="11"/>
+          </p:nvPr>
+        </p:nvSpPr>
+        <p:spPr/>
+        <p:txBody>
+          <a:bodyPr/>
+          <a:lstStyle/>
+          <a:p>
+            <a:r>
+              <a:rPr lang="en-US" dirty="0"/>
+              <a:t>August 8, 2018</a:t>
+            </a:r>
+          </a:p>
+        </p:txBody>
+      </p:sp>
+      <p:sp>
+        <p:nvSpPr>
+          <p:cNvPr id="4" name="Text Placeholder 3"/>
+          <p:cNvSpPr>
+            <a:spLocks noGrp="1"/>
+          </p:cNvSpPr>
+          <p:nvPr>
+            <p:ph type="body" sz="quarter" idx="12"/>
+          </p:nvPr>
+        </p:nvSpPr>
+        <p:spPr>
+          <a:xfrm>
+            <a:off x="487898" y="1250571"/>
+            <a:ext cx="8656101" cy="744537"/>
+          </a:xfrm>
+        </p:spPr>
+        <p:txBody>
+          <a:bodyPr/>
+          <a:lstStyle/>
+          <a:p>
+            <a:r>
+              <a:rPr lang="en-US" dirty="0"/>
+              <a:t>Cloud-powered Forensics Workshop</a:t>
+            </a:r>
+          </a:p>
+        </p:txBody>
+      </p:sp>
+      <p:sp>
+        <p:nvSpPr>
+          <p:cNvPr id="7" name="Text Placeholder 6">
+            <a:extLst>
+              <a:ext uri="{FF2B5EF4-FFF2-40B4-BE49-F238E27FC236}">
+                <a16:creationId xmlns:a16="http://schemas.microsoft.com/office/drawing/2014/main" id="{5C8CB6B3-BE20-464D-AE33-8048825F0882}"/>
+              </a:ext>
+            </a:extLst>
+          </p:cNvPr>
+          <p:cNvSpPr>
+            <a:spLocks noGrp="1"/>
+          </p:cNvSpPr>
+          <p:nvPr>
+            <p:ph type="body" sz="quarter" idx="13"/>
+          </p:nvPr>
+        </p:nvSpPr>
+        <p:spPr/>
+        <p:txBody>
+          <a:bodyPr/>
+          <a:lstStyle/>
+          <a:p>
+            <a:r>
+              <a:rPr lang="en-US" dirty="0" err="1"/>
+              <a:t>BlackHat</a:t>
+            </a:r>
+            <a:r>
+              <a:rPr lang="en-US" dirty="0"/>
+              <a:t> Las Vegas</a:t>
+            </a:r>
+          </a:p>
+        </p:txBody>
+      </p:sp>
+    </p:spTree>
+    <p:extLst>
+      <p:ext uri="{BB962C8B-B14F-4D97-AF65-F5344CB8AC3E}">
+        <p14:creationId xmlns:p14="http://schemas.microsoft.com/office/powerpoint/2010/main" val="3303444234"/>
+      </p:ext>
+    </p:extLst>
+  </p:cSld>
+  <p:clrMapOvr>
+    <a:masterClrMapping/>
+  </p:clrMapOvr>
+</p:sld>
+</file>
+
+<file path=ppt/slides/slide30.xml><?xml version="1.0" encoding="utf-8"?>
 <p:sld xmlns:a="http://schemas.openxmlformats.org/drawingml/2006/main" xmlns:r="http://schemas.openxmlformats.org/officeDocument/2006/relationships" xmlns:p="http://schemas.openxmlformats.org/presentationml/2006/main">
   <p:cSld>
     <p:spTree>
@@ -41848,147 +42222,7 @@
 </p:sld>
 </file>
 
-<file path=ppt/slides/slide3.xml><?xml version="1.0" encoding="utf-8"?>
-<p:sld xmlns:a="http://schemas.openxmlformats.org/drawingml/2006/main" xmlns:r="http://schemas.openxmlformats.org/officeDocument/2006/relationships" xmlns:p="http://schemas.openxmlformats.org/presentationml/2006/main">
-  <p:cSld>
-    <p:spTree>
-      <p:nvGrpSpPr>
-        <p:cNvPr id="1" name=""/>
-        <p:cNvGrpSpPr/>
-        <p:nvPr/>
-      </p:nvGrpSpPr>
-      <p:grpSpPr>
-        <a:xfrm>
-          <a:off x="0" y="0"/>
-          <a:ext cx="0" cy="0"/>
-          <a:chOff x="0" y="0"/>
-          <a:chExt cx="0" cy="0"/>
-        </a:xfrm>
-      </p:grpSpPr>
-      <p:sp>
-        <p:nvSpPr>
-          <p:cNvPr id="2" name="Text Placeholder 1"/>
-          <p:cNvSpPr>
-            <a:spLocks noGrp="1"/>
-          </p:cNvSpPr>
-          <p:nvPr>
-            <p:ph type="body" sz="quarter" idx="10"/>
-          </p:nvPr>
-        </p:nvSpPr>
-        <p:spPr>
-          <a:xfrm>
-            <a:off x="487899" y="3482770"/>
-            <a:ext cx="5037138" cy="433387"/>
-          </a:xfrm>
-        </p:spPr>
-        <p:txBody>
-          <a:bodyPr>
-            <a:normAutofit/>
-          </a:bodyPr>
-          <a:lstStyle/>
-          <a:p>
-            <a:r>
-              <a:rPr lang="en-US" dirty="0"/>
-              <a:t>Jeff Puchalski and Nathan Case – AWS Security</a:t>
-            </a:r>
-          </a:p>
-        </p:txBody>
-      </p:sp>
-      <p:sp>
-        <p:nvSpPr>
-          <p:cNvPr id="3" name="Text Placeholder 2"/>
-          <p:cNvSpPr>
-            <a:spLocks noGrp="1"/>
-          </p:cNvSpPr>
-          <p:nvPr>
-            <p:ph type="body" sz="quarter" idx="11"/>
-          </p:nvPr>
-        </p:nvSpPr>
-        <p:spPr/>
-        <p:txBody>
-          <a:bodyPr/>
-          <a:lstStyle/>
-          <a:p>
-            <a:r>
-              <a:rPr lang="en-US" dirty="0"/>
-              <a:t>August 8, 2018</a:t>
-            </a:r>
-          </a:p>
-        </p:txBody>
-      </p:sp>
-      <p:sp>
-        <p:nvSpPr>
-          <p:cNvPr id="4" name="Text Placeholder 3"/>
-          <p:cNvSpPr>
-            <a:spLocks noGrp="1"/>
-          </p:cNvSpPr>
-          <p:nvPr>
-            <p:ph type="body" sz="quarter" idx="12"/>
-          </p:nvPr>
-        </p:nvSpPr>
-        <p:spPr>
-          <a:xfrm>
-            <a:off x="487898" y="1250571"/>
-            <a:ext cx="8656101" cy="744537"/>
-          </a:xfrm>
-        </p:spPr>
-        <p:txBody>
-          <a:bodyPr/>
-          <a:lstStyle/>
-          <a:p>
-            <a:r>
-              <a:rPr lang="en-US" dirty="0"/>
-              <a:t>Cloud-powered Forensics Workshop</a:t>
-            </a:r>
-          </a:p>
-        </p:txBody>
-      </p:sp>
-      <p:sp>
-        <p:nvSpPr>
-          <p:cNvPr id="7" name="Text Placeholder 6">
-            <a:extLst>
-              <a:ext uri="{FF2B5EF4-FFF2-40B4-BE49-F238E27FC236}">
-                <a16:creationId xmlns:a16="http://schemas.microsoft.com/office/drawing/2014/main" id="{5C8CB6B3-BE20-464D-AE33-8048825F0882}"/>
-              </a:ext>
-            </a:extLst>
-          </p:cNvPr>
-          <p:cNvSpPr>
-            <a:spLocks noGrp="1"/>
-          </p:cNvSpPr>
-          <p:nvPr>
-            <p:ph type="body" sz="quarter" idx="13"/>
-          </p:nvPr>
-        </p:nvSpPr>
-        <p:spPr/>
-        <p:txBody>
-          <a:bodyPr/>
-          <a:lstStyle/>
-          <a:p>
-            <a:r>
-              <a:rPr lang="en-US" dirty="0" err="1"/>
-              <a:t>BlackHat</a:t>
-            </a:r>
-            <a:r>
-              <a:rPr lang="en-US" dirty="0"/>
-              <a:t> Las Vegas</a:t>
-            </a:r>
-          </a:p>
-        </p:txBody>
-      </p:sp>
-    </p:spTree>
-    <p:extLst>
-      <p:ext uri="{BB962C8B-B14F-4D97-AF65-F5344CB8AC3E}">
-        <p14:creationId xmlns:p14="http://schemas.microsoft.com/office/powerpoint/2010/main" val="3303444234"/>
-      </p:ext>
-    </p:extLst>
-  </p:cSld>
-  <p:clrMapOvr>
-    <a:masterClrMapping/>
-  </p:clrMapOvr>
-</p:sld>
-</file>
-
-<file path=ppt/slides/slide30.xml><?xml version="1.0" encoding="utf-8"?>
+<file path=ppt/slides/slide31.xml><?xml version="1.0" encoding="utf-8"?>
 <p:sld xmlns:a="http://schemas.openxmlformats.org/drawingml/2006/main" xmlns:r="http://schemas.openxmlformats.org/officeDocument/2006/relationships" xmlns:p="http://schemas.openxmlformats.org/presentationml/2006/main">
   <p:cSld>
     <p:spTree>
@@ -43078,7 +43312,7 @@
 </p:sld>
 </file>
 
-<file path=ppt/slides/slide31.xml><?xml version="1.0" encoding="utf-8"?>
+<file path=ppt/slides/slide32.xml><?xml version="1.0" encoding="utf-8"?>
 <p:sld xmlns:a="http://schemas.openxmlformats.org/drawingml/2006/main" xmlns:r="http://schemas.openxmlformats.org/officeDocument/2006/relationships" xmlns:p="http://schemas.openxmlformats.org/presentationml/2006/main">
   <p:cSld>
     <p:spTree>
@@ -44119,7 +44353,7 @@
 </p:sld>
 </file>
 
-<file path=ppt/slides/slide32.xml><?xml version="1.0" encoding="utf-8"?>
+<file path=ppt/slides/slide33.xml><?xml version="1.0" encoding="utf-8"?>
 <p:sld xmlns:a="http://schemas.openxmlformats.org/drawingml/2006/main" xmlns:r="http://schemas.openxmlformats.org/officeDocument/2006/relationships" xmlns:p="http://schemas.openxmlformats.org/presentationml/2006/main">
   <p:cSld>
     <p:spTree>
@@ -44321,6 +44555,66 @@
           </a:p>
         </p:txBody>
       </p:sp>
+      <p:pic>
+        <p:nvPicPr>
+          <p:cNvPr id="6" name="Picture 5">
+            <a:extLst>
+              <a:ext uri="{FF2B5EF4-FFF2-40B4-BE49-F238E27FC236}">
+                <a16:creationId xmlns:a16="http://schemas.microsoft.com/office/drawing/2014/main" id="{ED5F83B6-88E7-5A4D-B4D1-262791224480}"/>
+              </a:ext>
+            </a:extLst>
+          </p:cNvPr>
+          <p:cNvPicPr>
+            <a:picLocks noChangeAspect="1"/>
+          </p:cNvPicPr>
+          <p:nvPr/>
+        </p:nvPicPr>
+        <p:blipFill>
+          <a:blip r:embed="rId4"/>
+          <a:stretch>
+            <a:fillRect/>
+          </a:stretch>
+        </p:blipFill>
+        <p:spPr>
+          <a:xfrm>
+            <a:off x="4517124" y="1274644"/>
+            <a:ext cx="4626876" cy="3207968"/>
+          </a:xfrm>
+          <a:prstGeom prst="rect">
+            <a:avLst/>
+          </a:prstGeom>
+        </p:spPr>
+      </p:pic>
+      <p:pic>
+        <p:nvPicPr>
+          <p:cNvPr id="8" name="Picture 7">
+            <a:extLst>
+              <a:ext uri="{FF2B5EF4-FFF2-40B4-BE49-F238E27FC236}">
+                <a16:creationId xmlns:a16="http://schemas.microsoft.com/office/drawing/2014/main" id="{4F240B0C-9F0E-4D4C-9A82-F7614A5665CA}"/>
+              </a:ext>
+            </a:extLst>
+          </p:cNvPr>
+          <p:cNvPicPr>
+            <a:picLocks noChangeAspect="1"/>
+          </p:cNvPicPr>
+          <p:nvPr/>
+        </p:nvPicPr>
+        <p:blipFill>
+          <a:blip r:embed="rId5"/>
+          <a:stretch>
+            <a:fillRect/>
+          </a:stretch>
+        </p:blipFill>
+        <p:spPr>
+          <a:xfrm>
+            <a:off x="239833" y="1274644"/>
+            <a:ext cx="4277291" cy="3207968"/>
+          </a:xfrm>
+          <a:prstGeom prst="rect">
+            <a:avLst/>
+          </a:prstGeom>
+        </p:spPr>
+      </p:pic>
     </p:spTree>
     <p:extLst>
       <p:ext uri="{BB962C8B-B14F-4D97-AF65-F5344CB8AC3E}">
@@ -44633,6 +44927,149 @@
                       </p:childTnLst>
                     </p:cTn>
                   </p:par>
+                  <p:par>
+                    <p:cTn id="27" fill="hold">
+                      <p:stCondLst>
+                        <p:cond delay="indefinite"/>
+                      </p:stCondLst>
+                      <p:childTnLst>
+                        <p:par>
+                          <p:cTn id="28" fill="hold">
+                            <p:stCondLst>
+                              <p:cond delay="0"/>
+                            </p:stCondLst>
+                            <p:childTnLst>
+                              <p:par>
+                                <p:cTn id="29" presetID="9" presetClass="entr" presetSubtype="0" fill="hold" grpId="0" nodeType="clickEffect">
+                                  <p:stCondLst>
+                                    <p:cond delay="0"/>
+                                  </p:stCondLst>
+                                  <p:childTnLst>
+                                    <p:set>
+                                      <p:cBhvr>
+                                        <p:cTn id="30" dur="1" fill="hold">
+                                          <p:stCondLst>
+                                            <p:cond delay="0"/>
+                                          </p:stCondLst>
+                                        </p:cTn>
+                                        <p:tgtEl>
+                                          <p:spTgt spid="4"/>
+                                        </p:tgtEl>
+                                        <p:attrNameLst>
+                                          <p:attrName>style.visibility</p:attrName>
+                                        </p:attrNameLst>
+                                      </p:cBhvr>
+                                      <p:to>
+                                        <p:strVal val="visible"/>
+                                      </p:to>
+                                    </p:set>
+                                    <p:animEffect transition="in" filter="dissolve">
+                                      <p:cBhvr>
+                                        <p:cTn id="31" dur="500"/>
+                                        <p:tgtEl>
+                                          <p:spTgt spid="4"/>
+                                        </p:tgtEl>
+                                      </p:cBhvr>
+                                    </p:animEffect>
+                                  </p:childTnLst>
+                                </p:cTn>
+                              </p:par>
+                            </p:childTnLst>
+                          </p:cTn>
+                        </p:par>
+                      </p:childTnLst>
+                    </p:cTn>
+                  </p:par>
+                  <p:par>
+                    <p:cTn id="32" fill="hold">
+                      <p:stCondLst>
+                        <p:cond delay="indefinite"/>
+                      </p:stCondLst>
+                      <p:childTnLst>
+                        <p:par>
+                          <p:cTn id="33" fill="hold">
+                            <p:stCondLst>
+                              <p:cond delay="0"/>
+                            </p:stCondLst>
+                            <p:childTnLst>
+                              <p:par>
+                                <p:cTn id="34" presetID="1" presetClass="entr" presetSubtype="0" fill="hold" nodeType="clickEffect">
+                                  <p:stCondLst>
+                                    <p:cond delay="0"/>
+                                  </p:stCondLst>
+                                  <p:childTnLst>
+                                    <p:set>
+                                      <p:cBhvr>
+                                        <p:cTn id="35" dur="1" fill="hold">
+                                          <p:stCondLst>
+                                            <p:cond delay="0"/>
+                                          </p:stCondLst>
+                                        </p:cTn>
+                                        <p:tgtEl>
+                                          <p:spTgt spid="8"/>
+                                        </p:tgtEl>
+                                        <p:attrNameLst>
+                                          <p:attrName>style.visibility</p:attrName>
+                                        </p:attrNameLst>
+                                      </p:cBhvr>
+                                      <p:to>
+                                        <p:strVal val="visible"/>
+                                      </p:to>
+                                    </p:set>
+                                  </p:childTnLst>
+                                </p:cTn>
+                              </p:par>
+                            </p:childTnLst>
+                          </p:cTn>
+                        </p:par>
+                      </p:childTnLst>
+                    </p:cTn>
+                  </p:par>
+                  <p:par>
+                    <p:cTn id="36" fill="hold">
+                      <p:stCondLst>
+                        <p:cond delay="indefinite"/>
+                      </p:stCondLst>
+                      <p:childTnLst>
+                        <p:par>
+                          <p:cTn id="37" fill="hold">
+                            <p:stCondLst>
+                              <p:cond delay="0"/>
+                            </p:stCondLst>
+                            <p:childTnLst>
+                              <p:par>
+                                <p:cTn id="38" presetID="1" presetClass="entr" presetSubtype="0" fill="hold" nodeType="clickEffect">
+                                  <p:stCondLst>
+                                    <p:cond delay="0"/>
+                                  </p:stCondLst>
+                                  <p:childTnLst>
+                                    <p:set>
+                                      <p:cBhvr>
+                                        <p:cTn id="39" dur="1" fill="hold">
+                                          <p:stCondLst>
+                                            <p:cond delay="0"/>
+                                          </p:stCondLst>
+                                        </p:cTn>
+                                        <p:tgtEl>
+                                          <p:spTgt spid="6"/>
+                                        </p:tgtEl>
+                                        <p:attrNameLst>
+                                          <p:attrName>style.visibility</p:attrName>
+                                        </p:attrNameLst>
+                                      </p:cBhvr>
+                                      <p:to>
+                                        <p:strVal val="visible"/>
+                                      </p:to>
+                                    </p:set>
+                                  </p:childTnLst>
+                                </p:cTn>
+                              </p:par>
+                            </p:childTnLst>
+                          </p:cTn>
+                        </p:par>
+                      </p:childTnLst>
+                    </p:cTn>
+                  </p:par>
                 </p:childTnLst>
               </p:cTn>
               <p:prevCondLst>
@@ -44654,11 +45091,14 @@
         </p:cTn>
       </p:par>
     </p:tnLst>
+    <p:bldLst>
+      <p:bldP spid="4" grpId="0"/>
+    </p:bldLst>
   </p:timing>
 </p:sld>
 </file>
 
-<file path=ppt/slides/slide33.xml><?xml version="1.0" encoding="utf-8"?>
+<file path=ppt/slides/slide34.xml><?xml version="1.0" encoding="utf-8"?>
 <p:sld xmlns:a="http://schemas.openxmlformats.org/drawingml/2006/main" xmlns:r="http://schemas.openxmlformats.org/officeDocument/2006/relationships" xmlns:p="http://schemas.openxmlformats.org/presentationml/2006/main" show="0">
   <p:cSld>
     <p:spTree>
@@ -44731,7 +45171,7 @@
 </p:sld>
 </file>
 
-<file path=ppt/slides/slide34.xml><?xml version="1.0" encoding="utf-8"?>
+<file path=ppt/slides/slide35.xml><?xml version="1.0" encoding="utf-8"?>
 <p:sld xmlns:a="http://schemas.openxmlformats.org/drawingml/2006/main" xmlns:r="http://schemas.openxmlformats.org/officeDocument/2006/relationships" xmlns:p="http://schemas.openxmlformats.org/presentationml/2006/main">
   <p:cSld>
     <p:spTree>
@@ -45466,7 +45906,7 @@
 </p:sld>
 </file>
 
-<file path=ppt/slides/slide35.xml><?xml version="1.0" encoding="utf-8"?>
+<file path=ppt/slides/slide36.xml><?xml version="1.0" encoding="utf-8"?>
 <p:sld xmlns:a="http://schemas.openxmlformats.org/drawingml/2006/main" xmlns:r="http://schemas.openxmlformats.org/officeDocument/2006/relationships" xmlns:p="http://schemas.openxmlformats.org/presentationml/2006/main">
   <p:cSld>
     <p:spTree>
@@ -45518,7 +45958,7 @@
 </p:sld>
 </file>
 
-<file path=ppt/slides/slide36.xml><?xml version="1.0" encoding="utf-8"?>
+<file path=ppt/slides/slide37.xml><?xml version="1.0" encoding="utf-8"?>
 <p:sld xmlns:a="http://schemas.openxmlformats.org/drawingml/2006/main" xmlns:r="http://schemas.openxmlformats.org/officeDocument/2006/relationships" xmlns:p="http://schemas.openxmlformats.org/presentationml/2006/main">
   <p:cSld>
     <p:spTree>
@@ -46568,7 +47008,7 @@
 </p:sld>
 </file>
 
-<file path=ppt/slides/slide37.xml><?xml version="1.0" encoding="utf-8"?>
+<file path=ppt/slides/slide38.xml><?xml version="1.0" encoding="utf-8"?>
 <p:sld xmlns:a="http://schemas.openxmlformats.org/drawingml/2006/main" xmlns:r="http://schemas.openxmlformats.org/officeDocument/2006/relationships" xmlns:p="http://schemas.openxmlformats.org/presentationml/2006/main">
   <p:cSld>
     <p:spTree>
@@ -47291,7 +47731,7 @@
 </p:sld>
 </file>
 
-<file path=ppt/slides/slide38.xml><?xml version="1.0" encoding="utf-8"?>
+<file path=ppt/slides/slide39.xml><?xml version="1.0" encoding="utf-8"?>
 <p:sld xmlns:a="http://schemas.openxmlformats.org/drawingml/2006/main" xmlns:r="http://schemas.openxmlformats.org/officeDocument/2006/relationships" xmlns:p="http://schemas.openxmlformats.org/presentationml/2006/main">
   <p:cSld>
     <p:spTree>
@@ -50702,7 +51142,302 @@
 </p:sld>
 </file>
 
-<file path=ppt/slides/slide39.xml><?xml version="1.0" encoding="utf-8"?>
+<file path=ppt/slides/slide4.xml><?xml version="1.0" encoding="utf-8"?>
+<p:sld xmlns:a="http://schemas.openxmlformats.org/drawingml/2006/main" xmlns:r="http://schemas.openxmlformats.org/officeDocument/2006/relationships" xmlns:p="http://schemas.openxmlformats.org/presentationml/2006/main">
+  <p:cSld>
+    <p:spTree>
+      <p:nvGrpSpPr>
+        <p:cNvPr id="1" name=""/>
+        <p:cNvGrpSpPr/>
+        <p:nvPr/>
+      </p:nvGrpSpPr>
+      <p:grpSpPr>
+        <a:xfrm>
+          <a:off x="0" y="0"/>
+          <a:ext cx="0" cy="0"/>
+          <a:chOff x="0" y="0"/>
+          <a:chExt cx="0" cy="0"/>
+        </a:xfrm>
+      </p:grpSpPr>
+      <p:sp>
+        <p:nvSpPr>
+          <p:cNvPr id="2" name="Title 1"/>
+          <p:cNvSpPr>
+            <a:spLocks noGrp="1"/>
+          </p:cNvSpPr>
+          <p:nvPr>
+            <p:ph type="title"/>
+          </p:nvPr>
+        </p:nvSpPr>
+        <p:spPr/>
+        <p:txBody>
+          <a:bodyPr/>
+          <a:lstStyle/>
+          <a:p>
+            <a:r>
+              <a:rPr lang="en-US" dirty="0"/>
+              <a:t>Workshop agenda</a:t>
+            </a:r>
+          </a:p>
+        </p:txBody>
+      </p:sp>
+      <p:sp>
+        <p:nvSpPr>
+          <p:cNvPr id="3" name="Rectangle 2">
+            <a:extLst>
+              <a:ext uri="{FF2B5EF4-FFF2-40B4-BE49-F238E27FC236}">
+                <a16:creationId xmlns:a16="http://schemas.microsoft.com/office/drawing/2014/main" id="{2CA723A6-34B2-C34A-8F53-131660EDCD8A}"/>
+              </a:ext>
+            </a:extLst>
+          </p:cNvPr>
+          <p:cNvSpPr/>
+          <p:nvPr/>
+        </p:nvSpPr>
+        <p:spPr>
+          <a:xfrm>
+            <a:off x="779994" y="660128"/>
+            <a:ext cx="7987990" cy="4524315"/>
+          </a:xfrm>
+          <a:prstGeom prst="rect">
+            <a:avLst/>
+          </a:prstGeom>
+        </p:spPr>
+        <p:txBody>
+          <a:bodyPr wrap="square">
+            <a:spAutoFit/>
+          </a:bodyPr>
+          <a:lstStyle/>
+          <a:p>
+            <a:pPr marL="342900" indent="-342900">
+              <a:buFont typeface="Arial" panose="020B0604020202020204" pitchFamily="34" charset="0"/>
+              <a:buChar char="•"/>
+            </a:pPr>
+            <a:r>
+              <a:rPr lang="en-US" sz="2400" dirty="0">
+                <a:latin typeface="Amazon Ember" panose="020B0603020204020204" pitchFamily="34" charset="0"/>
+                <a:ea typeface="Amazon Ember" panose="020B0603020204020204" pitchFamily="34" charset="0"/>
+                <a:cs typeface="Amazon Ember" panose="020B0603020204020204" pitchFamily="34" charset="0"/>
+              </a:rPr>
+              <a:t>Quick introduction to the workshop</a:t>
+            </a:r>
+          </a:p>
+          <a:p>
+            <a:pPr marL="342900" indent="-342900">
+              <a:buFont typeface="Arial" panose="020B0604020202020204" pitchFamily="34" charset="0"/>
+              <a:buChar char="•"/>
+            </a:pPr>
+            <a:r>
+              <a:rPr lang="en-US" sz="2400" b="1" dirty="0">
+                <a:latin typeface="Amazon Ember" panose="020B0603020204020204" pitchFamily="34" charset="0"/>
+                <a:ea typeface="Amazon Ember" panose="020B0603020204020204" pitchFamily="34" charset="0"/>
+                <a:cs typeface="Amazon Ember" panose="020B0603020204020204" pitchFamily="34" charset="0"/>
+              </a:rPr>
+              <a:t>Module 1: </a:t>
+            </a:r>
+            <a:r>
+              <a:rPr lang="en-US" sz="2400" dirty="0">
+                <a:latin typeface="Amazon Ember" panose="020B0603020204020204" pitchFamily="34" charset="0"/>
+                <a:ea typeface="Amazon Ember" panose="020B0603020204020204" pitchFamily="34" charset="0"/>
+                <a:cs typeface="Amazon Ember" panose="020B0603020204020204" pitchFamily="34" charset="0"/>
+              </a:rPr>
+              <a:t>Environment build and configuration </a:t>
+            </a:r>
+            <a:r>
+              <a:rPr lang="en-US" sz="1200" dirty="0">
+                <a:latin typeface="Amazon Ember" panose="020B0603020204020204" pitchFamily="34" charset="0"/>
+                <a:ea typeface="Amazon Ember" panose="020B0603020204020204" pitchFamily="34" charset="0"/>
+                <a:cs typeface="Amazon Ember" panose="020B0603020204020204" pitchFamily="34" charset="0"/>
+              </a:rPr>
+              <a:t>(15 min)</a:t>
+            </a:r>
+          </a:p>
+          <a:p>
+            <a:pPr marL="800100" lvl="1" indent="-342900">
+              <a:buFont typeface="Arial" panose="020B0604020202020204" pitchFamily="34" charset="0"/>
+              <a:buChar char="•"/>
+            </a:pPr>
+            <a:r>
+              <a:rPr lang="en-US" sz="2400" dirty="0">
+                <a:latin typeface="Amazon Ember" panose="020B0603020204020204" pitchFamily="34" charset="0"/>
+                <a:ea typeface="Amazon Ember" panose="020B0603020204020204" pitchFamily="34" charset="0"/>
+                <a:cs typeface="Amazon Ember" panose="020B0603020204020204" pitchFamily="34" charset="0"/>
+              </a:rPr>
+              <a:t>Run CloudFormation template and some setup</a:t>
+            </a:r>
+          </a:p>
+          <a:p>
+            <a:pPr marL="342900" indent="-342900">
+              <a:buFont typeface="Arial" panose="020B0604020202020204" pitchFamily="34" charset="0"/>
+              <a:buChar char="•"/>
+            </a:pPr>
+            <a:r>
+              <a:rPr lang="en-US" sz="2400" b="1" dirty="0">
+                <a:latin typeface="Amazon Ember" panose="020B0603020204020204" pitchFamily="34" charset="0"/>
+                <a:ea typeface="Amazon Ember" panose="020B0603020204020204" pitchFamily="34" charset="0"/>
+                <a:cs typeface="Amazon Ember" panose="020B0603020204020204" pitchFamily="34" charset="0"/>
+              </a:rPr>
+              <a:t>Module 2: </a:t>
+            </a:r>
+            <a:r>
+              <a:rPr lang="en-US" sz="2400" dirty="0">
+                <a:latin typeface="Amazon Ember" panose="020B0603020204020204" pitchFamily="34" charset="0"/>
+                <a:ea typeface="Amazon Ember" panose="020B0603020204020204" pitchFamily="34" charset="0"/>
+                <a:cs typeface="Amazon Ember" panose="020B0603020204020204" pitchFamily="34" charset="0"/>
+              </a:rPr>
+              <a:t>Attack simulation and detection </a:t>
+            </a:r>
+            <a:r>
+              <a:rPr lang="en-US" sz="1200" dirty="0">
+                <a:latin typeface="Amazon Ember" panose="020B0603020204020204" pitchFamily="34" charset="0"/>
+                <a:ea typeface="Amazon Ember" panose="020B0603020204020204" pitchFamily="34" charset="0"/>
+                <a:cs typeface="Amazon Ember" panose="020B0603020204020204" pitchFamily="34" charset="0"/>
+              </a:rPr>
+              <a:t>(25 min)</a:t>
+            </a:r>
+          </a:p>
+          <a:p>
+            <a:pPr marL="800100" lvl="1" indent="-342900">
+              <a:buFont typeface="Arial" panose="020B0604020202020204" pitchFamily="34" charset="0"/>
+              <a:buChar char="•"/>
+            </a:pPr>
+            <a:r>
+              <a:rPr lang="en-US" sz="2400" dirty="0">
+                <a:latin typeface="Amazon Ember" panose="020B0603020204020204" pitchFamily="34" charset="0"/>
+                <a:ea typeface="Amazon Ember" panose="020B0603020204020204" pitchFamily="34" charset="0"/>
+                <a:cs typeface="Amazon Ember" panose="020B0603020204020204" pitchFamily="34" charset="0"/>
+              </a:rPr>
+              <a:t>Run CloudFormation template, followed by presentation</a:t>
+            </a:r>
+          </a:p>
+          <a:p>
+            <a:pPr marL="342900" indent="-342900">
+              <a:buFont typeface="Arial" panose="020B0604020202020204" pitchFamily="34" charset="0"/>
+              <a:buChar char="•"/>
+            </a:pPr>
+            <a:r>
+              <a:rPr lang="en-US" sz="2400" b="1" dirty="0">
+                <a:latin typeface="Amazon Ember" panose="020B0603020204020204" pitchFamily="34" charset="0"/>
+                <a:ea typeface="Amazon Ember" panose="020B0603020204020204" pitchFamily="34" charset="0"/>
+                <a:cs typeface="Amazon Ember" panose="020B0603020204020204" pitchFamily="34" charset="0"/>
+              </a:rPr>
+              <a:t>Module 3: </a:t>
+            </a:r>
+            <a:r>
+              <a:rPr lang="en-US" sz="2400" dirty="0">
+                <a:latin typeface="Amazon Ember" panose="020B0603020204020204" pitchFamily="34" charset="0"/>
+                <a:ea typeface="Amazon Ember" panose="020B0603020204020204" pitchFamily="34" charset="0"/>
+                <a:cs typeface="Amazon Ember" panose="020B0603020204020204" pitchFamily="34" charset="0"/>
+              </a:rPr>
+              <a:t>Forensics and remediation </a:t>
+            </a:r>
+            <a:r>
+              <a:rPr lang="en-US" sz="1200" dirty="0">
+                <a:latin typeface="Amazon Ember" panose="020B0603020204020204" pitchFamily="34" charset="0"/>
+                <a:ea typeface="Amazon Ember" panose="020B0603020204020204" pitchFamily="34" charset="0"/>
+                <a:cs typeface="Amazon Ember" panose="020B0603020204020204" pitchFamily="34" charset="0"/>
+              </a:rPr>
+              <a:t>(45 min)</a:t>
+            </a:r>
+          </a:p>
+          <a:p>
+            <a:pPr marL="800100" lvl="1" indent="-342900">
+              <a:buFont typeface="Arial" panose="020B0604020202020204" pitchFamily="34" charset="0"/>
+              <a:buChar char="•"/>
+            </a:pPr>
+            <a:r>
+              <a:rPr lang="en-US" sz="2400" dirty="0">
+                <a:latin typeface="Amazon Ember" panose="020B0603020204020204" pitchFamily="34" charset="0"/>
+                <a:ea typeface="Amazon Ember" panose="020B0603020204020204" pitchFamily="34" charset="0"/>
+                <a:cs typeface="Amazon Ember" panose="020B0603020204020204" pitchFamily="34" charset="0"/>
+              </a:rPr>
+              <a:t>Investigate and respond to the attack</a:t>
+            </a:r>
+          </a:p>
+          <a:p>
+            <a:pPr marL="342900" indent="-342900">
+              <a:buFont typeface="Arial" panose="020B0604020202020204" pitchFamily="34" charset="0"/>
+              <a:buChar char="•"/>
+            </a:pPr>
+            <a:r>
+              <a:rPr lang="en-US" sz="2400" b="1" dirty="0">
+                <a:latin typeface="Amazon Ember" panose="020B0603020204020204" pitchFamily="34" charset="0"/>
+                <a:ea typeface="Amazon Ember" panose="020B0603020204020204" pitchFamily="34" charset="0"/>
+                <a:cs typeface="Amazon Ember" panose="020B0603020204020204" pitchFamily="34" charset="0"/>
+              </a:rPr>
+              <a:t>Module 4: </a:t>
+            </a:r>
+            <a:r>
+              <a:rPr lang="en-US" sz="2400" dirty="0">
+                <a:latin typeface="Amazon Ember" panose="020B0603020204020204" pitchFamily="34" charset="0"/>
+                <a:ea typeface="Amazon Ember" panose="020B0603020204020204" pitchFamily="34" charset="0"/>
+                <a:cs typeface="Amazon Ember" panose="020B0603020204020204" pitchFamily="34" charset="0"/>
+              </a:rPr>
+              <a:t>Review and discussion </a:t>
+            </a:r>
+            <a:r>
+              <a:rPr lang="en-US" sz="1200" dirty="0">
+                <a:latin typeface="Amazon Ember" panose="020B0603020204020204" pitchFamily="34" charset="0"/>
+                <a:ea typeface="Amazon Ember" panose="020B0603020204020204" pitchFamily="34" charset="0"/>
+                <a:cs typeface="Amazon Ember" panose="020B0603020204020204" pitchFamily="34" charset="0"/>
+              </a:rPr>
+              <a:t>(15 min)</a:t>
+            </a:r>
+          </a:p>
+          <a:p>
+            <a:pPr marL="800100" lvl="1" indent="-342900">
+              <a:buFont typeface="Arial" panose="020B0604020202020204" pitchFamily="34" charset="0"/>
+              <a:buChar char="•"/>
+            </a:pPr>
+            <a:r>
+              <a:rPr lang="en-US" sz="2400" dirty="0">
+                <a:latin typeface="Amazon Ember" panose="020B0603020204020204" pitchFamily="34" charset="0"/>
+                <a:ea typeface="Amazon Ember" panose="020B0603020204020204" pitchFamily="34" charset="0"/>
+                <a:cs typeface="Amazon Ember" panose="020B0603020204020204" pitchFamily="34" charset="0"/>
+              </a:rPr>
+              <a:t>Presentation / group Q&amp;A</a:t>
+            </a:r>
+          </a:p>
+          <a:p>
+            <a:pPr marL="800100" lvl="1" indent="-342900">
+              <a:buFont typeface="Arial" panose="020B0604020202020204" pitchFamily="34" charset="0"/>
+              <a:buChar char="•"/>
+            </a:pPr>
+            <a:r>
+              <a:rPr lang="en-US" sz="2400" dirty="0">
+                <a:latin typeface="Amazon Ember" panose="020B0603020204020204" pitchFamily="34" charset="0"/>
+                <a:ea typeface="Amazon Ember" panose="020B0603020204020204" pitchFamily="34" charset="0"/>
+                <a:cs typeface="Amazon Ember" panose="020B0603020204020204" pitchFamily="34" charset="0"/>
+              </a:rPr>
+              <a:t>Cleanup</a:t>
+            </a:r>
+          </a:p>
+          <a:p>
+            <a:pPr marL="342900" indent="-342900">
+              <a:buFont typeface="Arial" panose="020B0604020202020204" pitchFamily="34" charset="0"/>
+              <a:buChar char="•"/>
+            </a:pPr>
+            <a:endParaRPr lang="en-US" sz="2400" dirty="0">
+              <a:latin typeface="Amazon Ember" panose="020B0603020204020204" pitchFamily="34" charset="0"/>
+              <a:ea typeface="Amazon Ember" panose="020B0603020204020204" pitchFamily="34" charset="0"/>
+              <a:cs typeface="Amazon Ember" panose="020B0603020204020204" pitchFamily="34" charset="0"/>
+            </a:endParaRPr>
+          </a:p>
+        </p:txBody>
+      </p:sp>
+    </p:spTree>
+    <p:extLst>
+      <p:ext uri="{BB962C8B-B14F-4D97-AF65-F5344CB8AC3E}">
+        <p14:creationId xmlns:p14="http://schemas.microsoft.com/office/powerpoint/2010/main" val="265111561"/>
+      </p:ext>
+    </p:extLst>
+  </p:cSld>
+  <p:clrMapOvr>
+    <a:masterClrMapping/>
+  </p:clrMapOvr>
+</p:sld>
+</file>
+
+<file path=ppt/slides/slide40.xml><?xml version="1.0" encoding="utf-8"?>
 <p:sld xmlns:a="http://schemas.openxmlformats.org/drawingml/2006/main" xmlns:r="http://schemas.openxmlformats.org/officeDocument/2006/relationships" xmlns:p="http://schemas.openxmlformats.org/presentationml/2006/main">
   <p:cSld>
     <p:spTree>
@@ -51210,302 +51945,7 @@
 </p:sld>
 </file>
 
-<file path=ppt/slides/slide4.xml><?xml version="1.0" encoding="utf-8"?>
-<p:sld xmlns:a="http://schemas.openxmlformats.org/drawingml/2006/main" xmlns:r="http://schemas.openxmlformats.org/officeDocument/2006/relationships" xmlns:p="http://schemas.openxmlformats.org/presentationml/2006/main">
-  <p:cSld>
-    <p:spTree>
-      <p:nvGrpSpPr>
-        <p:cNvPr id="1" name=""/>
-        <p:cNvGrpSpPr/>
-        <p:nvPr/>
-      </p:nvGrpSpPr>
-      <p:grpSpPr>
-        <a:xfrm>
-          <a:off x="0" y="0"/>
-          <a:ext cx="0" cy="0"/>
-          <a:chOff x="0" y="0"/>
-          <a:chExt cx="0" cy="0"/>
-        </a:xfrm>
-      </p:grpSpPr>
-      <p:sp>
-        <p:nvSpPr>
-          <p:cNvPr id="2" name="Title 1"/>
-          <p:cNvSpPr>
-            <a:spLocks noGrp="1"/>
-          </p:cNvSpPr>
-          <p:nvPr>
-            <p:ph type="title"/>
-          </p:nvPr>
-        </p:nvSpPr>
-        <p:spPr/>
-        <p:txBody>
-          <a:bodyPr/>
-          <a:lstStyle/>
-          <a:p>
-            <a:r>
-              <a:rPr lang="en-US" dirty="0"/>
-              <a:t>Workshop agenda</a:t>
-            </a:r>
-          </a:p>
-        </p:txBody>
-      </p:sp>
-      <p:sp>
-        <p:nvSpPr>
-          <p:cNvPr id="3" name="Rectangle 2">
-            <a:extLst>
-              <a:ext uri="{FF2B5EF4-FFF2-40B4-BE49-F238E27FC236}">
-                <a16:creationId xmlns:a16="http://schemas.microsoft.com/office/drawing/2014/main" id="{2CA723A6-34B2-C34A-8F53-131660EDCD8A}"/>
-              </a:ext>
-            </a:extLst>
-          </p:cNvPr>
-          <p:cNvSpPr/>
-          <p:nvPr/>
-        </p:nvSpPr>
-        <p:spPr>
-          <a:xfrm>
-            <a:off x="779994" y="660128"/>
-            <a:ext cx="7987990" cy="4524315"/>
-          </a:xfrm>
-          <a:prstGeom prst="rect">
-            <a:avLst/>
-          </a:prstGeom>
-        </p:spPr>
-        <p:txBody>
-          <a:bodyPr wrap="square">
-            <a:spAutoFit/>
-          </a:bodyPr>
-          <a:lstStyle/>
-          <a:p>
-            <a:pPr marL="342900" indent="-342900">
-              <a:buFont typeface="Arial" panose="020B0604020202020204" pitchFamily="34" charset="0"/>
-              <a:buChar char="•"/>
-            </a:pPr>
-            <a:r>
-              <a:rPr lang="en-US" sz="2400" dirty="0">
-                <a:latin typeface="Amazon Ember" panose="020B0603020204020204" pitchFamily="34" charset="0"/>
-                <a:ea typeface="Amazon Ember" panose="020B0603020204020204" pitchFamily="34" charset="0"/>
-                <a:cs typeface="Amazon Ember" panose="020B0603020204020204" pitchFamily="34" charset="0"/>
-              </a:rPr>
-              <a:t>Quick introduction to the workshop</a:t>
-            </a:r>
-          </a:p>
-          <a:p>
-            <a:pPr marL="342900" indent="-342900">
-              <a:buFont typeface="Arial" panose="020B0604020202020204" pitchFamily="34" charset="0"/>
-              <a:buChar char="•"/>
-            </a:pPr>
-            <a:r>
-              <a:rPr lang="en-US" sz="2400" b="1" dirty="0">
-                <a:latin typeface="Amazon Ember" panose="020B0603020204020204" pitchFamily="34" charset="0"/>
-                <a:ea typeface="Amazon Ember" panose="020B0603020204020204" pitchFamily="34" charset="0"/>
-                <a:cs typeface="Amazon Ember" panose="020B0603020204020204" pitchFamily="34" charset="0"/>
-              </a:rPr>
-              <a:t>Module 1: </a:t>
-            </a:r>
-            <a:r>
-              <a:rPr lang="en-US" sz="2400" dirty="0">
-                <a:latin typeface="Amazon Ember" panose="020B0603020204020204" pitchFamily="34" charset="0"/>
-                <a:ea typeface="Amazon Ember" panose="020B0603020204020204" pitchFamily="34" charset="0"/>
-                <a:cs typeface="Amazon Ember" panose="020B0603020204020204" pitchFamily="34" charset="0"/>
-              </a:rPr>
-              <a:t>Environment build and configuration </a:t>
-            </a:r>
-            <a:r>
-              <a:rPr lang="en-US" sz="1200" dirty="0">
-                <a:latin typeface="Amazon Ember" panose="020B0603020204020204" pitchFamily="34" charset="0"/>
-                <a:ea typeface="Amazon Ember" panose="020B0603020204020204" pitchFamily="34" charset="0"/>
-                <a:cs typeface="Amazon Ember" panose="020B0603020204020204" pitchFamily="34" charset="0"/>
-              </a:rPr>
-              <a:t>(15 min)</a:t>
-            </a:r>
-          </a:p>
-          <a:p>
-            <a:pPr marL="800100" lvl="1" indent="-342900">
-              <a:buFont typeface="Arial" panose="020B0604020202020204" pitchFamily="34" charset="0"/>
-              <a:buChar char="•"/>
-            </a:pPr>
-            <a:r>
-              <a:rPr lang="en-US" sz="2400" dirty="0">
-                <a:latin typeface="Amazon Ember" panose="020B0603020204020204" pitchFamily="34" charset="0"/>
-                <a:ea typeface="Amazon Ember" panose="020B0603020204020204" pitchFamily="34" charset="0"/>
-                <a:cs typeface="Amazon Ember" panose="020B0603020204020204" pitchFamily="34" charset="0"/>
-              </a:rPr>
-              <a:t>Run CloudFormation template and some setup</a:t>
-            </a:r>
-          </a:p>
-          <a:p>
-            <a:pPr marL="342900" indent="-342900">
-              <a:buFont typeface="Arial" panose="020B0604020202020204" pitchFamily="34" charset="0"/>
-              <a:buChar char="•"/>
-            </a:pPr>
-            <a:r>
-              <a:rPr lang="en-US" sz="2400" b="1" dirty="0">
-                <a:latin typeface="Amazon Ember" panose="020B0603020204020204" pitchFamily="34" charset="0"/>
-                <a:ea typeface="Amazon Ember" panose="020B0603020204020204" pitchFamily="34" charset="0"/>
-                <a:cs typeface="Amazon Ember" panose="020B0603020204020204" pitchFamily="34" charset="0"/>
-              </a:rPr>
-              <a:t>Module 2: </a:t>
-            </a:r>
-            <a:r>
-              <a:rPr lang="en-US" sz="2400" dirty="0">
-                <a:latin typeface="Amazon Ember" panose="020B0603020204020204" pitchFamily="34" charset="0"/>
-                <a:ea typeface="Amazon Ember" panose="020B0603020204020204" pitchFamily="34" charset="0"/>
-                <a:cs typeface="Amazon Ember" panose="020B0603020204020204" pitchFamily="34" charset="0"/>
-              </a:rPr>
-              <a:t>Attack simulation and detection </a:t>
-            </a:r>
-            <a:r>
-              <a:rPr lang="en-US" sz="1200" dirty="0">
-                <a:latin typeface="Amazon Ember" panose="020B0603020204020204" pitchFamily="34" charset="0"/>
-                <a:ea typeface="Amazon Ember" panose="020B0603020204020204" pitchFamily="34" charset="0"/>
-                <a:cs typeface="Amazon Ember" panose="020B0603020204020204" pitchFamily="34" charset="0"/>
-              </a:rPr>
-              <a:t>(25 min)</a:t>
-            </a:r>
-          </a:p>
-          <a:p>
-            <a:pPr marL="800100" lvl="1" indent="-342900">
-              <a:buFont typeface="Arial" panose="020B0604020202020204" pitchFamily="34" charset="0"/>
-              <a:buChar char="•"/>
-            </a:pPr>
-            <a:r>
-              <a:rPr lang="en-US" sz="2400" dirty="0">
-                <a:latin typeface="Amazon Ember" panose="020B0603020204020204" pitchFamily="34" charset="0"/>
-                <a:ea typeface="Amazon Ember" panose="020B0603020204020204" pitchFamily="34" charset="0"/>
-                <a:cs typeface="Amazon Ember" panose="020B0603020204020204" pitchFamily="34" charset="0"/>
-              </a:rPr>
-              <a:t>Run CloudFormation template, followed by presentation</a:t>
-            </a:r>
-          </a:p>
-          <a:p>
-            <a:pPr marL="342900" indent="-342900">
-              <a:buFont typeface="Arial" panose="020B0604020202020204" pitchFamily="34" charset="0"/>
-              <a:buChar char="•"/>
-            </a:pPr>
-            <a:r>
-              <a:rPr lang="en-US" sz="2400" b="1" dirty="0">
-                <a:latin typeface="Amazon Ember" panose="020B0603020204020204" pitchFamily="34" charset="0"/>
-                <a:ea typeface="Amazon Ember" panose="020B0603020204020204" pitchFamily="34" charset="0"/>
-                <a:cs typeface="Amazon Ember" panose="020B0603020204020204" pitchFamily="34" charset="0"/>
-              </a:rPr>
-              <a:t>Module 3: </a:t>
-            </a:r>
-            <a:r>
-              <a:rPr lang="en-US" sz="2400" dirty="0">
-                <a:latin typeface="Amazon Ember" panose="020B0603020204020204" pitchFamily="34" charset="0"/>
-                <a:ea typeface="Amazon Ember" panose="020B0603020204020204" pitchFamily="34" charset="0"/>
-                <a:cs typeface="Amazon Ember" panose="020B0603020204020204" pitchFamily="34" charset="0"/>
-              </a:rPr>
-              <a:t>Forensics and remediation </a:t>
-            </a:r>
-            <a:r>
-              <a:rPr lang="en-US" sz="1200" dirty="0">
-                <a:latin typeface="Amazon Ember" panose="020B0603020204020204" pitchFamily="34" charset="0"/>
-                <a:ea typeface="Amazon Ember" panose="020B0603020204020204" pitchFamily="34" charset="0"/>
-                <a:cs typeface="Amazon Ember" panose="020B0603020204020204" pitchFamily="34" charset="0"/>
-              </a:rPr>
-              <a:t>(45 min)</a:t>
-            </a:r>
-          </a:p>
-          <a:p>
-            <a:pPr marL="800100" lvl="1" indent="-342900">
-              <a:buFont typeface="Arial" panose="020B0604020202020204" pitchFamily="34" charset="0"/>
-              <a:buChar char="•"/>
-            </a:pPr>
-            <a:r>
-              <a:rPr lang="en-US" sz="2400" dirty="0">
-                <a:latin typeface="Amazon Ember" panose="020B0603020204020204" pitchFamily="34" charset="0"/>
-                <a:ea typeface="Amazon Ember" panose="020B0603020204020204" pitchFamily="34" charset="0"/>
-                <a:cs typeface="Amazon Ember" panose="020B0603020204020204" pitchFamily="34" charset="0"/>
-              </a:rPr>
-              <a:t>Investigate and respond to the attack</a:t>
-            </a:r>
-          </a:p>
-          <a:p>
-            <a:pPr marL="342900" indent="-342900">
-              <a:buFont typeface="Arial" panose="020B0604020202020204" pitchFamily="34" charset="0"/>
-              <a:buChar char="•"/>
-            </a:pPr>
-            <a:r>
-              <a:rPr lang="en-US" sz="2400" b="1" dirty="0">
-                <a:latin typeface="Amazon Ember" panose="020B0603020204020204" pitchFamily="34" charset="0"/>
-                <a:ea typeface="Amazon Ember" panose="020B0603020204020204" pitchFamily="34" charset="0"/>
-                <a:cs typeface="Amazon Ember" panose="020B0603020204020204" pitchFamily="34" charset="0"/>
-              </a:rPr>
-              <a:t>Module 4: </a:t>
-            </a:r>
-            <a:r>
-              <a:rPr lang="en-US" sz="2400" dirty="0">
-                <a:latin typeface="Amazon Ember" panose="020B0603020204020204" pitchFamily="34" charset="0"/>
-                <a:ea typeface="Amazon Ember" panose="020B0603020204020204" pitchFamily="34" charset="0"/>
-                <a:cs typeface="Amazon Ember" panose="020B0603020204020204" pitchFamily="34" charset="0"/>
-              </a:rPr>
-              <a:t>Review and discussion </a:t>
-            </a:r>
-            <a:r>
-              <a:rPr lang="en-US" sz="1200" dirty="0">
-                <a:latin typeface="Amazon Ember" panose="020B0603020204020204" pitchFamily="34" charset="0"/>
-                <a:ea typeface="Amazon Ember" panose="020B0603020204020204" pitchFamily="34" charset="0"/>
-                <a:cs typeface="Amazon Ember" panose="020B0603020204020204" pitchFamily="34" charset="0"/>
-              </a:rPr>
-              <a:t>(15 min)</a:t>
-            </a:r>
-          </a:p>
-          <a:p>
-            <a:pPr marL="800100" lvl="1" indent="-342900">
-              <a:buFont typeface="Arial" panose="020B0604020202020204" pitchFamily="34" charset="0"/>
-              <a:buChar char="•"/>
-            </a:pPr>
-            <a:r>
-              <a:rPr lang="en-US" sz="2400" dirty="0">
-                <a:latin typeface="Amazon Ember" panose="020B0603020204020204" pitchFamily="34" charset="0"/>
-                <a:ea typeface="Amazon Ember" panose="020B0603020204020204" pitchFamily="34" charset="0"/>
-                <a:cs typeface="Amazon Ember" panose="020B0603020204020204" pitchFamily="34" charset="0"/>
-              </a:rPr>
-              <a:t>Presentation / group Q&amp;A</a:t>
-            </a:r>
-          </a:p>
-          <a:p>
-            <a:pPr marL="800100" lvl="1" indent="-342900">
-              <a:buFont typeface="Arial" panose="020B0604020202020204" pitchFamily="34" charset="0"/>
-              <a:buChar char="•"/>
-            </a:pPr>
-            <a:r>
-              <a:rPr lang="en-US" sz="2400" dirty="0">
-                <a:latin typeface="Amazon Ember" panose="020B0603020204020204" pitchFamily="34" charset="0"/>
-                <a:ea typeface="Amazon Ember" panose="020B0603020204020204" pitchFamily="34" charset="0"/>
-                <a:cs typeface="Amazon Ember" panose="020B0603020204020204" pitchFamily="34" charset="0"/>
-              </a:rPr>
-              <a:t>Cleanup</a:t>
-            </a:r>
-          </a:p>
-          <a:p>
-            <a:pPr marL="342900" indent="-342900">
-              <a:buFont typeface="Arial" panose="020B0604020202020204" pitchFamily="34" charset="0"/>
-              <a:buChar char="•"/>
-            </a:pPr>
-            <a:endParaRPr lang="en-US" sz="2400" dirty="0">
-              <a:latin typeface="Amazon Ember" panose="020B0603020204020204" pitchFamily="34" charset="0"/>
-              <a:ea typeface="Amazon Ember" panose="020B0603020204020204" pitchFamily="34" charset="0"/>
-              <a:cs typeface="Amazon Ember" panose="020B0603020204020204" pitchFamily="34" charset="0"/>
-            </a:endParaRPr>
-          </a:p>
-        </p:txBody>
-      </p:sp>
-    </p:spTree>
-    <p:extLst>
-      <p:ext uri="{BB962C8B-B14F-4D97-AF65-F5344CB8AC3E}">
-        <p14:creationId xmlns:p14="http://schemas.microsoft.com/office/powerpoint/2010/main" val="265111561"/>
-      </p:ext>
-    </p:extLst>
-  </p:cSld>
-  <p:clrMapOvr>
-    <a:masterClrMapping/>
-  </p:clrMapOvr>
-</p:sld>
-</file>
-
-<file path=ppt/slides/slide40.xml><?xml version="1.0" encoding="utf-8"?>
+<file path=ppt/slides/slide41.xml><?xml version="1.0" encoding="utf-8"?>
 <p:sld xmlns:a="http://schemas.openxmlformats.org/drawingml/2006/main" xmlns:r="http://schemas.openxmlformats.org/officeDocument/2006/relationships" xmlns:p="http://schemas.openxmlformats.org/presentationml/2006/main">
   <p:cSld>
     <p:spTree>
@@ -51765,7 +52205,7 @@
 </p:sld>
 </file>
 
-<file path=ppt/slides/slide41.xml><?xml version="1.0" encoding="utf-8"?>
+<file path=ppt/slides/slide42.xml><?xml version="1.0" encoding="utf-8"?>
 <p:sld xmlns:a="http://schemas.openxmlformats.org/drawingml/2006/main" xmlns:r="http://schemas.openxmlformats.org/officeDocument/2006/relationships" xmlns:p="http://schemas.openxmlformats.org/presentationml/2006/main" show="0">
   <p:cSld>
     <p:spTree>
@@ -52223,7 +52663,7 @@
 </p:sld>
 </file>
 
-<file path=ppt/slides/slide42.xml><?xml version="1.0" encoding="utf-8"?>
+<file path=ppt/slides/slide43.xml><?xml version="1.0" encoding="utf-8"?>
 <p:sld xmlns:a="http://schemas.openxmlformats.org/drawingml/2006/main" xmlns:r="http://schemas.openxmlformats.org/officeDocument/2006/relationships" xmlns:p="http://schemas.openxmlformats.org/presentationml/2006/main">
   <p:cSld>
     <p:spTree>
@@ -52279,7 +52719,7 @@
 </p:sld>
 </file>
 
-<file path=ppt/slides/slide43.xml><?xml version="1.0" encoding="utf-8"?>
+<file path=ppt/slides/slide44.xml><?xml version="1.0" encoding="utf-8"?>
 <p:sld xmlns:a="http://schemas.openxmlformats.org/drawingml/2006/main" xmlns:r="http://schemas.openxmlformats.org/officeDocument/2006/relationships" xmlns:p="http://schemas.openxmlformats.org/presentationml/2006/main">
   <p:cSld>
     <p:spTree>
@@ -52567,7 +53007,7 @@
 </p:sld>
 </file>
 
-<file path=ppt/slides/slide44.xml><?xml version="1.0" encoding="utf-8"?>
+<file path=ppt/slides/slide45.xml><?xml version="1.0" encoding="utf-8"?>
 <p:sld xmlns:a="http://schemas.openxmlformats.org/drawingml/2006/main" xmlns:r="http://schemas.openxmlformats.org/officeDocument/2006/relationships" xmlns:p="http://schemas.openxmlformats.org/presentationml/2006/main">
   <p:cSld>
     <p:spTree>
@@ -52649,7 +53089,7 @@
 </p:sld>
 </file>
 
-<file path=ppt/slides/slide45.xml><?xml version="1.0" encoding="utf-8"?>
+<file path=ppt/slides/slide46.xml><?xml version="1.0" encoding="utf-8"?>
 <p:sld xmlns:a="http://schemas.openxmlformats.org/drawingml/2006/main" xmlns:r="http://schemas.openxmlformats.org/officeDocument/2006/relationships" xmlns:p="http://schemas.openxmlformats.org/presentationml/2006/main">
   <p:cSld>
     <p:spTree>
@@ -52738,7 +53178,7 @@
 </p:sld>
 </file>
 
-<file path=ppt/slides/slide46.xml><?xml version="1.0" encoding="utf-8"?>
+<file path=ppt/slides/slide47.xml><?xml version="1.0" encoding="utf-8"?>
 <p:sld xmlns:a="http://schemas.openxmlformats.org/drawingml/2006/main" xmlns:r="http://schemas.openxmlformats.org/officeDocument/2006/relationships" xmlns:p="http://schemas.openxmlformats.org/presentationml/2006/main">
   <p:cSld>
     <p:spTree>
@@ -52834,7 +53274,7 @@
 </p:sld>
 </file>
 
-<file path=ppt/slides/slide47.xml><?xml version="1.0" encoding="utf-8"?>
+<file path=ppt/slides/slide48.xml><?xml version="1.0" encoding="utf-8"?>
 <p:sld xmlns:a="http://schemas.openxmlformats.org/drawingml/2006/main" xmlns:r="http://schemas.openxmlformats.org/officeDocument/2006/relationships" xmlns:p="http://schemas.openxmlformats.org/presentationml/2006/main">
   <p:cSld>
     <p:spTree>
@@ -52917,7 +53357,7 @@
 </p:sld>
 </file>
 
-<file path=ppt/slides/slide48.xml><?xml version="1.0" encoding="utf-8"?>
+<file path=ppt/slides/slide49.xml><?xml version="1.0" encoding="utf-8"?>
 <p:sld xmlns:a="http://schemas.openxmlformats.org/drawingml/2006/main" xmlns:r="http://schemas.openxmlformats.org/officeDocument/2006/relationships" xmlns:p="http://schemas.openxmlformats.org/presentationml/2006/main">
   <p:cSld>
     <p:spTree>
@@ -53109,200 +53549,8 @@
 </p:sld>
 </file>
 
-<file path=ppt/slides/slide49.xml><?xml version="1.0" encoding="utf-8"?>
-<p:sld xmlns:a="http://schemas.openxmlformats.org/drawingml/2006/main" xmlns:r="http://schemas.openxmlformats.org/officeDocument/2006/relationships" xmlns:p="http://schemas.openxmlformats.org/presentationml/2006/main">
-  <p:cSld>
-    <p:spTree>
-      <p:nvGrpSpPr>
-        <p:cNvPr id="1" name=""/>
-        <p:cNvGrpSpPr/>
-        <p:nvPr/>
-      </p:nvGrpSpPr>
-      <p:grpSpPr>
-        <a:xfrm>
-          <a:off x="0" y="0"/>
-          <a:ext cx="0" cy="0"/>
-          <a:chOff x="0" y="0"/>
-          <a:chExt cx="0" cy="0"/>
-        </a:xfrm>
-      </p:grpSpPr>
-      <p:sp>
-        <p:nvSpPr>
-          <p:cNvPr id="2" name="Title 1"/>
-          <p:cNvSpPr>
-            <a:spLocks noGrp="1"/>
-          </p:cNvSpPr>
-          <p:nvPr>
-            <p:ph type="title"/>
-          </p:nvPr>
-        </p:nvSpPr>
-        <p:spPr/>
-        <p:txBody>
-          <a:bodyPr/>
-          <a:lstStyle/>
-          <a:p>
-            <a:r>
-              <a:rPr lang="en-US" dirty="0"/>
-              <a:t>Workshop questions</a:t>
-            </a:r>
-          </a:p>
-        </p:txBody>
-      </p:sp>
-      <p:sp>
-        <p:nvSpPr>
-          <p:cNvPr id="3" name="Content Placeholder 2"/>
-          <p:cNvSpPr>
-            <a:spLocks noGrp="1"/>
-          </p:cNvSpPr>
-          <p:nvPr>
-            <p:ph idx="1"/>
-          </p:nvPr>
-        </p:nvSpPr>
-        <p:spPr>
-          <a:xfrm>
-            <a:off x="336788" y="878704"/>
-            <a:ext cx="8454873" cy="3553926"/>
-          </a:xfrm>
-        </p:spPr>
-        <p:txBody>
-          <a:bodyPr/>
-          <a:lstStyle/>
-          <a:p>
-            <a:pPr marL="285750" indent="-285750">
-              <a:buFont typeface="Arial" panose="020B0604020202020204" pitchFamily="34" charset="0"/>
-              <a:buChar char="•"/>
-            </a:pPr>
-            <a:r>
-              <a:rPr lang="en-US" sz="1800" dirty="0">
-                <a:latin typeface="Amazon Ember" panose="020B0603020204020204" pitchFamily="34" charset="0"/>
-                <a:ea typeface="Amazon Ember" panose="020B0603020204020204" pitchFamily="34" charset="0"/>
-                <a:cs typeface="Amazon Ember" panose="020B0603020204020204" pitchFamily="34" charset="0"/>
-              </a:rPr>
-              <a:t>Let’s assume the company policy in this scenario is that EC2 instances running Linux can only use certificate authentication. At some point somebody must have enabled password authentication on the web server.</a:t>
-            </a:r>
-          </a:p>
-          <a:p>
-            <a:pPr marL="285750" indent="-285750">
-              <a:buFont typeface="Arial" panose="020B0604020202020204" pitchFamily="34" charset="0"/>
-              <a:buChar char="•"/>
-            </a:pPr>
-            <a:endParaRPr lang="en-US" sz="1800" dirty="0">
-              <a:latin typeface="Amazon Ember" panose="020B0603020204020204" pitchFamily="34" charset="0"/>
-              <a:ea typeface="Amazon Ember" panose="020B0603020204020204" pitchFamily="34" charset="0"/>
-              <a:cs typeface="Amazon Ember" panose="020B0603020204020204" pitchFamily="34" charset="0"/>
-            </a:endParaRPr>
-          </a:p>
-          <a:p>
-            <a:pPr marL="285750" indent="-285750">
-              <a:buFont typeface="Arial" panose="020B0604020202020204" pitchFamily="34" charset="0"/>
-              <a:buChar char="•"/>
-            </a:pPr>
-            <a:r>
-              <a:rPr lang="en-US" sz="1800" dirty="0">
-                <a:latin typeface="Amazon Ember" panose="020B0603020204020204" pitchFamily="34" charset="0"/>
-                <a:ea typeface="Amazon Ember" panose="020B0603020204020204" pitchFamily="34" charset="0"/>
-                <a:cs typeface="Amazon Ember" panose="020B0603020204020204" pitchFamily="34" charset="0"/>
-              </a:rPr>
-              <a:t>How could you determine when this was changed and by whom?</a:t>
-            </a:r>
-            <a:endParaRPr lang="en-US" sz="1800" dirty="0"/>
-          </a:p>
-        </p:txBody>
-      </p:sp>
-    </p:spTree>
-    <p:extLst>
-      <p:ext uri="{BB962C8B-B14F-4D97-AF65-F5344CB8AC3E}">
-        <p14:creationId xmlns:p14="http://schemas.microsoft.com/office/powerpoint/2010/main" val="2016577891"/>
-      </p:ext>
-    </p:extLst>
-  </p:cSld>
-  <p:clrMapOvr>
-    <a:masterClrMapping/>
-  </p:clrMapOvr>
-  <p:timing>
-    <p:tnLst>
-      <p:par>
-        <p:cTn id="1" dur="indefinite" restart="never" nodeType="tmRoot">
-          <p:childTnLst>
-            <p:seq concurrent="1" nextAc="seek">
-              <p:cTn id="2" dur="indefinite" nodeType="mainSeq">
-                <p:childTnLst>
-                  <p:par>
-                    <p:cTn id="3" fill="hold">
-                      <p:stCondLst>
-                        <p:cond delay="indefinite"/>
-                      </p:stCondLst>
-                      <p:childTnLst>
-                        <p:par>
-                          <p:cTn id="4" fill="hold">
-                            <p:stCondLst>
-                              <p:cond delay="0"/>
-                            </p:stCondLst>
-                            <p:childTnLst>
-                              <p:par>
-                                <p:cTn id="5" presetID="1" presetClass="entr" presetSubtype="0" fill="hold" nodeType="clickEffect">
-                                  <p:stCondLst>
-                                    <p:cond delay="0"/>
-                                  </p:stCondLst>
-                                  <p:childTnLst>
-                                    <p:set>
-                                      <p:cBhvr>
-                                        <p:cTn id="6" dur="1" fill="hold">
-                                          <p:stCondLst>
-                                            <p:cond delay="0"/>
-                                          </p:stCondLst>
-                                        </p:cTn>
-                                        <p:tgtEl>
-                                          <p:spTgt spid="3">
-                                            <p:txEl>
-                                              <p:pRg st="2" end="2"/>
-                                            </p:txEl>
-                                          </p:spTgt>
-                                        </p:tgtEl>
-                                        <p:attrNameLst>
-                                          <p:attrName>style.visibility</p:attrName>
-                                        </p:attrNameLst>
-                                      </p:cBhvr>
-                                      <p:to>
-                                        <p:strVal val="visible"/>
-                                      </p:to>
-                                    </p:set>
-                                  </p:childTnLst>
-                                </p:cTn>
-                              </p:par>
-                            </p:childTnLst>
-                          </p:cTn>
-                        </p:par>
-                      </p:childTnLst>
-                    </p:cTn>
-                  </p:par>
-                </p:childTnLst>
-              </p:cTn>
-              <p:prevCondLst>
-                <p:cond evt="onPrev" delay="0">
-                  <p:tgtEl>
-                    <p:sldTgt/>
-                  </p:tgtEl>
-                </p:cond>
-              </p:prevCondLst>
-              <p:nextCondLst>
-                <p:cond evt="onNext" delay="0">
-                  <p:tgtEl>
-                    <p:sldTgt/>
-                  </p:tgtEl>
-                </p:cond>
-              </p:nextCondLst>
-            </p:seq>
-          </p:childTnLst>
-        </p:cTn>
-      </p:par>
-    </p:tnLst>
-  </p:timing>
-</p:sld>
-</file>
-
 <file path=ppt/slides/slide5.xml><?xml version="1.0" encoding="utf-8"?>
-<p:sld xmlns:a="http://schemas.openxmlformats.org/drawingml/2006/main" xmlns:r="http://schemas.openxmlformats.org/officeDocument/2006/relationships" xmlns:p="http://schemas.openxmlformats.org/presentationml/2006/main">
+<p:sld xmlns:a="http://schemas.openxmlformats.org/drawingml/2006/main" xmlns:r="http://schemas.openxmlformats.org/officeDocument/2006/relationships" xmlns:p="http://schemas.openxmlformats.org/presentationml/2006/main" show="0">
   <p:cSld>
     <p:spTree>
       <p:nvGrpSpPr>
@@ -53541,8 +53789,8 @@
         </p:nvSpPr>
         <p:spPr>
           <a:xfrm>
-            <a:off x="336789" y="878704"/>
-            <a:ext cx="8205304" cy="3553926"/>
+            <a:off x="336788" y="878704"/>
+            <a:ext cx="8454873" cy="3553926"/>
           </a:xfrm>
         </p:spPr>
         <p:txBody>
@@ -53554,8 +53802,12 @@
               <a:buChar char="•"/>
             </a:pPr>
             <a:r>
-              <a:rPr lang="en-US" sz="1800" dirty="0"/>
-              <a:t>Would you consider a single SSH brute force attack finding by itself be enough to kick off an automated action to add an ACL to block the source of the attack? </a:t>
+              <a:rPr lang="en-US" sz="1800" dirty="0">
+                <a:latin typeface="Amazon Ember" panose="020B0603020204020204" pitchFamily="34" charset="0"/>
+                <a:ea typeface="Amazon Ember" panose="020B0603020204020204" pitchFamily="34" charset="0"/>
+                <a:cs typeface="Amazon Ember" panose="020B0603020204020204" pitchFamily="34" charset="0"/>
+              </a:rPr>
+              <a:t>Let’s assume the company policy in this scenario is that EC2 instances running Linux can only use certificate authentication. At some point somebody must have enabled password authentication on the web server.</a:t>
             </a:r>
           </a:p>
           <a:p>
@@ -53563,7 +53815,11 @@
               <a:buFont typeface="Arial" panose="020B0604020202020204" pitchFamily="34" charset="0"/>
               <a:buChar char="•"/>
             </a:pPr>
-            <a:endParaRPr lang="en-US" sz="1800" dirty="0"/>
+            <a:endParaRPr lang="en-US" sz="1800" dirty="0">
+              <a:latin typeface="Amazon Ember" panose="020B0603020204020204" pitchFamily="34" charset="0"/>
+              <a:ea typeface="Amazon Ember" panose="020B0603020204020204" pitchFamily="34" charset="0"/>
+              <a:cs typeface="Amazon Ember" panose="020B0603020204020204" pitchFamily="34" charset="0"/>
+            </a:endParaRPr>
           </a:p>
           <a:p>
             <a:pPr marL="285750" indent="-285750">
@@ -53571,16 +53827,21 @@
               <a:buChar char="•"/>
             </a:pPr>
             <a:r>
-              <a:rPr lang="en-US" sz="1800" dirty="0"/>
-              <a:t>What combination of data points regarding a threat would lead you to consider automatically terminating a compromised instance?</a:t>
-            </a:r>
+              <a:rPr lang="en-US" sz="1800" dirty="0">
+                <a:latin typeface="Amazon Ember" panose="020B0603020204020204" pitchFamily="34" charset="0"/>
+                <a:ea typeface="Amazon Ember" panose="020B0603020204020204" pitchFamily="34" charset="0"/>
+                <a:cs typeface="Amazon Ember" panose="020B0603020204020204" pitchFamily="34" charset="0"/>
+              </a:rPr>
+              <a:t>How could you determine when this was changed and by whom?</a:t>
+            </a:r>
+            <a:endParaRPr lang="en-US" sz="1800" dirty="0"/>
           </a:p>
         </p:txBody>
       </p:sp>
     </p:spTree>
     <p:extLst>
       <p:ext uri="{BB962C8B-B14F-4D97-AF65-F5344CB8AC3E}">
-        <p14:creationId xmlns:p14="http://schemas.microsoft.com/office/powerpoint/2010/main" val="3878875151"/>
+        <p14:creationId xmlns:p14="http://schemas.microsoft.com/office/powerpoint/2010/main" val="2016577891"/>
       </p:ext>
     </p:extLst>
   </p:cSld>
@@ -53703,7 +53964,7 @@
           <a:p>
             <a:r>
               <a:rPr lang="en-US" dirty="0"/>
-              <a:t>Call to Action</a:t>
+              <a:t>Workshop questions</a:t>
             </a:r>
           </a:p>
         </p:txBody>
@@ -53734,81 +53995,7 @@
             </a:pPr>
             <a:r>
               <a:rPr lang="en-US" sz="1800" dirty="0"/>
-              <a:t>Enable GuardDuty and examine its findings</a:t>
-            </a:r>
-          </a:p>
-          <a:p>
-            <a:pPr marL="1028700" lvl="1">
-              <a:buFont typeface="Arial" panose="020B0604020202020204" pitchFamily="34" charset="0"/>
-              <a:buChar char="•"/>
-            </a:pPr>
-            <a:r>
-              <a:rPr lang="en-US" sz="1400" dirty="0"/>
-              <a:t>Free for first 30 days</a:t>
-            </a:r>
-          </a:p>
-          <a:p>
-            <a:pPr marL="1028700" lvl="1">
-              <a:buFont typeface="Arial" panose="020B0604020202020204" pitchFamily="34" charset="0"/>
-              <a:buChar char="•"/>
-            </a:pPr>
-            <a:endParaRPr lang="en-US" sz="1400" dirty="0"/>
-          </a:p>
-          <a:p>
-            <a:pPr marL="285750" indent="-285750">
-              <a:buFont typeface="Arial" panose="020B0604020202020204" pitchFamily="34" charset="0"/>
-              <a:buChar char="•"/>
-            </a:pPr>
-            <a:r>
-              <a:rPr lang="en-US" sz="1800" dirty="0"/>
-              <a:t>Develop processes and runbooks for incident response workflows</a:t>
-            </a:r>
-          </a:p>
-          <a:p>
-            <a:pPr marL="1028700" lvl="1">
-              <a:buFont typeface="Arial" panose="020B0604020202020204" pitchFamily="34" charset="0"/>
-              <a:buChar char="•"/>
-            </a:pPr>
-            <a:r>
-              <a:rPr lang="en-US" sz="1400" dirty="0"/>
-              <a:t>Take inventory - understand your environment and business needs</a:t>
-            </a:r>
-          </a:p>
-          <a:p>
-            <a:pPr marL="1028700" lvl="1">
-              <a:buFont typeface="Arial" panose="020B0604020202020204" pitchFamily="34" charset="0"/>
-              <a:buChar char="•"/>
-            </a:pPr>
-            <a:r>
-              <a:rPr lang="en-US" sz="1400" dirty="0"/>
-              <a:t>Processes include forensics and remediation</a:t>
-            </a:r>
-          </a:p>
-          <a:p>
-            <a:pPr marL="1028700" lvl="1">
-              <a:buFont typeface="Arial" panose="020B0604020202020204" pitchFamily="34" charset="0"/>
-              <a:buChar char="•"/>
-            </a:pPr>
-            <a:endParaRPr lang="en-US" sz="1400" dirty="0"/>
-          </a:p>
-          <a:p>
-            <a:pPr marL="285750" indent="-285750">
-              <a:buFont typeface="Arial" panose="020B0604020202020204" pitchFamily="34" charset="0"/>
-              <a:buChar char="•"/>
-            </a:pPr>
-            <a:r>
-              <a:rPr lang="en-US" sz="1800" dirty="0"/>
-              <a:t>Create SIRS to iteratively refine and improve those processes</a:t>
-            </a:r>
-          </a:p>
-          <a:p>
-            <a:pPr marL="1028700" lvl="1">
-              <a:buFont typeface="Arial" panose="020B0604020202020204" pitchFamily="34" charset="0"/>
-              <a:buChar char="•"/>
-            </a:pPr>
-            <a:r>
-              <a:rPr lang="en-US" sz="1400" dirty="0"/>
-              <a:t>SIRS and runbooks are living documents – practice them regularly and consistently</a:t>
+              <a:t>Would you consider a single SSH brute force attack finding by itself be enough to kick off an automated action to add an ACL to block the source of the attack? </a:t>
             </a:r>
           </a:p>
           <a:p>
@@ -53825,38 +54012,100 @@
             </a:pPr>
             <a:r>
               <a:rPr lang="en-US" sz="1800" dirty="0"/>
-              <a:t>Look for opportunities to automate workflows</a:t>
-            </a:r>
-          </a:p>
-          <a:p>
-            <a:pPr marL="1028700" lvl="1">
-              <a:buFont typeface="Arial" panose="020B0604020202020204" pitchFamily="34" charset="0"/>
-              <a:buChar char="•"/>
-            </a:pPr>
-            <a:r>
-              <a:rPr lang="en-US" sz="1400" dirty="0"/>
-              <a:t>Get humans away from data! </a:t>
-            </a:r>
-          </a:p>
-          <a:p>
-            <a:pPr marL="1028700" lvl="1">
-              <a:buFont typeface="Arial" panose="020B0604020202020204" pitchFamily="34" charset="0"/>
-              <a:buChar char="•"/>
-            </a:pPr>
-            <a:endParaRPr lang="en-US" sz="1400" dirty="0"/>
+              <a:t>What combination of data points regarding a threat would lead you to consider automatically terminating a compromised instance?</a:t>
+            </a:r>
           </a:p>
         </p:txBody>
       </p:sp>
     </p:spTree>
     <p:extLst>
       <p:ext uri="{BB962C8B-B14F-4D97-AF65-F5344CB8AC3E}">
-        <p14:creationId xmlns:p14="http://schemas.microsoft.com/office/powerpoint/2010/main" val="410920634"/>
+        <p14:creationId xmlns:p14="http://schemas.microsoft.com/office/powerpoint/2010/main" val="3878875151"/>
       </p:ext>
     </p:extLst>
   </p:cSld>
   <p:clrMapOvr>
     <a:masterClrMapping/>
   </p:clrMapOvr>
+  <p:timing>
+    <p:tnLst>
+      <p:par>
+        <p:cTn id="1" dur="indefinite" restart="never" nodeType="tmRoot">
+          <p:childTnLst>
+            <p:seq concurrent="1" nextAc="seek">
+              <p:cTn id="2" dur="indefinite" nodeType="mainSeq">
+                <p:childTnLst>
+                  <p:par>
+                    <p:cTn id="3" fill="hold">
+                      <p:stCondLst>
+                        <p:cond delay="indefinite"/>
+                      </p:stCondLst>
+                      <p:childTnLst>
+                        <p:par>
+                          <p:cTn id="4" fill="hold">
+                            <p:stCondLst>
+                              <p:cond delay="0"/>
+                            </p:stCondLst>
+                            <p:childTnLst>
+                              <p:par>
+                                <p:cTn id="5" presetID="1" presetClass="entr" presetSubtype="0" fill="hold" nodeType="clickEffect">
+                                  <p:stCondLst>
+                                    <p:cond delay="0"/>
+                                  </p:stCondLst>
+                                  <p:childTnLst>
+                                    <p:set>
+                                      <p:cBhvr>
+                                        <p:cTn id="6" dur="1" fill="hold">
+                                          <p:stCondLst>
+                                            <p:cond delay="0"/>
+                                          </p:stCondLst>
+                                        </p:cTn>
+                                        <p:tgtEl>
+                                          <p:spTgt spid="3">
+                                            <p:txEl>
+                                              <p:pRg st="2" end="2"/>
+                                            </p:txEl>
+                                          </p:spTgt>
+                                        </p:tgtEl>
+                                        <p:attrNameLst>
+                                          <p:attrName>style.visibility</p:attrName>
+                                        </p:attrNameLst>
+                                      </p:cBhvr>
+                                      <p:to>
+                                        <p:strVal val="visible"/>
+                                      </p:to>
+                                    </p:set>
+                                  </p:childTnLst>
+                                </p:cTn>
+                              </p:par>
+                            </p:childTnLst>
+                          </p:cTn>
+                        </p:par>
+                      </p:childTnLst>
+                    </p:cTn>
+                  </p:par>
+                </p:childTnLst>
+              </p:cTn>
+              <p:prevCondLst>
+                <p:cond evt="onPrev" delay="0">
+                  <p:tgtEl>
+                    <p:sldTgt/>
+                  </p:tgtEl>
+                </p:cond>
+              </p:prevCondLst>
+              <p:nextCondLst>
+                <p:cond evt="onNext" delay="0">
+                  <p:tgtEl>
+                    <p:sldTgt/>
+                  </p:tgtEl>
+                </p:cond>
+              </p:nextCondLst>
+            </p:seq>
+          </p:childTnLst>
+        </p:cTn>
+      </p:par>
+    </p:tnLst>
+  </p:timing>
 </p:sld>
 </file>
 
@@ -53894,6 +54143,197 @@
           <a:p>
             <a:r>
               <a:rPr lang="en-US" dirty="0"/>
+              <a:t>Call to Action</a:t>
+            </a:r>
+          </a:p>
+        </p:txBody>
+      </p:sp>
+      <p:sp>
+        <p:nvSpPr>
+          <p:cNvPr id="3" name="Content Placeholder 2"/>
+          <p:cNvSpPr>
+            <a:spLocks noGrp="1"/>
+          </p:cNvSpPr>
+          <p:nvPr>
+            <p:ph idx="1"/>
+          </p:nvPr>
+        </p:nvSpPr>
+        <p:spPr>
+          <a:xfrm>
+            <a:off x="336789" y="878704"/>
+            <a:ext cx="8205304" cy="3553926"/>
+          </a:xfrm>
+        </p:spPr>
+        <p:txBody>
+          <a:bodyPr/>
+          <a:lstStyle/>
+          <a:p>
+            <a:pPr marL="285750" indent="-285750">
+              <a:buFont typeface="Arial" panose="020B0604020202020204" pitchFamily="34" charset="0"/>
+              <a:buChar char="•"/>
+            </a:pPr>
+            <a:r>
+              <a:rPr lang="en-US" sz="1800" dirty="0"/>
+              <a:t>Enable GuardDuty and examine its findings</a:t>
+            </a:r>
+          </a:p>
+          <a:p>
+            <a:pPr marL="1028700" lvl="1">
+              <a:buFont typeface="Arial" panose="020B0604020202020204" pitchFamily="34" charset="0"/>
+              <a:buChar char="•"/>
+            </a:pPr>
+            <a:r>
+              <a:rPr lang="en-US" sz="1400" dirty="0"/>
+              <a:t>Free for first 30 days</a:t>
+            </a:r>
+          </a:p>
+          <a:p>
+            <a:pPr marL="1028700" lvl="1">
+              <a:buFont typeface="Arial" panose="020B0604020202020204" pitchFamily="34" charset="0"/>
+              <a:buChar char="•"/>
+            </a:pPr>
+            <a:endParaRPr lang="en-US" sz="1400" dirty="0"/>
+          </a:p>
+          <a:p>
+            <a:pPr marL="285750" indent="-285750">
+              <a:buFont typeface="Arial" panose="020B0604020202020204" pitchFamily="34" charset="0"/>
+              <a:buChar char="•"/>
+            </a:pPr>
+            <a:r>
+              <a:rPr lang="en-US" sz="1800" dirty="0"/>
+              <a:t>Develop processes and runbooks for incident response workflows</a:t>
+            </a:r>
+          </a:p>
+          <a:p>
+            <a:pPr marL="1028700" lvl="1">
+              <a:buFont typeface="Arial" panose="020B0604020202020204" pitchFamily="34" charset="0"/>
+              <a:buChar char="•"/>
+            </a:pPr>
+            <a:r>
+              <a:rPr lang="en-US" sz="1400" dirty="0"/>
+              <a:t>Take inventory - understand your environment and business needs</a:t>
+            </a:r>
+          </a:p>
+          <a:p>
+            <a:pPr marL="1028700" lvl="1">
+              <a:buFont typeface="Arial" panose="020B0604020202020204" pitchFamily="34" charset="0"/>
+              <a:buChar char="•"/>
+            </a:pPr>
+            <a:r>
+              <a:rPr lang="en-US" sz="1400" dirty="0"/>
+              <a:t>Processes include forensics and remediation</a:t>
+            </a:r>
+          </a:p>
+          <a:p>
+            <a:pPr marL="1028700" lvl="1">
+              <a:buFont typeface="Arial" panose="020B0604020202020204" pitchFamily="34" charset="0"/>
+              <a:buChar char="•"/>
+            </a:pPr>
+            <a:endParaRPr lang="en-US" sz="1400" dirty="0"/>
+          </a:p>
+          <a:p>
+            <a:pPr marL="285750" indent="-285750">
+              <a:buFont typeface="Arial" panose="020B0604020202020204" pitchFamily="34" charset="0"/>
+              <a:buChar char="•"/>
+            </a:pPr>
+            <a:r>
+              <a:rPr lang="en-US" sz="1800" dirty="0"/>
+              <a:t>Create SIRS to iteratively refine and improve those processes</a:t>
+            </a:r>
+          </a:p>
+          <a:p>
+            <a:pPr marL="1028700" lvl="1">
+              <a:buFont typeface="Arial" panose="020B0604020202020204" pitchFamily="34" charset="0"/>
+              <a:buChar char="•"/>
+            </a:pPr>
+            <a:r>
+              <a:rPr lang="en-US" sz="1400" dirty="0"/>
+              <a:t>SIRS and runbooks are living documents – practice them regularly and consistently</a:t>
+            </a:r>
+          </a:p>
+          <a:p>
+            <a:pPr marL="285750" indent="-285750">
+              <a:buFont typeface="Arial" panose="020B0604020202020204" pitchFamily="34" charset="0"/>
+              <a:buChar char="•"/>
+            </a:pPr>
+            <a:endParaRPr lang="en-US" sz="1800" dirty="0"/>
+          </a:p>
+          <a:p>
+            <a:pPr marL="285750" indent="-285750">
+              <a:buFont typeface="Arial" panose="020B0604020202020204" pitchFamily="34" charset="0"/>
+              <a:buChar char="•"/>
+            </a:pPr>
+            <a:r>
+              <a:rPr lang="en-US" sz="1800" dirty="0"/>
+              <a:t>Look for opportunities to automate workflows</a:t>
+            </a:r>
+          </a:p>
+          <a:p>
+            <a:pPr marL="1028700" lvl="1">
+              <a:buFont typeface="Arial" panose="020B0604020202020204" pitchFamily="34" charset="0"/>
+              <a:buChar char="•"/>
+            </a:pPr>
+            <a:r>
+              <a:rPr lang="en-US" sz="1400" dirty="0"/>
+              <a:t>Get humans away from data! </a:t>
+            </a:r>
+          </a:p>
+          <a:p>
+            <a:pPr marL="1028700" lvl="1">
+              <a:buFont typeface="Arial" panose="020B0604020202020204" pitchFamily="34" charset="0"/>
+              <a:buChar char="•"/>
+            </a:pPr>
+            <a:endParaRPr lang="en-US" sz="1400" dirty="0"/>
+          </a:p>
+        </p:txBody>
+      </p:sp>
+    </p:spTree>
+    <p:extLst>
+      <p:ext uri="{BB962C8B-B14F-4D97-AF65-F5344CB8AC3E}">
+        <p14:creationId xmlns:p14="http://schemas.microsoft.com/office/powerpoint/2010/main" val="410920634"/>
+      </p:ext>
+    </p:extLst>
+  </p:cSld>
+  <p:clrMapOvr>
+    <a:masterClrMapping/>
+  </p:clrMapOvr>
+</p:sld>
+</file>
+
+<file path=ppt/slides/slide53.xml><?xml version="1.0" encoding="utf-8"?>
+<p:sld xmlns:a="http://schemas.openxmlformats.org/drawingml/2006/main" xmlns:r="http://schemas.openxmlformats.org/officeDocument/2006/relationships" xmlns:p="http://schemas.openxmlformats.org/presentationml/2006/main">
+  <p:cSld>
+    <p:spTree>
+      <p:nvGrpSpPr>
+        <p:cNvPr id="1" name=""/>
+        <p:cNvGrpSpPr/>
+        <p:nvPr/>
+      </p:nvGrpSpPr>
+      <p:grpSpPr>
+        <a:xfrm>
+          <a:off x="0" y="0"/>
+          <a:ext cx="0" cy="0"/>
+          <a:chOff x="0" y="0"/>
+          <a:chExt cx="0" cy="0"/>
+        </a:xfrm>
+      </p:grpSpPr>
+      <p:sp>
+        <p:nvSpPr>
+          <p:cNvPr id="2" name="Title 1"/>
+          <p:cNvSpPr>
+            <a:spLocks noGrp="1"/>
+          </p:cNvSpPr>
+          <p:nvPr>
+            <p:ph type="title"/>
+          </p:nvPr>
+        </p:nvSpPr>
+        <p:spPr/>
+        <p:txBody>
+          <a:bodyPr/>
+          <a:lstStyle/>
+          <a:p>
+            <a:r>
+              <a:rPr lang="en-US" dirty="0"/>
               <a:t>Thank you!</a:t>
             </a:r>
           </a:p>
@@ -53912,7 +54352,7 @@
 </p:sld>
 </file>
 
-<file path=ppt/slides/slide53.xml><?xml version="1.0" encoding="utf-8"?>
+<file path=ppt/slides/slide54.xml><?xml version="1.0" encoding="utf-8"?>
 <p:sld xmlns:a="http://schemas.openxmlformats.org/drawingml/2006/main" xmlns:r="http://schemas.openxmlformats.org/officeDocument/2006/relationships" xmlns:p="http://schemas.openxmlformats.org/presentationml/2006/main" show="0">
   <p:cSld>
     <p:spTree>
@@ -53964,7 +54404,7 @@
 </p:sld>
 </file>
 
-<file path=ppt/slides/slide54.xml><?xml version="1.0" encoding="utf-8"?>
+<file path=ppt/slides/slide55.xml><?xml version="1.0" encoding="utf-8"?>
 <p:sld xmlns:a="http://schemas.openxmlformats.org/drawingml/2006/main" xmlns:r="http://schemas.openxmlformats.org/officeDocument/2006/relationships" xmlns:p="http://schemas.openxmlformats.org/presentationml/2006/main" show="0">
   <p:cSld>
     <p:spTree>
@@ -54052,7 +54492,7 @@
 </p:sld>
 </file>
 
-<file path=ppt/slides/slide55.xml><?xml version="1.0" encoding="utf-8"?>
+<file path=ppt/slides/slide56.xml><?xml version="1.0" encoding="utf-8"?>
 <p:sld xmlns:a="http://schemas.openxmlformats.org/drawingml/2006/main" xmlns:r="http://schemas.openxmlformats.org/officeDocument/2006/relationships" xmlns:p="http://schemas.openxmlformats.org/presentationml/2006/main" show="0">
   <p:cSld>
     <p:spTree>
@@ -54142,6 +54582,147 @@
 </file>
 
 <file path=ppt/slides/slide6.xml><?xml version="1.0" encoding="utf-8"?>
+<p:sld xmlns:a="http://schemas.openxmlformats.org/drawingml/2006/main" xmlns:r="http://schemas.openxmlformats.org/officeDocument/2006/relationships" xmlns:p="http://schemas.openxmlformats.org/presentationml/2006/main">
+  <p:cSld>
+    <p:spTree>
+      <p:nvGrpSpPr>
+        <p:cNvPr id="1" name=""/>
+        <p:cNvGrpSpPr/>
+        <p:nvPr/>
+      </p:nvGrpSpPr>
+      <p:grpSpPr>
+        <a:xfrm>
+          <a:off x="0" y="0"/>
+          <a:ext cx="0" cy="0"/>
+          <a:chOff x="0" y="0"/>
+          <a:chExt cx="0" cy="0"/>
+        </a:xfrm>
+      </p:grpSpPr>
+      <p:sp>
+        <p:nvSpPr>
+          <p:cNvPr id="2" name="Title 1"/>
+          <p:cNvSpPr>
+            <a:spLocks noGrp="1"/>
+          </p:cNvSpPr>
+          <p:nvPr>
+            <p:ph type="title"/>
+          </p:nvPr>
+        </p:nvSpPr>
+        <p:spPr/>
+        <p:txBody>
+          <a:bodyPr/>
+          <a:lstStyle/>
+          <a:p>
+            <a:r>
+              <a:rPr lang="en-US" dirty="0">
+                <a:latin typeface="Amazon Ember" panose="020B0603020204020204" pitchFamily="34" charset="0"/>
+                <a:ea typeface="Amazon Ember" panose="020B0603020204020204" pitchFamily="34" charset="0"/>
+                <a:cs typeface="Amazon Ember" panose="020B0603020204020204" pitchFamily="34" charset="0"/>
+              </a:rPr>
+              <a:t>Data Breaches</a:t>
+            </a:r>
+            <a:endParaRPr lang="en-US" dirty="0"/>
+          </a:p>
+        </p:txBody>
+      </p:sp>
+      <p:sp>
+        <p:nvSpPr>
+          <p:cNvPr id="10" name="Rectangle 9">
+            <a:extLst>
+              <a:ext uri="{FF2B5EF4-FFF2-40B4-BE49-F238E27FC236}">
+                <a16:creationId xmlns:a16="http://schemas.microsoft.com/office/drawing/2014/main" id="{436443CF-2ED9-564F-B952-1AB90F924366}"/>
+              </a:ext>
+            </a:extLst>
+          </p:cNvPr>
+          <p:cNvSpPr/>
+          <p:nvPr/>
+        </p:nvSpPr>
+        <p:spPr>
+          <a:xfrm>
+            <a:off x="174556" y="4450470"/>
+            <a:ext cx="5346335" cy="265457"/>
+          </a:xfrm>
+          <a:prstGeom prst="rect">
+            <a:avLst/>
+          </a:prstGeom>
+        </p:spPr>
+        <p:txBody>
+          <a:bodyPr wrap="none">
+            <a:spAutoFit/>
+          </a:bodyPr>
+          <a:lstStyle/>
+          <a:p>
+            <a:r>
+              <a:rPr lang="en-US" sz="1125" i="1" dirty="0">
+                <a:latin typeface="Amazon Ember" panose="020B0603020204020204" pitchFamily="34" charset="0"/>
+                <a:ea typeface="Amazon Ember" panose="020B0603020204020204" pitchFamily="34" charset="0"/>
+                <a:cs typeface="Amazon Ember" panose="020B0603020204020204" pitchFamily="34" charset="0"/>
+              </a:rPr>
+              <a:t>https://</a:t>
+            </a:r>
+            <a:r>
+              <a:rPr lang="en-US" sz="1125" i="1" dirty="0" err="1">
+                <a:latin typeface="Amazon Ember" panose="020B0603020204020204" pitchFamily="34" charset="0"/>
+                <a:ea typeface="Amazon Ember" panose="020B0603020204020204" pitchFamily="34" charset="0"/>
+                <a:cs typeface="Amazon Ember" panose="020B0603020204020204" pitchFamily="34" charset="0"/>
+              </a:rPr>
+              <a:t>axiado.com</a:t>
+            </a:r>
+            <a:r>
+              <a:rPr lang="en-US" sz="1125" i="1" dirty="0">
+                <a:latin typeface="Amazon Ember" panose="020B0603020204020204" pitchFamily="34" charset="0"/>
+                <a:ea typeface="Amazon Ember" panose="020B0603020204020204" pitchFamily="34" charset="0"/>
+                <a:cs typeface="Amazon Ember" panose="020B0603020204020204" pitchFamily="34" charset="0"/>
+              </a:rPr>
+              <a:t>/blog/complexity-may-be-the-biggest-issue-of-cybersecurity/</a:t>
+            </a:r>
+          </a:p>
+        </p:txBody>
+      </p:sp>
+      <p:pic>
+        <p:nvPicPr>
+          <p:cNvPr id="4" name="Picture 3">
+            <a:extLst>
+              <a:ext uri="{FF2B5EF4-FFF2-40B4-BE49-F238E27FC236}">
+                <a16:creationId xmlns:a16="http://schemas.microsoft.com/office/drawing/2014/main" id="{A3D1B3D0-570C-5248-95EC-0F9C5E6BBB89}"/>
+              </a:ext>
+            </a:extLst>
+          </p:cNvPr>
+          <p:cNvPicPr>
+            <a:picLocks noChangeAspect="1"/>
+          </p:cNvPicPr>
+          <p:nvPr/>
+        </p:nvPicPr>
+        <p:blipFill>
+          <a:blip r:embed="rId3"/>
+          <a:stretch>
+            <a:fillRect/>
+          </a:stretch>
+        </p:blipFill>
+        <p:spPr>
+          <a:xfrm>
+            <a:off x="3025797" y="0"/>
+            <a:ext cx="4990188" cy="4483372"/>
+          </a:xfrm>
+          <a:prstGeom prst="rect">
+            <a:avLst/>
+          </a:prstGeom>
+        </p:spPr>
+      </p:pic>
+    </p:spTree>
+    <p:extLst>
+      <p:ext uri="{BB962C8B-B14F-4D97-AF65-F5344CB8AC3E}">
+        <p14:creationId xmlns:p14="http://schemas.microsoft.com/office/powerpoint/2010/main" val="3993264834"/>
+      </p:ext>
+    </p:extLst>
+  </p:cSld>
+  <p:clrMapOvr>
+    <a:masterClrMapping/>
+  </p:clrMapOvr>
+</p:sld>
+</file>
+
+<file path=ppt/slides/slide7.xml><?xml version="1.0" encoding="utf-8"?>
 <p:sld xmlns:a="http://schemas.openxmlformats.org/drawingml/2006/main" xmlns:r="http://schemas.openxmlformats.org/officeDocument/2006/relationships" xmlns:p="http://schemas.openxmlformats.org/presentationml/2006/main">
   <p:cSld>
     <p:spTree>
@@ -54791,7 +55372,7 @@
 </p:sld>
 </file>
 
-<file path=ppt/slides/slide7.xml><?xml version="1.0" encoding="utf-8"?>
+<file path=ppt/slides/slide8.xml><?xml version="1.0" encoding="utf-8"?>
 <p:sld xmlns:a="http://schemas.openxmlformats.org/drawingml/2006/main" xmlns:r="http://schemas.openxmlformats.org/officeDocument/2006/relationships" xmlns:p="http://schemas.openxmlformats.org/presentationml/2006/main">
   <p:cSld>
     <p:spTree>
@@ -54878,7 +55459,7 @@
 </p:sld>
 </file>
 
-<file path=ppt/slides/slide8.xml><?xml version="1.0" encoding="utf-8"?>
+<file path=ppt/slides/slide9.xml><?xml version="1.0" encoding="utf-8"?>
 <p:sld xmlns:a="http://schemas.openxmlformats.org/drawingml/2006/main" xmlns:r="http://schemas.openxmlformats.org/officeDocument/2006/relationships" xmlns:p="http://schemas.openxmlformats.org/presentationml/2006/main">
   <p:cSld>
     <p:spTree>
@@ -55177,63 +55758,6 @@
     <p:extLst>
       <p:ext uri="{BB962C8B-B14F-4D97-AF65-F5344CB8AC3E}">
         <p14:creationId xmlns:p14="http://schemas.microsoft.com/office/powerpoint/2010/main" val="3954892063"/>
-      </p:ext>
-    </p:extLst>
-  </p:cSld>
-  <p:clrMapOvr>
-    <a:masterClrMapping/>
-  </p:clrMapOvr>
-</p:sld>
-</file>
-
-<file path=ppt/slides/slide9.xml><?xml version="1.0" encoding="utf-8"?>
-<p:sld xmlns:a="http://schemas.openxmlformats.org/drawingml/2006/main" xmlns:r="http://schemas.openxmlformats.org/officeDocument/2006/relationships" xmlns:p="http://schemas.openxmlformats.org/presentationml/2006/main">
-  <p:cSld>
-    <p:spTree>
-      <p:nvGrpSpPr>
-        <p:cNvPr id="1" name=""/>
-        <p:cNvGrpSpPr/>
-        <p:nvPr/>
-      </p:nvGrpSpPr>
-      <p:grpSpPr>
-        <a:xfrm>
-          <a:off x="0" y="0"/>
-          <a:ext cx="0" cy="0"/>
-          <a:chOff x="0" y="0"/>
-          <a:chExt cx="0" cy="0"/>
-        </a:xfrm>
-      </p:grpSpPr>
-      <p:sp>
-        <p:nvSpPr>
-          <p:cNvPr id="2" name="Title 1"/>
-          <p:cNvSpPr>
-            <a:spLocks noGrp="1"/>
-          </p:cNvSpPr>
-          <p:nvPr>
-            <p:ph type="title"/>
-          </p:nvPr>
-        </p:nvSpPr>
-        <p:spPr>
-          <a:xfrm>
-            <a:off x="411647" y="1674428"/>
-            <a:ext cx="5847751" cy="1250668"/>
-          </a:xfrm>
-        </p:spPr>
-        <p:txBody>
-          <a:bodyPr/>
-          <a:lstStyle/>
-          <a:p>
-            <a:r>
-              <a:rPr lang="en-US" dirty="0"/>
-              <a:t>Threat Detection</a:t>
-            </a:r>
-          </a:p>
-        </p:txBody>
-      </p:sp>
-    </p:spTree>
-    <p:extLst>
-      <p:ext uri="{BB962C8B-B14F-4D97-AF65-F5344CB8AC3E}">
-        <p14:creationId xmlns:p14="http://schemas.microsoft.com/office/powerpoint/2010/main" val="293405967"/>
       </p:ext>
     </p:extLst>
   </p:cSld>
